--- a/AAPL v AMZN v GOOG.pptx
+++ b/AAPL v AMZN v GOOG.pptx
@@ -6,17 +6,20 @@
   </p:sldMasterIdLst>
   <p:sldIdLst>
     <p:sldId id="256" r:id="rId2"/>
-    <p:sldId id="257" r:id="rId3"/>
-    <p:sldId id="258" r:id="rId4"/>
-    <p:sldId id="259" r:id="rId5"/>
-    <p:sldId id="260" r:id="rId6"/>
-    <p:sldId id="261" r:id="rId7"/>
-    <p:sldId id="262" r:id="rId8"/>
-    <p:sldId id="263" r:id="rId9"/>
-    <p:sldId id="264" r:id="rId10"/>
-    <p:sldId id="265" r:id="rId11"/>
-    <p:sldId id="266" r:id="rId12"/>
-    <p:sldId id="267" r:id="rId13"/>
+    <p:sldId id="272" r:id="rId3"/>
+    <p:sldId id="257" r:id="rId4"/>
+    <p:sldId id="258" r:id="rId5"/>
+    <p:sldId id="259" r:id="rId6"/>
+    <p:sldId id="260" r:id="rId7"/>
+    <p:sldId id="268" r:id="rId8"/>
+    <p:sldId id="270" r:id="rId9"/>
+    <p:sldId id="261" r:id="rId10"/>
+    <p:sldId id="262" r:id="rId11"/>
+    <p:sldId id="263" r:id="rId12"/>
+    <p:sldId id="264" r:id="rId13"/>
+    <p:sldId id="265" r:id="rId14"/>
+    <p:sldId id="266" r:id="rId15"/>
+    <p:sldId id="267" r:id="rId16"/>
   </p:sldIdLst>
   <p:sldSz cx="12192000" cy="6858000"/>
   <p:notesSz cx="6858000" cy="9144000"/>
@@ -115,6 +118,11 @@
       </a:defRPr>
     </a:lvl9pPr>
   </p:defaultTextStyle>
+  <p:extLst>
+    <p:ext uri="{EFAFB233-063F-42B5-8137-9DF3F51BA10A}">
+      <p15:sldGuideLst xmlns:p15="http://schemas.microsoft.com/office/powerpoint/2012/main"/>
+    </p:ext>
+  </p:extLst>
 </p:presentation>
 </file>
 
@@ -3417,6 +3425,204 @@
       </p:grpSpPr>
       <p:pic>
         <p:nvPicPr>
+          <p:cNvPr id="3" name="Picture 2" descr="Graphical user interface&#10;&#10;Description automatically generated with medium confidence">
+            <a:extLst>
+              <a:ext uri="{FF2B5EF4-FFF2-40B4-BE49-F238E27FC236}">
+                <a16:creationId xmlns:a16="http://schemas.microsoft.com/office/drawing/2014/main" id="{4802E230-6181-D426-7979-BB594C07D792}"/>
+              </a:ext>
+            </a:extLst>
+          </p:cNvPr>
+          <p:cNvPicPr>
+            <a:picLocks noChangeAspect="1"/>
+          </p:cNvPicPr>
+          <p:nvPr/>
+        </p:nvPicPr>
+        <p:blipFill>
+          <a:blip r:embed="rId2">
+            <a:extLst>
+              <a:ext uri="{28A0092B-C50C-407E-A947-70E740481C1C}">
+                <a14:useLocalDpi xmlns:a14="http://schemas.microsoft.com/office/drawing/2010/main" val="0"/>
+              </a:ext>
+            </a:extLst>
+          </a:blip>
+          <a:stretch>
+            <a:fillRect/>
+          </a:stretch>
+        </p:blipFill>
+        <p:spPr>
+          <a:xfrm>
+            <a:off x="2879668" y="0"/>
+            <a:ext cx="6432664" cy="6858000"/>
+          </a:xfrm>
+          <a:prstGeom prst="rect">
+            <a:avLst/>
+          </a:prstGeom>
+        </p:spPr>
+      </p:pic>
+    </p:spTree>
+    <p:extLst>
+      <p:ext uri="{BB962C8B-B14F-4D97-AF65-F5344CB8AC3E}">
+        <p14:creationId xmlns:p14="http://schemas.microsoft.com/office/powerpoint/2010/main" val="3841550320"/>
+      </p:ext>
+    </p:extLst>
+  </p:cSld>
+  <p:clrMapOvr>
+    <a:masterClrMapping/>
+  </p:clrMapOvr>
+</p:sld>
+</file>
+
+<file path=ppt/slides/slide11.xml><?xml version="1.0" encoding="utf-8"?>
+<p:sld xmlns:a="http://schemas.openxmlformats.org/drawingml/2006/main" xmlns:r="http://schemas.openxmlformats.org/officeDocument/2006/relationships" xmlns:p="http://schemas.openxmlformats.org/presentationml/2006/main">
+  <p:cSld>
+    <p:spTree>
+      <p:nvGrpSpPr>
+        <p:cNvPr id="1" name=""/>
+        <p:cNvGrpSpPr/>
+        <p:nvPr/>
+      </p:nvGrpSpPr>
+      <p:grpSpPr>
+        <a:xfrm>
+          <a:off x="0" y="0"/>
+          <a:ext cx="0" cy="0"/>
+          <a:chOff x="0" y="0"/>
+          <a:chExt cx="0" cy="0"/>
+        </a:xfrm>
+      </p:grpSpPr>
+      <p:pic>
+        <p:nvPicPr>
+          <p:cNvPr id="3" name="Picture 2" descr="Graphical user interface&#10;&#10;Description automatically generated">
+            <a:extLst>
+              <a:ext uri="{FF2B5EF4-FFF2-40B4-BE49-F238E27FC236}">
+                <a16:creationId xmlns:a16="http://schemas.microsoft.com/office/drawing/2014/main" id="{5766AE1B-5E3B-98A3-C665-858DFA9EABA9}"/>
+              </a:ext>
+            </a:extLst>
+          </p:cNvPr>
+          <p:cNvPicPr>
+            <a:picLocks noChangeAspect="1"/>
+          </p:cNvPicPr>
+          <p:nvPr/>
+        </p:nvPicPr>
+        <p:blipFill>
+          <a:blip r:embed="rId2">
+            <a:extLst>
+              <a:ext uri="{28A0092B-C50C-407E-A947-70E740481C1C}">
+                <a14:useLocalDpi xmlns:a14="http://schemas.microsoft.com/office/drawing/2010/main" val="0"/>
+              </a:ext>
+            </a:extLst>
+          </a:blip>
+          <a:stretch>
+            <a:fillRect/>
+          </a:stretch>
+        </p:blipFill>
+        <p:spPr>
+          <a:xfrm>
+            <a:off x="2879668" y="0"/>
+            <a:ext cx="6432664" cy="6858000"/>
+          </a:xfrm>
+          <a:prstGeom prst="rect">
+            <a:avLst/>
+          </a:prstGeom>
+        </p:spPr>
+      </p:pic>
+    </p:spTree>
+    <p:extLst>
+      <p:ext uri="{BB962C8B-B14F-4D97-AF65-F5344CB8AC3E}">
+        <p14:creationId xmlns:p14="http://schemas.microsoft.com/office/powerpoint/2010/main" val="1705268245"/>
+      </p:ext>
+    </p:extLst>
+  </p:cSld>
+  <p:clrMapOvr>
+    <a:masterClrMapping/>
+  </p:clrMapOvr>
+</p:sld>
+</file>
+
+<file path=ppt/slides/slide12.xml><?xml version="1.0" encoding="utf-8"?>
+<p:sld xmlns:a="http://schemas.openxmlformats.org/drawingml/2006/main" xmlns:r="http://schemas.openxmlformats.org/officeDocument/2006/relationships" xmlns:p="http://schemas.openxmlformats.org/presentationml/2006/main">
+  <p:cSld>
+    <p:spTree>
+      <p:nvGrpSpPr>
+        <p:cNvPr id="1" name=""/>
+        <p:cNvGrpSpPr/>
+        <p:nvPr/>
+      </p:nvGrpSpPr>
+      <p:grpSpPr>
+        <a:xfrm>
+          <a:off x="0" y="0"/>
+          <a:ext cx="0" cy="0"/>
+          <a:chOff x="0" y="0"/>
+          <a:chExt cx="0" cy="0"/>
+        </a:xfrm>
+      </p:grpSpPr>
+      <p:pic>
+        <p:nvPicPr>
+          <p:cNvPr id="3" name="Picture 2" descr="Chart, line chart&#10;&#10;Description automatically generated">
+            <a:extLst>
+              <a:ext uri="{FF2B5EF4-FFF2-40B4-BE49-F238E27FC236}">
+                <a16:creationId xmlns:a16="http://schemas.microsoft.com/office/drawing/2014/main" id="{02C15916-542C-978A-0568-640595D3846A}"/>
+              </a:ext>
+            </a:extLst>
+          </p:cNvPr>
+          <p:cNvPicPr>
+            <a:picLocks noChangeAspect="1"/>
+          </p:cNvPicPr>
+          <p:nvPr/>
+        </p:nvPicPr>
+        <p:blipFill>
+          <a:blip r:embed="rId2">
+            <a:extLst>
+              <a:ext uri="{28A0092B-C50C-407E-A947-70E740481C1C}">
+                <a14:useLocalDpi xmlns:a14="http://schemas.microsoft.com/office/drawing/2010/main" val="0"/>
+              </a:ext>
+            </a:extLst>
+          </a:blip>
+          <a:stretch>
+            <a:fillRect/>
+          </a:stretch>
+        </p:blipFill>
+        <p:spPr>
+          <a:xfrm>
+            <a:off x="0" y="339577"/>
+            <a:ext cx="12192000" cy="6178845"/>
+          </a:xfrm>
+          <a:prstGeom prst="rect">
+            <a:avLst/>
+          </a:prstGeom>
+        </p:spPr>
+      </p:pic>
+    </p:spTree>
+    <p:extLst>
+      <p:ext uri="{BB962C8B-B14F-4D97-AF65-F5344CB8AC3E}">
+        <p14:creationId xmlns:p14="http://schemas.microsoft.com/office/powerpoint/2010/main" val="1549384176"/>
+      </p:ext>
+    </p:extLst>
+  </p:cSld>
+  <p:clrMapOvr>
+    <a:masterClrMapping/>
+  </p:clrMapOvr>
+</p:sld>
+</file>
+
+<file path=ppt/slides/slide13.xml><?xml version="1.0" encoding="utf-8"?>
+<p:sld xmlns:a="http://schemas.openxmlformats.org/drawingml/2006/main" xmlns:r="http://schemas.openxmlformats.org/officeDocument/2006/relationships" xmlns:p="http://schemas.openxmlformats.org/presentationml/2006/main">
+  <p:cSld>
+    <p:spTree>
+      <p:nvGrpSpPr>
+        <p:cNvPr id="1" name=""/>
+        <p:cNvGrpSpPr/>
+        <p:nvPr/>
+      </p:nvGrpSpPr>
+      <p:grpSpPr>
+        <a:xfrm>
+          <a:off x="0" y="0"/>
+          <a:ext cx="0" cy="0"/>
+          <a:chOff x="0" y="0"/>
+          <a:chExt cx="0" cy="0"/>
+        </a:xfrm>
+      </p:grpSpPr>
+      <p:pic>
+        <p:nvPicPr>
           <p:cNvPr id="3" name="Picture 2" descr="Chart, histogram&#10;&#10;Description automatically generated">
             <a:extLst>
               <a:ext uri="{FF2B5EF4-FFF2-40B4-BE49-F238E27FC236}">
@@ -3464,7 +3670,7 @@
 </p:sld>
 </file>
 
-<file path=ppt/slides/slide11.xml><?xml version="1.0" encoding="utf-8"?>
+<file path=ppt/slides/slide14.xml><?xml version="1.0" encoding="utf-8"?>
 <p:sld xmlns:a="http://schemas.openxmlformats.org/drawingml/2006/main" xmlns:r="http://schemas.openxmlformats.org/officeDocument/2006/relationships" xmlns:p="http://schemas.openxmlformats.org/presentationml/2006/main">
   <p:cSld>
     <p:spTree>
@@ -3530,7 +3736,7 @@
 </p:sld>
 </file>
 
-<file path=ppt/slides/slide12.xml><?xml version="1.0" encoding="utf-8"?>
+<file path=ppt/slides/slide15.xml><?xml version="1.0" encoding="utf-8"?>
 <p:sld xmlns:a="http://schemas.openxmlformats.org/drawingml/2006/main" xmlns:r="http://schemas.openxmlformats.org/officeDocument/2006/relationships" xmlns:p="http://schemas.openxmlformats.org/presentationml/2006/main">
   <p:cSld>
     <p:spTree>
@@ -3613,10 +3819,86 @@
           <a:chExt cx="0" cy="0"/>
         </a:xfrm>
       </p:grpSpPr>
+      <p:sp>
+        <p:nvSpPr>
+          <p:cNvPr id="2" name="Title 1">
+            <a:extLst>
+              <a:ext uri="{FF2B5EF4-FFF2-40B4-BE49-F238E27FC236}">
+                <a16:creationId xmlns:a16="http://schemas.microsoft.com/office/drawing/2014/main" id="{7985DAE8-7B65-F220-02F5-B04656A05FF2}"/>
+              </a:ext>
+            </a:extLst>
+          </p:cNvPr>
+          <p:cNvSpPr>
+            <a:spLocks noGrp="1"/>
+          </p:cNvSpPr>
+          <p:nvPr>
+            <p:ph type="title"/>
+          </p:nvPr>
+        </p:nvSpPr>
+        <p:spPr/>
+        <p:txBody>
+          <a:bodyPr/>
+          <a:lstStyle/>
+          <a:p>
+            <a:r>
+              <a:rPr lang="en-US" dirty="0"/>
+              <a:t>Summary of Companies Selected</a:t>
+            </a:r>
+          </a:p>
+        </p:txBody>
+      </p:sp>
+      <p:sp>
+        <p:nvSpPr>
+          <p:cNvPr id="3" name="Content Placeholder 2">
+            <a:extLst>
+              <a:ext uri="{FF2B5EF4-FFF2-40B4-BE49-F238E27FC236}">
+                <a16:creationId xmlns:a16="http://schemas.microsoft.com/office/drawing/2014/main" id="{4989955C-321D-817E-B0BF-3E99EA013458}"/>
+              </a:ext>
+            </a:extLst>
+          </p:cNvPr>
+          <p:cNvSpPr>
+            <a:spLocks noGrp="1"/>
+          </p:cNvSpPr>
+          <p:nvPr>
+            <p:ph idx="1"/>
+          </p:nvPr>
+        </p:nvSpPr>
+        <p:spPr/>
+        <p:txBody>
+          <a:bodyPr>
+            <a:normAutofit fontScale="70000" lnSpcReduction="20000"/>
+          </a:bodyPr>
+          <a:lstStyle/>
+          <a:p>
+            <a:r>
+              <a:rPr lang="en-US" dirty="0"/>
+              <a:t>Apple (AAPL) designs and sells electronic devices such as the iPhone, iPad, Mac, Apple Watch, Air Pods and Apple TV. The company also offers services such as Apple Music, iCloud, Apple Care, Apple TV+, Apple Arcade, Apple Card and Apple Pay. The integrated hardware, software and services are sold in company-owned stores or third-party retailers.</a:t>
+            </a:r>
+          </a:p>
+          <a:p>
+            <a:endParaRPr lang="en-US" dirty="0"/>
+          </a:p>
+          <a:p>
+            <a:r>
+              <a:rPr lang="en-US" dirty="0"/>
+              <a:t>Alphabet (GOOG) is a holding company for the internet giant Google where most of the revenue (85%) is from online ads. Other revenue is from the sales of apps, Google Pay, YouTube as well as cloud service fees and other licensing revenue. They invest in health (Verily), faster internet (Google Fiber), self-driving cars (Waymo). Operating revenue has been 25% to 30%.</a:t>
+            </a:r>
+          </a:p>
+          <a:p>
+            <a:endParaRPr lang="en-US" dirty="0"/>
+          </a:p>
+          <a:p>
+            <a:r>
+              <a:rPr lang="en-US" dirty="0"/>
+              <a:t>Amazon (AMZN) is a leading online retailer and e-commerce aggregator. Net sales are about $ 386 billion and approximately $ 578 billion in estimated physical/digital online gross merchandise. Retail accounts for 80% of total revenue, 10%-15% for Amazon Web services cloud computing, 5% in advertising services. International sales are strong in Germany, United Kingdom and Japan.</a:t>
+            </a:r>
+          </a:p>
+        </p:txBody>
+      </p:sp>
     </p:spTree>
     <p:extLst>
       <p:ext uri="{BB962C8B-B14F-4D97-AF65-F5344CB8AC3E}">
-        <p14:creationId xmlns:p14="http://schemas.microsoft.com/office/powerpoint/2010/main" val="3125829838"/>
+        <p14:creationId xmlns:p14="http://schemas.microsoft.com/office/powerpoint/2010/main" val="2733002857"/>
       </p:ext>
     </p:extLst>
   </p:cSld>
@@ -3643,10 +3925,40 @@
           <a:chExt cx="0" cy="0"/>
         </a:xfrm>
       </p:grpSpPr>
+      <p:pic>
+        <p:nvPicPr>
+          <p:cNvPr id="2" name="Picture 1">
+            <a:extLst>
+              <a:ext uri="{FF2B5EF4-FFF2-40B4-BE49-F238E27FC236}">
+                <a16:creationId xmlns:a16="http://schemas.microsoft.com/office/drawing/2014/main" id="{5B86F7C7-C4ED-566C-E8DF-229FEE7374B5}"/>
+              </a:ext>
+            </a:extLst>
+          </p:cNvPr>
+          <p:cNvPicPr>
+            <a:picLocks noChangeAspect="1"/>
+          </p:cNvPicPr>
+          <p:nvPr/>
+        </p:nvPicPr>
+        <p:blipFill>
+          <a:blip r:embed="rId2"/>
+          <a:stretch>
+            <a:fillRect/>
+          </a:stretch>
+        </p:blipFill>
+        <p:spPr>
+          <a:xfrm>
+            <a:off x="0" y="256732"/>
+            <a:ext cx="12192000" cy="6344535"/>
+          </a:xfrm>
+          <a:prstGeom prst="rect">
+            <a:avLst/>
+          </a:prstGeom>
+        </p:spPr>
+      </p:pic>
     </p:spTree>
     <p:extLst>
       <p:ext uri="{BB962C8B-B14F-4D97-AF65-F5344CB8AC3E}">
-        <p14:creationId xmlns:p14="http://schemas.microsoft.com/office/powerpoint/2010/main" val="1101428788"/>
+        <p14:creationId xmlns:p14="http://schemas.microsoft.com/office/powerpoint/2010/main" val="3125829838"/>
       </p:ext>
     </p:extLst>
   </p:cSld>
@@ -3673,10 +3985,40 @@
           <a:chExt cx="0" cy="0"/>
         </a:xfrm>
       </p:grpSpPr>
+      <p:pic>
+        <p:nvPicPr>
+          <p:cNvPr id="2" name="Picture 1">
+            <a:extLst>
+              <a:ext uri="{FF2B5EF4-FFF2-40B4-BE49-F238E27FC236}">
+                <a16:creationId xmlns:a16="http://schemas.microsoft.com/office/drawing/2014/main" id="{D4D3650C-3CD0-DD9B-23DA-F2DF4E1617F5}"/>
+              </a:ext>
+            </a:extLst>
+          </p:cNvPr>
+          <p:cNvPicPr>
+            <a:picLocks noChangeAspect="1"/>
+          </p:cNvPicPr>
+          <p:nvPr/>
+        </p:nvPicPr>
+        <p:blipFill>
+          <a:blip r:embed="rId2"/>
+          <a:stretch>
+            <a:fillRect/>
+          </a:stretch>
+        </p:blipFill>
+        <p:spPr>
+          <a:xfrm>
+            <a:off x="0" y="256732"/>
+            <a:ext cx="12192000" cy="6344535"/>
+          </a:xfrm>
+          <a:prstGeom prst="rect">
+            <a:avLst/>
+          </a:prstGeom>
+        </p:spPr>
+      </p:pic>
     </p:spTree>
     <p:extLst>
       <p:ext uri="{BB962C8B-B14F-4D97-AF65-F5344CB8AC3E}">
-        <p14:creationId xmlns:p14="http://schemas.microsoft.com/office/powerpoint/2010/main" val="618202407"/>
+        <p14:creationId xmlns:p14="http://schemas.microsoft.com/office/powerpoint/2010/main" val="1101428788"/>
       </p:ext>
     </p:extLst>
   </p:cSld>
@@ -3703,10 +4045,40 @@
           <a:chExt cx="0" cy="0"/>
         </a:xfrm>
       </p:grpSpPr>
+      <p:pic>
+        <p:nvPicPr>
+          <p:cNvPr id="2" name="Picture 1">
+            <a:extLst>
+              <a:ext uri="{FF2B5EF4-FFF2-40B4-BE49-F238E27FC236}">
+                <a16:creationId xmlns:a16="http://schemas.microsoft.com/office/drawing/2014/main" id="{C46E21AF-926E-37B4-8F0B-1395129ADC05}"/>
+              </a:ext>
+            </a:extLst>
+          </p:cNvPr>
+          <p:cNvPicPr>
+            <a:picLocks noChangeAspect="1"/>
+          </p:cNvPicPr>
+          <p:nvPr/>
+        </p:nvPicPr>
+        <p:blipFill>
+          <a:blip r:embed="rId2"/>
+          <a:stretch>
+            <a:fillRect/>
+          </a:stretch>
+        </p:blipFill>
+        <p:spPr>
+          <a:xfrm>
+            <a:off x="0" y="256732"/>
+            <a:ext cx="12192000" cy="6344535"/>
+          </a:xfrm>
+          <a:prstGeom prst="rect">
+            <a:avLst/>
+          </a:prstGeom>
+        </p:spPr>
+      </p:pic>
     </p:spTree>
     <p:extLst>
       <p:ext uri="{BB962C8B-B14F-4D97-AF65-F5344CB8AC3E}">
-        <p14:creationId xmlns:p14="http://schemas.microsoft.com/office/powerpoint/2010/main" val="2597545788"/>
+        <p14:creationId xmlns:p14="http://schemas.microsoft.com/office/powerpoint/2010/main" val="618202407"/>
       </p:ext>
     </p:extLst>
   </p:cSld>
@@ -3735,10 +4107,10 @@
       </p:grpSpPr>
       <p:pic>
         <p:nvPicPr>
-          <p:cNvPr id="7" name="Picture 6" descr="Graphical user interface&#10;&#10;Description automatically generated">
-            <a:extLst>
-              <a:ext uri="{FF2B5EF4-FFF2-40B4-BE49-F238E27FC236}">
-                <a16:creationId xmlns:a16="http://schemas.microsoft.com/office/drawing/2014/main" id="{B29E9081-2E65-DA26-6640-A63C4DAF8F2B}"/>
+          <p:cNvPr id="2" name="Picture 1">
+            <a:extLst>
+              <a:ext uri="{FF2B5EF4-FFF2-40B4-BE49-F238E27FC236}">
+                <a16:creationId xmlns:a16="http://schemas.microsoft.com/office/drawing/2014/main" id="{3F73AA94-ACDC-08EC-36E9-B8719DB0369F}"/>
               </a:ext>
             </a:extLst>
           </p:cNvPr>
@@ -3748,21 +4120,15 @@
           <p:nvPr/>
         </p:nvPicPr>
         <p:blipFill>
-          <a:blip r:embed="rId2">
-            <a:extLst>
-              <a:ext uri="{28A0092B-C50C-407E-A947-70E740481C1C}">
-                <a14:useLocalDpi xmlns:a14="http://schemas.microsoft.com/office/drawing/2010/main" val="0"/>
-              </a:ext>
-            </a:extLst>
-          </a:blip>
+          <a:blip r:embed="rId2"/>
           <a:stretch>
             <a:fillRect/>
           </a:stretch>
         </p:blipFill>
         <p:spPr>
           <a:xfrm>
-            <a:off x="2879668" y="0"/>
-            <a:ext cx="6432664" cy="6858000"/>
+            <a:off x="0" y="258528"/>
+            <a:ext cx="12192000" cy="6340944"/>
           </a:xfrm>
           <a:prstGeom prst="rect">
             <a:avLst/>
@@ -3772,7 +4138,7 @@
     </p:spTree>
     <p:extLst>
       <p:ext uri="{BB962C8B-B14F-4D97-AF65-F5344CB8AC3E}">
-        <p14:creationId xmlns:p14="http://schemas.microsoft.com/office/powerpoint/2010/main" val="2099185213"/>
+        <p14:creationId xmlns:p14="http://schemas.microsoft.com/office/powerpoint/2010/main" val="2597545788"/>
       </p:ext>
     </p:extLst>
   </p:cSld>
@@ -3801,10 +4167,10 @@
       </p:grpSpPr>
       <p:pic>
         <p:nvPicPr>
-          <p:cNvPr id="3" name="Picture 2" descr="Graphical user interface&#10;&#10;Description automatically generated with medium confidence">
-            <a:extLst>
-              <a:ext uri="{FF2B5EF4-FFF2-40B4-BE49-F238E27FC236}">
-                <a16:creationId xmlns:a16="http://schemas.microsoft.com/office/drawing/2014/main" id="{4802E230-6181-D426-7979-BB594C07D792}"/>
+          <p:cNvPr id="2" name="Picture 1">
+            <a:extLst>
+              <a:ext uri="{FF2B5EF4-FFF2-40B4-BE49-F238E27FC236}">
+                <a16:creationId xmlns:a16="http://schemas.microsoft.com/office/drawing/2014/main" id="{41C7B445-6F7F-6AA0-F7CD-52A50F44C23B}"/>
               </a:ext>
             </a:extLst>
           </p:cNvPr>
@@ -3814,21 +4180,15 @@
           <p:nvPr/>
         </p:nvPicPr>
         <p:blipFill>
-          <a:blip r:embed="rId2">
-            <a:extLst>
-              <a:ext uri="{28A0092B-C50C-407E-A947-70E740481C1C}">
-                <a14:useLocalDpi xmlns:a14="http://schemas.microsoft.com/office/drawing/2010/main" val="0"/>
-              </a:ext>
-            </a:extLst>
-          </a:blip>
+          <a:blip r:embed="rId2"/>
           <a:stretch>
             <a:fillRect/>
           </a:stretch>
         </p:blipFill>
         <p:spPr>
           <a:xfrm>
-            <a:off x="2879668" y="0"/>
-            <a:ext cx="6432664" cy="6858000"/>
+            <a:off x="0" y="258528"/>
+            <a:ext cx="12192000" cy="6340944"/>
           </a:xfrm>
           <a:prstGeom prst="rect">
             <a:avLst/>
@@ -3838,7 +4198,7 @@
     </p:spTree>
     <p:extLst>
       <p:ext uri="{BB962C8B-B14F-4D97-AF65-F5344CB8AC3E}">
-        <p14:creationId xmlns:p14="http://schemas.microsoft.com/office/powerpoint/2010/main" val="3841550320"/>
+        <p14:creationId xmlns:p14="http://schemas.microsoft.com/office/powerpoint/2010/main" val="3781930707"/>
       </p:ext>
     </p:extLst>
   </p:cSld>
@@ -3867,10 +4227,10 @@
       </p:grpSpPr>
       <p:pic>
         <p:nvPicPr>
-          <p:cNvPr id="3" name="Picture 2" descr="Graphical user interface&#10;&#10;Description automatically generated">
-            <a:extLst>
-              <a:ext uri="{FF2B5EF4-FFF2-40B4-BE49-F238E27FC236}">
-                <a16:creationId xmlns:a16="http://schemas.microsoft.com/office/drawing/2014/main" id="{5766AE1B-5E3B-98A3-C665-858DFA9EABA9}"/>
+          <p:cNvPr id="2" name="Picture 1">
+            <a:extLst>
+              <a:ext uri="{FF2B5EF4-FFF2-40B4-BE49-F238E27FC236}">
+                <a16:creationId xmlns:a16="http://schemas.microsoft.com/office/drawing/2014/main" id="{A445F670-3D0E-5790-EA52-9E3B207D93A7}"/>
               </a:ext>
             </a:extLst>
           </p:cNvPr>
@@ -3880,21 +4240,15 @@
           <p:nvPr/>
         </p:nvPicPr>
         <p:blipFill>
-          <a:blip r:embed="rId2">
-            <a:extLst>
-              <a:ext uri="{28A0092B-C50C-407E-A947-70E740481C1C}">
-                <a14:useLocalDpi xmlns:a14="http://schemas.microsoft.com/office/drawing/2010/main" val="0"/>
-              </a:ext>
-            </a:extLst>
-          </a:blip>
+          <a:blip r:embed="rId2"/>
           <a:stretch>
             <a:fillRect/>
           </a:stretch>
         </p:blipFill>
         <p:spPr>
           <a:xfrm>
-            <a:off x="2879668" y="0"/>
-            <a:ext cx="6432664" cy="6858000"/>
+            <a:off x="0" y="258528"/>
+            <a:ext cx="12192000" cy="6340944"/>
           </a:xfrm>
           <a:prstGeom prst="rect">
             <a:avLst/>
@@ -3904,7 +4258,7 @@
     </p:spTree>
     <p:extLst>
       <p:ext uri="{BB962C8B-B14F-4D97-AF65-F5344CB8AC3E}">
-        <p14:creationId xmlns:p14="http://schemas.microsoft.com/office/powerpoint/2010/main" val="1705268245"/>
+        <p14:creationId xmlns:p14="http://schemas.microsoft.com/office/powerpoint/2010/main" val="1742695022"/>
       </p:ext>
     </p:extLst>
   </p:cSld>
@@ -3933,10 +4287,10 @@
       </p:grpSpPr>
       <p:pic>
         <p:nvPicPr>
-          <p:cNvPr id="3" name="Picture 2" descr="Chart, line chart&#10;&#10;Description automatically generated">
-            <a:extLst>
-              <a:ext uri="{FF2B5EF4-FFF2-40B4-BE49-F238E27FC236}">
-                <a16:creationId xmlns:a16="http://schemas.microsoft.com/office/drawing/2014/main" id="{02C15916-542C-978A-0568-640595D3846A}"/>
+          <p:cNvPr id="7" name="Picture 6" descr="Graphical user interface&#10;&#10;Description automatically generated">
+            <a:extLst>
+              <a:ext uri="{FF2B5EF4-FFF2-40B4-BE49-F238E27FC236}">
+                <a16:creationId xmlns:a16="http://schemas.microsoft.com/office/drawing/2014/main" id="{B29E9081-2E65-DA26-6640-A63C4DAF8F2B}"/>
               </a:ext>
             </a:extLst>
           </p:cNvPr>
@@ -3959,8 +4313,8 @@
         </p:blipFill>
         <p:spPr>
           <a:xfrm>
-            <a:off x="0" y="339577"/>
-            <a:ext cx="12192000" cy="6178845"/>
+            <a:off x="2879668" y="0"/>
+            <a:ext cx="6432664" cy="6858000"/>
           </a:xfrm>
           <a:prstGeom prst="rect">
             <a:avLst/>
@@ -3970,7 +4324,7 @@
     </p:spTree>
     <p:extLst>
       <p:ext uri="{BB962C8B-B14F-4D97-AF65-F5344CB8AC3E}">
-        <p14:creationId xmlns:p14="http://schemas.microsoft.com/office/powerpoint/2010/main" val="1549384176"/>
+        <p14:creationId xmlns:p14="http://schemas.microsoft.com/office/powerpoint/2010/main" val="2099185213"/>
       </p:ext>
     </p:extLst>
   </p:cSld>

--- a/AAPL v AMZN v GOOG.pptx
+++ b/AAPL v AMZN v GOOG.pptx
@@ -13,13 +13,20 @@
     <p:sldId id="260" r:id="rId7"/>
     <p:sldId id="268" r:id="rId8"/>
     <p:sldId id="270" r:id="rId9"/>
-    <p:sldId id="261" r:id="rId10"/>
-    <p:sldId id="262" r:id="rId11"/>
-    <p:sldId id="263" r:id="rId12"/>
-    <p:sldId id="264" r:id="rId13"/>
-    <p:sldId id="265" r:id="rId14"/>
-    <p:sldId id="266" r:id="rId15"/>
-    <p:sldId id="267" r:id="rId16"/>
+    <p:sldId id="273" r:id="rId10"/>
+    <p:sldId id="274" r:id="rId11"/>
+    <p:sldId id="275" r:id="rId12"/>
+    <p:sldId id="276" r:id="rId13"/>
+    <p:sldId id="277" r:id="rId14"/>
+    <p:sldId id="278" r:id="rId15"/>
+    <p:sldId id="279" r:id="rId16"/>
+    <p:sldId id="261" r:id="rId17"/>
+    <p:sldId id="262" r:id="rId18"/>
+    <p:sldId id="263" r:id="rId19"/>
+    <p:sldId id="264" r:id="rId20"/>
+    <p:sldId id="265" r:id="rId21"/>
+    <p:sldId id="266" r:id="rId22"/>
+    <p:sldId id="267" r:id="rId23"/>
   </p:sldIdLst>
   <p:sldSz cx="12192000" cy="6858000"/>
   <p:notesSz cx="6858000" cy="9144000"/>
@@ -124,6 +131,181 @@
     </p:ext>
   </p:extLst>
 </p:presentation>
+</file>
+
+<file path=ppt/revisionInfo.xml><?xml version="1.0" encoding="utf-8"?>
+<p1510:revInfo xmlns:a="http://schemas.openxmlformats.org/drawingml/2006/main" xmlns:r="http://schemas.openxmlformats.org/officeDocument/2006/relationships" xmlns:p1510="http://schemas.microsoft.com/office/powerpoint/2015/10/main">
+  <p1510:revLst>
+    <p1510:client id="{39A3B2DA-713C-49EE-BEEC-970D037DA620}" v="29" dt="2022-11-01T02:52:13.002"/>
+  </p1510:revLst>
+</p1510:revInfo>
+</file>
+
+<file path=ppt/changesInfos/changesInfo1.xml><?xml version="1.0" encoding="utf-8"?>
+<pc:chgInfo xmlns:a="http://schemas.openxmlformats.org/drawingml/2006/main" xmlns:r="http://schemas.openxmlformats.org/officeDocument/2006/relationships" xmlns:ac="http://schemas.microsoft.com/office/drawing/2013/main/command" xmlns:pc="http://schemas.microsoft.com/office/powerpoint/2013/main/command">
+  <pc:docChgLst>
+    <pc:chgData name="Kimberly Stashuk" userId="cb30ee2aeb8b12b3" providerId="LiveId" clId="{39A3B2DA-713C-49EE-BEEC-970D037DA620}"/>
+    <pc:docChg chg="addSld modSld">
+      <pc:chgData name="Kimberly Stashuk" userId="cb30ee2aeb8b12b3" providerId="LiveId" clId="{39A3B2DA-713C-49EE-BEEC-970D037DA620}" dt="2022-11-01T02:52:13.002" v="35"/>
+      <pc:docMkLst>
+        <pc:docMk/>
+      </pc:docMkLst>
+      <pc:sldChg chg="addSp new">
+        <pc:chgData name="Kimberly Stashuk" userId="cb30ee2aeb8b12b3" providerId="LiveId" clId="{39A3B2DA-713C-49EE-BEEC-970D037DA620}" dt="2022-11-01T02:44:52.493" v="1"/>
+        <pc:sldMkLst>
+          <pc:docMk/>
+          <pc:sldMk cId="2543980800" sldId="273"/>
+        </pc:sldMkLst>
+        <pc:picChg chg="add">
+          <ac:chgData name="Kimberly Stashuk" userId="cb30ee2aeb8b12b3" providerId="LiveId" clId="{39A3B2DA-713C-49EE-BEEC-970D037DA620}" dt="2022-11-01T02:44:52.493" v="1"/>
+          <ac:picMkLst>
+            <pc:docMk/>
+            <pc:sldMk cId="2543980800" sldId="273"/>
+            <ac:picMk id="1026" creationId="{6FC8F69E-3A0F-8D0B-8650-A0F9375DF1FF}"/>
+          </ac:picMkLst>
+        </pc:picChg>
+      </pc:sldChg>
+      <pc:sldChg chg="addSp new">
+        <pc:chgData name="Kimberly Stashuk" userId="cb30ee2aeb8b12b3" providerId="LiveId" clId="{39A3B2DA-713C-49EE-BEEC-970D037DA620}" dt="2022-11-01T02:45:10.866" v="3"/>
+        <pc:sldMkLst>
+          <pc:docMk/>
+          <pc:sldMk cId="2459544154" sldId="274"/>
+        </pc:sldMkLst>
+        <pc:picChg chg="add">
+          <ac:chgData name="Kimberly Stashuk" userId="cb30ee2aeb8b12b3" providerId="LiveId" clId="{39A3B2DA-713C-49EE-BEEC-970D037DA620}" dt="2022-11-01T02:45:10.866" v="3"/>
+          <ac:picMkLst>
+            <pc:docMk/>
+            <pc:sldMk cId="2459544154" sldId="274"/>
+            <ac:picMk id="2050" creationId="{BD9A2B35-168E-3297-050D-9EF0FC36C591}"/>
+          </ac:picMkLst>
+        </pc:picChg>
+      </pc:sldChg>
+      <pc:sldChg chg="addSp new">
+        <pc:chgData name="Kimberly Stashuk" userId="cb30ee2aeb8b12b3" providerId="LiveId" clId="{39A3B2DA-713C-49EE-BEEC-970D037DA620}" dt="2022-11-01T02:45:34.040" v="5"/>
+        <pc:sldMkLst>
+          <pc:docMk/>
+          <pc:sldMk cId="3261785421" sldId="275"/>
+        </pc:sldMkLst>
+        <pc:picChg chg="add">
+          <ac:chgData name="Kimberly Stashuk" userId="cb30ee2aeb8b12b3" providerId="LiveId" clId="{39A3B2DA-713C-49EE-BEEC-970D037DA620}" dt="2022-11-01T02:45:34.040" v="5"/>
+          <ac:picMkLst>
+            <pc:docMk/>
+            <pc:sldMk cId="3261785421" sldId="275"/>
+            <ac:picMk id="3074" creationId="{2A1B7361-2730-BC65-AA4C-6D38FA196B97}"/>
+          </ac:picMkLst>
+        </pc:picChg>
+      </pc:sldChg>
+      <pc:sldChg chg="addSp modSp new">
+        <pc:chgData name="Kimberly Stashuk" userId="cb30ee2aeb8b12b3" providerId="LiveId" clId="{39A3B2DA-713C-49EE-BEEC-970D037DA620}" dt="2022-11-01T02:49:54.795" v="25" actId="1076"/>
+        <pc:sldMkLst>
+          <pc:docMk/>
+          <pc:sldMk cId="2230177997" sldId="276"/>
+        </pc:sldMkLst>
+        <pc:picChg chg="add mod">
+          <ac:chgData name="Kimberly Stashuk" userId="cb30ee2aeb8b12b3" providerId="LiveId" clId="{39A3B2DA-713C-49EE-BEEC-970D037DA620}" dt="2022-11-01T02:46:00.094" v="8" actId="14100"/>
+          <ac:picMkLst>
+            <pc:docMk/>
+            <pc:sldMk cId="2230177997" sldId="276"/>
+            <ac:picMk id="4098" creationId="{AD67AA13-7C98-F579-47D2-512A1C11C5B9}"/>
+          </ac:picMkLst>
+        </pc:picChg>
+        <pc:picChg chg="add mod">
+          <ac:chgData name="Kimberly Stashuk" userId="cb30ee2aeb8b12b3" providerId="LiveId" clId="{39A3B2DA-713C-49EE-BEEC-970D037DA620}" dt="2022-11-01T02:46:33.033" v="10" actId="14100"/>
+          <ac:picMkLst>
+            <pc:docMk/>
+            <pc:sldMk cId="2230177997" sldId="276"/>
+            <ac:picMk id="4100" creationId="{A83705ED-D669-2D9E-282F-995C1A2D90B5}"/>
+          </ac:picMkLst>
+        </pc:picChg>
+        <pc:picChg chg="add mod">
+          <ac:chgData name="Kimberly Stashuk" userId="cb30ee2aeb8b12b3" providerId="LiveId" clId="{39A3B2DA-713C-49EE-BEEC-970D037DA620}" dt="2022-11-01T02:49:54.795" v="25" actId="1076"/>
+          <ac:picMkLst>
+            <pc:docMk/>
+            <pc:sldMk cId="2230177997" sldId="276"/>
+            <ac:picMk id="4102" creationId="{A79FE23E-99A9-4545-24C1-BF1C130B15CE}"/>
+          </ac:picMkLst>
+        </pc:picChg>
+      </pc:sldChg>
+      <pc:sldChg chg="addSp modSp new">
+        <pc:chgData name="Kimberly Stashuk" userId="cb30ee2aeb8b12b3" providerId="LiveId" clId="{39A3B2DA-713C-49EE-BEEC-970D037DA620}" dt="2022-11-01T02:50:44.446" v="29" actId="14100"/>
+        <pc:sldMkLst>
+          <pc:docMk/>
+          <pc:sldMk cId="1652467614" sldId="277"/>
+        </pc:sldMkLst>
+        <pc:picChg chg="add mod">
+          <ac:chgData name="Kimberly Stashuk" userId="cb30ee2aeb8b12b3" providerId="LiveId" clId="{39A3B2DA-713C-49EE-BEEC-970D037DA620}" dt="2022-11-01T02:47:27.774" v="13" actId="14100"/>
+          <ac:picMkLst>
+            <pc:docMk/>
+            <pc:sldMk cId="1652467614" sldId="277"/>
+            <ac:picMk id="5122" creationId="{71B98D17-CF6D-EA94-D886-24A34EB80CBF}"/>
+          </ac:picMkLst>
+        </pc:picChg>
+        <pc:picChg chg="add mod">
+          <ac:chgData name="Kimberly Stashuk" userId="cb30ee2aeb8b12b3" providerId="LiveId" clId="{39A3B2DA-713C-49EE-BEEC-970D037DA620}" dt="2022-11-01T02:47:46.514" v="15" actId="14100"/>
+          <ac:picMkLst>
+            <pc:docMk/>
+            <pc:sldMk cId="1652467614" sldId="277"/>
+            <ac:picMk id="5124" creationId="{5648B2FC-58A7-3210-5597-D4210D94CF9F}"/>
+          </ac:picMkLst>
+        </pc:picChg>
+        <pc:picChg chg="add mod">
+          <ac:chgData name="Kimberly Stashuk" userId="cb30ee2aeb8b12b3" providerId="LiveId" clId="{39A3B2DA-713C-49EE-BEEC-970D037DA620}" dt="2022-11-01T02:50:44.446" v="29" actId="14100"/>
+          <ac:picMkLst>
+            <pc:docMk/>
+            <pc:sldMk cId="1652467614" sldId="277"/>
+            <ac:picMk id="5126" creationId="{5C6F30A7-6A10-6C41-B7D8-5F1614151DC7}"/>
+          </ac:picMkLst>
+        </pc:picChg>
+      </pc:sldChg>
+      <pc:sldChg chg="addSp modSp new">
+        <pc:chgData name="Kimberly Stashuk" userId="cb30ee2aeb8b12b3" providerId="LiveId" clId="{39A3B2DA-713C-49EE-BEEC-970D037DA620}" dt="2022-11-01T02:51:43.656" v="34" actId="14100"/>
+        <pc:sldMkLst>
+          <pc:docMk/>
+          <pc:sldMk cId="2171720537" sldId="278"/>
+        </pc:sldMkLst>
+        <pc:picChg chg="add mod">
+          <ac:chgData name="Kimberly Stashuk" userId="cb30ee2aeb8b12b3" providerId="LiveId" clId="{39A3B2DA-713C-49EE-BEEC-970D037DA620}" dt="2022-11-01T02:48:18.162" v="18" actId="14100"/>
+          <ac:picMkLst>
+            <pc:docMk/>
+            <pc:sldMk cId="2171720537" sldId="278"/>
+            <ac:picMk id="6146" creationId="{867FEFA6-487B-EDB7-224E-5A0CF4A2C7DE}"/>
+          </ac:picMkLst>
+        </pc:picChg>
+        <pc:picChg chg="add mod">
+          <ac:chgData name="Kimberly Stashuk" userId="cb30ee2aeb8b12b3" providerId="LiveId" clId="{39A3B2DA-713C-49EE-BEEC-970D037DA620}" dt="2022-11-01T02:49:07.907" v="20" actId="14100"/>
+          <ac:picMkLst>
+            <pc:docMk/>
+            <pc:sldMk cId="2171720537" sldId="278"/>
+            <ac:picMk id="6148" creationId="{AA171419-7FA0-E7BD-2D41-04777C3F44EE}"/>
+          </ac:picMkLst>
+        </pc:picChg>
+        <pc:picChg chg="add mod">
+          <ac:chgData name="Kimberly Stashuk" userId="cb30ee2aeb8b12b3" providerId="LiveId" clId="{39A3B2DA-713C-49EE-BEEC-970D037DA620}" dt="2022-11-01T02:51:43.656" v="34" actId="14100"/>
+          <ac:picMkLst>
+            <pc:docMk/>
+            <pc:sldMk cId="2171720537" sldId="278"/>
+            <ac:picMk id="6150" creationId="{FCF4E3C2-C5E1-94FB-F2ED-878FE12C802E}"/>
+          </ac:picMkLst>
+        </pc:picChg>
+      </pc:sldChg>
+      <pc:sldChg chg="addSp new">
+        <pc:chgData name="Kimberly Stashuk" userId="cb30ee2aeb8b12b3" providerId="LiveId" clId="{39A3B2DA-713C-49EE-BEEC-970D037DA620}" dt="2022-11-01T02:52:13.002" v="35"/>
+        <pc:sldMkLst>
+          <pc:docMk/>
+          <pc:sldMk cId="2895355216" sldId="279"/>
+        </pc:sldMkLst>
+        <pc:picChg chg="add">
+          <ac:chgData name="Kimberly Stashuk" userId="cb30ee2aeb8b12b3" providerId="LiveId" clId="{39A3B2DA-713C-49EE-BEEC-970D037DA620}" dt="2022-11-01T02:52:13.002" v="35"/>
+          <ac:picMkLst>
+            <pc:docMk/>
+            <pc:sldMk cId="2895355216" sldId="279"/>
+            <ac:picMk id="7170" creationId="{D2B8A251-8A02-B222-D98E-C0A3BB4EAB03}"/>
+          </ac:picMkLst>
+        </pc:picChg>
+      </pc:sldChg>
+    </pc:docChg>
+  </pc:docChgLst>
+</pc:chgInfo>
 </file>
 
 <file path=ppt/slideLayouts/slideLayout1.xml><?xml version="1.0" encoding="utf-8"?>
@@ -3425,6 +3607,816 @@
       </p:grpSpPr>
       <p:pic>
         <p:nvPicPr>
+          <p:cNvPr id="2050" name="Picture 2">
+            <a:extLst>
+              <a:ext uri="{FF2B5EF4-FFF2-40B4-BE49-F238E27FC236}">
+                <a16:creationId xmlns:a16="http://schemas.microsoft.com/office/drawing/2014/main" id="{BD9A2B35-168E-3297-050D-9EF0FC36C591}"/>
+              </a:ext>
+            </a:extLst>
+          </p:cNvPr>
+          <p:cNvPicPr>
+            <a:picLocks noChangeAspect="1" noChangeArrowheads="1"/>
+          </p:cNvPicPr>
+          <p:nvPr/>
+        </p:nvPicPr>
+        <p:blipFill>
+          <a:blip r:embed="rId2">
+            <a:extLst>
+              <a:ext uri="{28A0092B-C50C-407E-A947-70E740481C1C}">
+                <a14:useLocalDpi xmlns:a14="http://schemas.microsoft.com/office/drawing/2010/main" val="0"/>
+              </a:ext>
+            </a:extLst>
+          </a:blip>
+          <a:srcRect/>
+          <a:stretch>
+            <a:fillRect/>
+          </a:stretch>
+        </p:blipFill>
+        <p:spPr bwMode="auto">
+          <a:xfrm>
+            <a:off x="620713" y="0"/>
+            <a:ext cx="10950575" cy="6858000"/>
+          </a:xfrm>
+          <a:prstGeom prst="rect">
+            <a:avLst/>
+          </a:prstGeom>
+          <a:noFill/>
+          <a:extLst>
+            <a:ext uri="{909E8E84-426E-40DD-AFC4-6F175D3DCCD1}">
+              <a14:hiddenFill xmlns:a14="http://schemas.microsoft.com/office/drawing/2010/main">
+                <a:solidFill>
+                  <a:srgbClr val="FFFFFF"/>
+                </a:solidFill>
+              </a14:hiddenFill>
+            </a:ext>
+          </a:extLst>
+        </p:spPr>
+      </p:pic>
+    </p:spTree>
+    <p:extLst>
+      <p:ext uri="{BB962C8B-B14F-4D97-AF65-F5344CB8AC3E}">
+        <p14:creationId xmlns:p14="http://schemas.microsoft.com/office/powerpoint/2010/main" val="2459544154"/>
+      </p:ext>
+    </p:extLst>
+  </p:cSld>
+  <p:clrMapOvr>
+    <a:masterClrMapping/>
+  </p:clrMapOvr>
+</p:sld>
+</file>
+
+<file path=ppt/slides/slide11.xml><?xml version="1.0" encoding="utf-8"?>
+<p:sld xmlns:a="http://schemas.openxmlformats.org/drawingml/2006/main" xmlns:r="http://schemas.openxmlformats.org/officeDocument/2006/relationships" xmlns:p="http://schemas.openxmlformats.org/presentationml/2006/main">
+  <p:cSld>
+    <p:spTree>
+      <p:nvGrpSpPr>
+        <p:cNvPr id="1" name=""/>
+        <p:cNvGrpSpPr/>
+        <p:nvPr/>
+      </p:nvGrpSpPr>
+      <p:grpSpPr>
+        <a:xfrm>
+          <a:off x="0" y="0"/>
+          <a:ext cx="0" cy="0"/>
+          <a:chOff x="0" y="0"/>
+          <a:chExt cx="0" cy="0"/>
+        </a:xfrm>
+      </p:grpSpPr>
+      <p:pic>
+        <p:nvPicPr>
+          <p:cNvPr id="3074" name="Picture 2">
+            <a:extLst>
+              <a:ext uri="{FF2B5EF4-FFF2-40B4-BE49-F238E27FC236}">
+                <a16:creationId xmlns:a16="http://schemas.microsoft.com/office/drawing/2014/main" id="{2A1B7361-2730-BC65-AA4C-6D38FA196B97}"/>
+              </a:ext>
+            </a:extLst>
+          </p:cNvPr>
+          <p:cNvPicPr>
+            <a:picLocks noChangeAspect="1" noChangeArrowheads="1"/>
+          </p:cNvPicPr>
+          <p:nvPr/>
+        </p:nvPicPr>
+        <p:blipFill>
+          <a:blip r:embed="rId2">
+            <a:extLst>
+              <a:ext uri="{28A0092B-C50C-407E-A947-70E740481C1C}">
+                <a14:useLocalDpi xmlns:a14="http://schemas.microsoft.com/office/drawing/2010/main" val="0"/>
+              </a:ext>
+            </a:extLst>
+          </a:blip>
+          <a:srcRect/>
+          <a:stretch>
+            <a:fillRect/>
+          </a:stretch>
+        </p:blipFill>
+        <p:spPr bwMode="auto">
+          <a:xfrm>
+            <a:off x="620713" y="0"/>
+            <a:ext cx="10950575" cy="6858000"/>
+          </a:xfrm>
+          <a:prstGeom prst="rect">
+            <a:avLst/>
+          </a:prstGeom>
+          <a:noFill/>
+          <a:extLst>
+            <a:ext uri="{909E8E84-426E-40DD-AFC4-6F175D3DCCD1}">
+              <a14:hiddenFill xmlns:a14="http://schemas.microsoft.com/office/drawing/2010/main">
+                <a:solidFill>
+                  <a:srgbClr val="FFFFFF"/>
+                </a:solidFill>
+              </a14:hiddenFill>
+            </a:ext>
+          </a:extLst>
+        </p:spPr>
+      </p:pic>
+    </p:spTree>
+    <p:extLst>
+      <p:ext uri="{BB962C8B-B14F-4D97-AF65-F5344CB8AC3E}">
+        <p14:creationId xmlns:p14="http://schemas.microsoft.com/office/powerpoint/2010/main" val="3261785421"/>
+      </p:ext>
+    </p:extLst>
+  </p:cSld>
+  <p:clrMapOvr>
+    <a:masterClrMapping/>
+  </p:clrMapOvr>
+</p:sld>
+</file>
+
+<file path=ppt/slides/slide12.xml><?xml version="1.0" encoding="utf-8"?>
+<p:sld xmlns:a="http://schemas.openxmlformats.org/drawingml/2006/main" xmlns:r="http://schemas.openxmlformats.org/officeDocument/2006/relationships" xmlns:p="http://schemas.openxmlformats.org/presentationml/2006/main">
+  <p:cSld>
+    <p:spTree>
+      <p:nvGrpSpPr>
+        <p:cNvPr id="1" name=""/>
+        <p:cNvGrpSpPr/>
+        <p:nvPr/>
+      </p:nvGrpSpPr>
+      <p:grpSpPr>
+        <a:xfrm>
+          <a:off x="0" y="0"/>
+          <a:ext cx="0" cy="0"/>
+          <a:chOff x="0" y="0"/>
+          <a:chExt cx="0" cy="0"/>
+        </a:xfrm>
+      </p:grpSpPr>
+      <p:pic>
+        <p:nvPicPr>
+          <p:cNvPr id="4098" name="Picture 2">
+            <a:extLst>
+              <a:ext uri="{FF2B5EF4-FFF2-40B4-BE49-F238E27FC236}">
+                <a16:creationId xmlns:a16="http://schemas.microsoft.com/office/drawing/2014/main" id="{AD67AA13-7C98-F579-47D2-512A1C11C5B9}"/>
+              </a:ext>
+            </a:extLst>
+          </p:cNvPr>
+          <p:cNvPicPr>
+            <a:picLocks noChangeAspect="1" noChangeArrowheads="1"/>
+          </p:cNvPicPr>
+          <p:nvPr/>
+        </p:nvPicPr>
+        <p:blipFill>
+          <a:blip r:embed="rId2">
+            <a:extLst>
+              <a:ext uri="{28A0092B-C50C-407E-A947-70E740481C1C}">
+                <a14:useLocalDpi xmlns:a14="http://schemas.microsoft.com/office/drawing/2010/main" val="0"/>
+              </a:ext>
+            </a:extLst>
+          </a:blip>
+          <a:srcRect/>
+          <a:stretch>
+            <a:fillRect/>
+          </a:stretch>
+        </p:blipFill>
+        <p:spPr bwMode="auto">
+          <a:xfrm>
+            <a:off x="6096000" y="3429000"/>
+            <a:ext cx="5475288" cy="3429000"/>
+          </a:xfrm>
+          <a:prstGeom prst="rect">
+            <a:avLst/>
+          </a:prstGeom>
+          <a:noFill/>
+          <a:extLst>
+            <a:ext uri="{909E8E84-426E-40DD-AFC4-6F175D3DCCD1}">
+              <a14:hiddenFill xmlns:a14="http://schemas.microsoft.com/office/drawing/2010/main">
+                <a:solidFill>
+                  <a:srgbClr val="FFFFFF"/>
+                </a:solidFill>
+              </a14:hiddenFill>
+            </a:ext>
+          </a:extLst>
+        </p:spPr>
+      </p:pic>
+      <p:pic>
+        <p:nvPicPr>
+          <p:cNvPr id="4100" name="Picture 4">
+            <a:extLst>
+              <a:ext uri="{FF2B5EF4-FFF2-40B4-BE49-F238E27FC236}">
+                <a16:creationId xmlns:a16="http://schemas.microsoft.com/office/drawing/2014/main" id="{A83705ED-D669-2D9E-282F-995C1A2D90B5}"/>
+              </a:ext>
+            </a:extLst>
+          </p:cNvPr>
+          <p:cNvPicPr>
+            <a:picLocks noChangeAspect="1" noChangeArrowheads="1"/>
+          </p:cNvPicPr>
+          <p:nvPr/>
+        </p:nvPicPr>
+        <p:blipFill>
+          <a:blip r:embed="rId3">
+            <a:extLst>
+              <a:ext uri="{28A0092B-C50C-407E-A947-70E740481C1C}">
+                <a14:useLocalDpi xmlns:a14="http://schemas.microsoft.com/office/drawing/2010/main" val="0"/>
+              </a:ext>
+            </a:extLst>
+          </a:blip>
+          <a:srcRect/>
+          <a:stretch>
+            <a:fillRect/>
+          </a:stretch>
+        </p:blipFill>
+        <p:spPr bwMode="auto">
+          <a:xfrm>
+            <a:off x="552450" y="3429000"/>
+            <a:ext cx="5543550" cy="3395663"/>
+          </a:xfrm>
+          <a:prstGeom prst="rect">
+            <a:avLst/>
+          </a:prstGeom>
+          <a:noFill/>
+          <a:extLst>
+            <a:ext uri="{909E8E84-426E-40DD-AFC4-6F175D3DCCD1}">
+              <a14:hiddenFill xmlns:a14="http://schemas.microsoft.com/office/drawing/2010/main">
+                <a:solidFill>
+                  <a:srgbClr val="FFFFFF"/>
+                </a:solidFill>
+              </a14:hiddenFill>
+            </a:ext>
+          </a:extLst>
+        </p:spPr>
+      </p:pic>
+      <p:pic>
+        <p:nvPicPr>
+          <p:cNvPr id="4102" name="Picture 6">
+            <a:extLst>
+              <a:ext uri="{FF2B5EF4-FFF2-40B4-BE49-F238E27FC236}">
+                <a16:creationId xmlns:a16="http://schemas.microsoft.com/office/drawing/2014/main" id="{A79FE23E-99A9-4545-24C1-BF1C130B15CE}"/>
+              </a:ext>
+            </a:extLst>
+          </p:cNvPr>
+          <p:cNvPicPr>
+            <a:picLocks noChangeAspect="1" noChangeArrowheads="1"/>
+          </p:cNvPicPr>
+          <p:nvPr/>
+        </p:nvPicPr>
+        <p:blipFill>
+          <a:blip r:embed="rId4">
+            <a:extLst>
+              <a:ext uri="{28A0092B-C50C-407E-A947-70E740481C1C}">
+                <a14:useLocalDpi xmlns:a14="http://schemas.microsoft.com/office/drawing/2010/main" val="0"/>
+              </a:ext>
+            </a:extLst>
+          </a:blip>
+          <a:srcRect/>
+          <a:stretch>
+            <a:fillRect/>
+          </a:stretch>
+        </p:blipFill>
+        <p:spPr bwMode="auto">
+          <a:xfrm>
+            <a:off x="2990290" y="66674"/>
+            <a:ext cx="6211420" cy="3362326"/>
+          </a:xfrm>
+          <a:prstGeom prst="rect">
+            <a:avLst/>
+          </a:prstGeom>
+          <a:noFill/>
+          <a:extLst>
+            <a:ext uri="{909E8E84-426E-40DD-AFC4-6F175D3DCCD1}">
+              <a14:hiddenFill xmlns:a14="http://schemas.microsoft.com/office/drawing/2010/main">
+                <a:solidFill>
+                  <a:srgbClr val="FFFFFF"/>
+                </a:solidFill>
+              </a14:hiddenFill>
+            </a:ext>
+          </a:extLst>
+        </p:spPr>
+      </p:pic>
+    </p:spTree>
+    <p:extLst>
+      <p:ext uri="{BB962C8B-B14F-4D97-AF65-F5344CB8AC3E}">
+        <p14:creationId xmlns:p14="http://schemas.microsoft.com/office/powerpoint/2010/main" val="2230177997"/>
+      </p:ext>
+    </p:extLst>
+  </p:cSld>
+  <p:clrMapOvr>
+    <a:masterClrMapping/>
+  </p:clrMapOvr>
+</p:sld>
+</file>
+
+<file path=ppt/slides/slide13.xml><?xml version="1.0" encoding="utf-8"?>
+<p:sld xmlns:a="http://schemas.openxmlformats.org/drawingml/2006/main" xmlns:r="http://schemas.openxmlformats.org/officeDocument/2006/relationships" xmlns:p="http://schemas.openxmlformats.org/presentationml/2006/main">
+  <p:cSld>
+    <p:spTree>
+      <p:nvGrpSpPr>
+        <p:cNvPr id="1" name=""/>
+        <p:cNvGrpSpPr/>
+        <p:nvPr/>
+      </p:nvGrpSpPr>
+      <p:grpSpPr>
+        <a:xfrm>
+          <a:off x="0" y="0"/>
+          <a:ext cx="0" cy="0"/>
+          <a:chOff x="0" y="0"/>
+          <a:chExt cx="0" cy="0"/>
+        </a:xfrm>
+      </p:grpSpPr>
+      <p:pic>
+        <p:nvPicPr>
+          <p:cNvPr id="5122" name="Picture 2">
+            <a:extLst>
+              <a:ext uri="{FF2B5EF4-FFF2-40B4-BE49-F238E27FC236}">
+                <a16:creationId xmlns:a16="http://schemas.microsoft.com/office/drawing/2014/main" id="{71B98D17-CF6D-EA94-D886-24A34EB80CBF}"/>
+              </a:ext>
+            </a:extLst>
+          </p:cNvPr>
+          <p:cNvPicPr>
+            <a:picLocks noChangeAspect="1" noChangeArrowheads="1"/>
+          </p:cNvPicPr>
+          <p:nvPr/>
+        </p:nvPicPr>
+        <p:blipFill>
+          <a:blip r:embed="rId2">
+            <a:extLst>
+              <a:ext uri="{28A0092B-C50C-407E-A947-70E740481C1C}">
+                <a14:useLocalDpi xmlns:a14="http://schemas.microsoft.com/office/drawing/2010/main" val="0"/>
+              </a:ext>
+            </a:extLst>
+          </a:blip>
+          <a:srcRect/>
+          <a:stretch>
+            <a:fillRect/>
+          </a:stretch>
+        </p:blipFill>
+        <p:spPr bwMode="auto">
+          <a:xfrm>
+            <a:off x="6096000" y="3429000"/>
+            <a:ext cx="5441950" cy="3429000"/>
+          </a:xfrm>
+          <a:prstGeom prst="rect">
+            <a:avLst/>
+          </a:prstGeom>
+          <a:noFill/>
+          <a:extLst>
+            <a:ext uri="{909E8E84-426E-40DD-AFC4-6F175D3DCCD1}">
+              <a14:hiddenFill xmlns:a14="http://schemas.microsoft.com/office/drawing/2010/main">
+                <a:solidFill>
+                  <a:srgbClr val="FFFFFF"/>
+                </a:solidFill>
+              </a14:hiddenFill>
+            </a:ext>
+          </a:extLst>
+        </p:spPr>
+      </p:pic>
+      <p:pic>
+        <p:nvPicPr>
+          <p:cNvPr id="5124" name="Picture 4">
+            <a:extLst>
+              <a:ext uri="{FF2B5EF4-FFF2-40B4-BE49-F238E27FC236}">
+                <a16:creationId xmlns:a16="http://schemas.microsoft.com/office/drawing/2014/main" id="{5648B2FC-58A7-3210-5597-D4210D94CF9F}"/>
+              </a:ext>
+            </a:extLst>
+          </p:cNvPr>
+          <p:cNvPicPr>
+            <a:picLocks noChangeAspect="1" noChangeArrowheads="1"/>
+          </p:cNvPicPr>
+          <p:nvPr/>
+        </p:nvPicPr>
+        <p:blipFill>
+          <a:blip r:embed="rId3">
+            <a:extLst>
+              <a:ext uri="{28A0092B-C50C-407E-A947-70E740481C1C}">
+                <a14:useLocalDpi xmlns:a14="http://schemas.microsoft.com/office/drawing/2010/main" val="0"/>
+              </a:ext>
+            </a:extLst>
+          </a:blip>
+          <a:srcRect/>
+          <a:stretch>
+            <a:fillRect/>
+          </a:stretch>
+        </p:blipFill>
+        <p:spPr bwMode="auto">
+          <a:xfrm>
+            <a:off x="585788" y="3429000"/>
+            <a:ext cx="5510213" cy="3395663"/>
+          </a:xfrm>
+          <a:prstGeom prst="rect">
+            <a:avLst/>
+          </a:prstGeom>
+          <a:noFill/>
+          <a:extLst>
+            <a:ext uri="{909E8E84-426E-40DD-AFC4-6F175D3DCCD1}">
+              <a14:hiddenFill xmlns:a14="http://schemas.microsoft.com/office/drawing/2010/main">
+                <a:solidFill>
+                  <a:srgbClr val="FFFFFF"/>
+                </a:solidFill>
+              </a14:hiddenFill>
+            </a:ext>
+          </a:extLst>
+        </p:spPr>
+      </p:pic>
+      <p:pic>
+        <p:nvPicPr>
+          <p:cNvPr id="5126" name="Picture 6">
+            <a:extLst>
+              <a:ext uri="{FF2B5EF4-FFF2-40B4-BE49-F238E27FC236}">
+                <a16:creationId xmlns:a16="http://schemas.microsoft.com/office/drawing/2014/main" id="{5C6F30A7-6A10-6C41-B7D8-5F1614151DC7}"/>
+              </a:ext>
+            </a:extLst>
+          </p:cNvPr>
+          <p:cNvPicPr>
+            <a:picLocks noChangeAspect="1" noChangeArrowheads="1"/>
+          </p:cNvPicPr>
+          <p:nvPr/>
+        </p:nvPicPr>
+        <p:blipFill>
+          <a:blip r:embed="rId4">
+            <a:extLst>
+              <a:ext uri="{28A0092B-C50C-407E-A947-70E740481C1C}">
+                <a14:useLocalDpi xmlns:a14="http://schemas.microsoft.com/office/drawing/2010/main" val="0"/>
+              </a:ext>
+            </a:extLst>
+          </a:blip>
+          <a:srcRect/>
+          <a:stretch>
+            <a:fillRect/>
+          </a:stretch>
+        </p:blipFill>
+        <p:spPr bwMode="auto">
+          <a:xfrm>
+            <a:off x="2605808" y="0"/>
+            <a:ext cx="6980382" cy="3395663"/>
+          </a:xfrm>
+          <a:prstGeom prst="rect">
+            <a:avLst/>
+          </a:prstGeom>
+          <a:noFill/>
+          <a:extLst>
+            <a:ext uri="{909E8E84-426E-40DD-AFC4-6F175D3DCCD1}">
+              <a14:hiddenFill xmlns:a14="http://schemas.microsoft.com/office/drawing/2010/main">
+                <a:solidFill>
+                  <a:srgbClr val="FFFFFF"/>
+                </a:solidFill>
+              </a14:hiddenFill>
+            </a:ext>
+          </a:extLst>
+        </p:spPr>
+      </p:pic>
+    </p:spTree>
+    <p:extLst>
+      <p:ext uri="{BB962C8B-B14F-4D97-AF65-F5344CB8AC3E}">
+        <p14:creationId xmlns:p14="http://schemas.microsoft.com/office/powerpoint/2010/main" val="1652467614"/>
+      </p:ext>
+    </p:extLst>
+  </p:cSld>
+  <p:clrMapOvr>
+    <a:masterClrMapping/>
+  </p:clrMapOvr>
+</p:sld>
+</file>
+
+<file path=ppt/slides/slide14.xml><?xml version="1.0" encoding="utf-8"?>
+<p:sld xmlns:a="http://schemas.openxmlformats.org/drawingml/2006/main" xmlns:r="http://schemas.openxmlformats.org/officeDocument/2006/relationships" xmlns:p="http://schemas.openxmlformats.org/presentationml/2006/main">
+  <p:cSld>
+    <p:spTree>
+      <p:nvGrpSpPr>
+        <p:cNvPr id="1" name=""/>
+        <p:cNvGrpSpPr/>
+        <p:nvPr/>
+      </p:nvGrpSpPr>
+      <p:grpSpPr>
+        <a:xfrm>
+          <a:off x="0" y="0"/>
+          <a:ext cx="0" cy="0"/>
+          <a:chOff x="0" y="0"/>
+          <a:chExt cx="0" cy="0"/>
+        </a:xfrm>
+      </p:grpSpPr>
+      <p:pic>
+        <p:nvPicPr>
+          <p:cNvPr id="6146" name="Picture 2">
+            <a:extLst>
+              <a:ext uri="{FF2B5EF4-FFF2-40B4-BE49-F238E27FC236}">
+                <a16:creationId xmlns:a16="http://schemas.microsoft.com/office/drawing/2014/main" id="{867FEFA6-487B-EDB7-224E-5A0CF4A2C7DE}"/>
+              </a:ext>
+            </a:extLst>
+          </p:cNvPr>
+          <p:cNvPicPr>
+            <a:picLocks noChangeAspect="1" noChangeArrowheads="1"/>
+          </p:cNvPicPr>
+          <p:nvPr/>
+        </p:nvPicPr>
+        <p:blipFill>
+          <a:blip r:embed="rId2">
+            <a:extLst>
+              <a:ext uri="{28A0092B-C50C-407E-A947-70E740481C1C}">
+                <a14:useLocalDpi xmlns:a14="http://schemas.microsoft.com/office/drawing/2010/main" val="0"/>
+              </a:ext>
+            </a:extLst>
+          </a:blip>
+          <a:srcRect/>
+          <a:stretch>
+            <a:fillRect/>
+          </a:stretch>
+        </p:blipFill>
+        <p:spPr bwMode="auto">
+          <a:xfrm>
+            <a:off x="6096000" y="3429000"/>
+            <a:ext cx="5475288" cy="3429000"/>
+          </a:xfrm>
+          <a:prstGeom prst="rect">
+            <a:avLst/>
+          </a:prstGeom>
+          <a:noFill/>
+          <a:extLst>
+            <a:ext uri="{909E8E84-426E-40DD-AFC4-6F175D3DCCD1}">
+              <a14:hiddenFill xmlns:a14="http://schemas.microsoft.com/office/drawing/2010/main">
+                <a:solidFill>
+                  <a:srgbClr val="FFFFFF"/>
+                </a:solidFill>
+              </a14:hiddenFill>
+            </a:ext>
+          </a:extLst>
+        </p:spPr>
+      </p:pic>
+      <p:pic>
+        <p:nvPicPr>
+          <p:cNvPr id="6148" name="Picture 4">
+            <a:extLst>
+              <a:ext uri="{FF2B5EF4-FFF2-40B4-BE49-F238E27FC236}">
+                <a16:creationId xmlns:a16="http://schemas.microsoft.com/office/drawing/2014/main" id="{AA171419-7FA0-E7BD-2D41-04777C3F44EE}"/>
+              </a:ext>
+            </a:extLst>
+          </p:cNvPr>
+          <p:cNvPicPr>
+            <a:picLocks noChangeAspect="1" noChangeArrowheads="1"/>
+          </p:cNvPicPr>
+          <p:nvPr/>
+        </p:nvPicPr>
+        <p:blipFill>
+          <a:blip r:embed="rId3">
+            <a:extLst>
+              <a:ext uri="{28A0092B-C50C-407E-A947-70E740481C1C}">
+                <a14:useLocalDpi xmlns:a14="http://schemas.microsoft.com/office/drawing/2010/main" val="0"/>
+              </a:ext>
+            </a:extLst>
+          </a:blip>
+          <a:srcRect/>
+          <a:stretch>
+            <a:fillRect/>
+          </a:stretch>
+        </p:blipFill>
+        <p:spPr bwMode="auto">
+          <a:xfrm>
+            <a:off x="552450" y="3429000"/>
+            <a:ext cx="5543551" cy="3395663"/>
+          </a:xfrm>
+          <a:prstGeom prst="rect">
+            <a:avLst/>
+          </a:prstGeom>
+          <a:noFill/>
+          <a:extLst>
+            <a:ext uri="{909E8E84-426E-40DD-AFC4-6F175D3DCCD1}">
+              <a14:hiddenFill xmlns:a14="http://schemas.microsoft.com/office/drawing/2010/main">
+                <a:solidFill>
+                  <a:srgbClr val="FFFFFF"/>
+                </a:solidFill>
+              </a14:hiddenFill>
+            </a:ext>
+          </a:extLst>
+        </p:spPr>
+      </p:pic>
+      <p:pic>
+        <p:nvPicPr>
+          <p:cNvPr id="6150" name="Picture 6">
+            <a:extLst>
+              <a:ext uri="{FF2B5EF4-FFF2-40B4-BE49-F238E27FC236}">
+                <a16:creationId xmlns:a16="http://schemas.microsoft.com/office/drawing/2014/main" id="{FCF4E3C2-C5E1-94FB-F2ED-878FE12C802E}"/>
+              </a:ext>
+            </a:extLst>
+          </p:cNvPr>
+          <p:cNvPicPr>
+            <a:picLocks noChangeAspect="1" noChangeArrowheads="1"/>
+          </p:cNvPicPr>
+          <p:nvPr/>
+        </p:nvPicPr>
+        <p:blipFill>
+          <a:blip r:embed="rId4">
+            <a:extLst>
+              <a:ext uri="{28A0092B-C50C-407E-A947-70E740481C1C}">
+                <a14:useLocalDpi xmlns:a14="http://schemas.microsoft.com/office/drawing/2010/main" val="0"/>
+              </a:ext>
+            </a:extLst>
+          </a:blip>
+          <a:srcRect/>
+          <a:stretch>
+            <a:fillRect/>
+          </a:stretch>
+        </p:blipFill>
+        <p:spPr bwMode="auto">
+          <a:xfrm>
+            <a:off x="2664363" y="33337"/>
+            <a:ext cx="6863272" cy="3395663"/>
+          </a:xfrm>
+          <a:prstGeom prst="rect">
+            <a:avLst/>
+          </a:prstGeom>
+          <a:noFill/>
+          <a:extLst>
+            <a:ext uri="{909E8E84-426E-40DD-AFC4-6F175D3DCCD1}">
+              <a14:hiddenFill xmlns:a14="http://schemas.microsoft.com/office/drawing/2010/main">
+                <a:solidFill>
+                  <a:srgbClr val="FFFFFF"/>
+                </a:solidFill>
+              </a14:hiddenFill>
+            </a:ext>
+          </a:extLst>
+        </p:spPr>
+      </p:pic>
+    </p:spTree>
+    <p:extLst>
+      <p:ext uri="{BB962C8B-B14F-4D97-AF65-F5344CB8AC3E}">
+        <p14:creationId xmlns:p14="http://schemas.microsoft.com/office/powerpoint/2010/main" val="2171720537"/>
+      </p:ext>
+    </p:extLst>
+  </p:cSld>
+  <p:clrMapOvr>
+    <a:masterClrMapping/>
+  </p:clrMapOvr>
+</p:sld>
+</file>
+
+<file path=ppt/slides/slide15.xml><?xml version="1.0" encoding="utf-8"?>
+<p:sld xmlns:a="http://schemas.openxmlformats.org/drawingml/2006/main" xmlns:r="http://schemas.openxmlformats.org/officeDocument/2006/relationships" xmlns:p="http://schemas.openxmlformats.org/presentationml/2006/main">
+  <p:cSld>
+    <p:spTree>
+      <p:nvGrpSpPr>
+        <p:cNvPr id="1" name=""/>
+        <p:cNvGrpSpPr/>
+        <p:nvPr/>
+      </p:nvGrpSpPr>
+      <p:grpSpPr>
+        <a:xfrm>
+          <a:off x="0" y="0"/>
+          <a:ext cx="0" cy="0"/>
+          <a:chOff x="0" y="0"/>
+          <a:chExt cx="0" cy="0"/>
+        </a:xfrm>
+      </p:grpSpPr>
+      <p:pic>
+        <p:nvPicPr>
+          <p:cNvPr id="7170" name="Picture 2">
+            <a:extLst>
+              <a:ext uri="{FF2B5EF4-FFF2-40B4-BE49-F238E27FC236}">
+                <a16:creationId xmlns:a16="http://schemas.microsoft.com/office/drawing/2014/main" id="{D2B8A251-8A02-B222-D98E-C0A3BB4EAB03}"/>
+              </a:ext>
+            </a:extLst>
+          </p:cNvPr>
+          <p:cNvPicPr>
+            <a:picLocks noChangeAspect="1" noChangeArrowheads="1"/>
+          </p:cNvPicPr>
+          <p:nvPr/>
+        </p:nvPicPr>
+        <p:blipFill>
+          <a:blip r:embed="rId2">
+            <a:extLst>
+              <a:ext uri="{28A0092B-C50C-407E-A947-70E740481C1C}">
+                <a14:useLocalDpi xmlns:a14="http://schemas.microsoft.com/office/drawing/2010/main" val="0"/>
+              </a:ext>
+            </a:extLst>
+          </a:blip>
+          <a:srcRect/>
+          <a:stretch>
+            <a:fillRect/>
+          </a:stretch>
+        </p:blipFill>
+        <p:spPr bwMode="auto">
+          <a:xfrm>
+            <a:off x="1647825" y="995363"/>
+            <a:ext cx="8896350" cy="4867275"/>
+          </a:xfrm>
+          <a:prstGeom prst="rect">
+            <a:avLst/>
+          </a:prstGeom>
+          <a:noFill/>
+          <a:extLst>
+            <a:ext uri="{909E8E84-426E-40DD-AFC4-6F175D3DCCD1}">
+              <a14:hiddenFill xmlns:a14="http://schemas.microsoft.com/office/drawing/2010/main">
+                <a:solidFill>
+                  <a:srgbClr val="FFFFFF"/>
+                </a:solidFill>
+              </a14:hiddenFill>
+            </a:ext>
+          </a:extLst>
+        </p:spPr>
+      </p:pic>
+    </p:spTree>
+    <p:extLst>
+      <p:ext uri="{BB962C8B-B14F-4D97-AF65-F5344CB8AC3E}">
+        <p14:creationId xmlns:p14="http://schemas.microsoft.com/office/powerpoint/2010/main" val="2895355216"/>
+      </p:ext>
+    </p:extLst>
+  </p:cSld>
+  <p:clrMapOvr>
+    <a:masterClrMapping/>
+  </p:clrMapOvr>
+</p:sld>
+</file>
+
+<file path=ppt/slides/slide16.xml><?xml version="1.0" encoding="utf-8"?>
+<p:sld xmlns:a="http://schemas.openxmlformats.org/drawingml/2006/main" xmlns:r="http://schemas.openxmlformats.org/officeDocument/2006/relationships" xmlns:p="http://schemas.openxmlformats.org/presentationml/2006/main">
+  <p:cSld>
+    <p:spTree>
+      <p:nvGrpSpPr>
+        <p:cNvPr id="1" name=""/>
+        <p:cNvGrpSpPr/>
+        <p:nvPr/>
+      </p:nvGrpSpPr>
+      <p:grpSpPr>
+        <a:xfrm>
+          <a:off x="0" y="0"/>
+          <a:ext cx="0" cy="0"/>
+          <a:chOff x="0" y="0"/>
+          <a:chExt cx="0" cy="0"/>
+        </a:xfrm>
+      </p:grpSpPr>
+      <p:pic>
+        <p:nvPicPr>
+          <p:cNvPr id="7" name="Picture 6" descr="Graphical user interface&#10;&#10;Description automatically generated">
+            <a:extLst>
+              <a:ext uri="{FF2B5EF4-FFF2-40B4-BE49-F238E27FC236}">
+                <a16:creationId xmlns:a16="http://schemas.microsoft.com/office/drawing/2014/main" id="{B29E9081-2E65-DA26-6640-A63C4DAF8F2B}"/>
+              </a:ext>
+            </a:extLst>
+          </p:cNvPr>
+          <p:cNvPicPr>
+            <a:picLocks noChangeAspect="1"/>
+          </p:cNvPicPr>
+          <p:nvPr/>
+        </p:nvPicPr>
+        <p:blipFill>
+          <a:blip r:embed="rId2">
+            <a:extLst>
+              <a:ext uri="{28A0092B-C50C-407E-A947-70E740481C1C}">
+                <a14:useLocalDpi xmlns:a14="http://schemas.microsoft.com/office/drawing/2010/main" val="0"/>
+              </a:ext>
+            </a:extLst>
+          </a:blip>
+          <a:stretch>
+            <a:fillRect/>
+          </a:stretch>
+        </p:blipFill>
+        <p:spPr>
+          <a:xfrm>
+            <a:off x="2879668" y="0"/>
+            <a:ext cx="6432664" cy="6858000"/>
+          </a:xfrm>
+          <a:prstGeom prst="rect">
+            <a:avLst/>
+          </a:prstGeom>
+        </p:spPr>
+      </p:pic>
+    </p:spTree>
+    <p:extLst>
+      <p:ext uri="{BB962C8B-B14F-4D97-AF65-F5344CB8AC3E}">
+        <p14:creationId xmlns:p14="http://schemas.microsoft.com/office/powerpoint/2010/main" val="2099185213"/>
+      </p:ext>
+    </p:extLst>
+  </p:cSld>
+  <p:clrMapOvr>
+    <a:masterClrMapping/>
+  </p:clrMapOvr>
+</p:sld>
+</file>
+
+<file path=ppt/slides/slide17.xml><?xml version="1.0" encoding="utf-8"?>
+<p:sld xmlns:a="http://schemas.openxmlformats.org/drawingml/2006/main" xmlns:r="http://schemas.openxmlformats.org/officeDocument/2006/relationships" xmlns:p="http://schemas.openxmlformats.org/presentationml/2006/main">
+  <p:cSld>
+    <p:spTree>
+      <p:nvGrpSpPr>
+        <p:cNvPr id="1" name=""/>
+        <p:cNvGrpSpPr/>
+        <p:nvPr/>
+      </p:nvGrpSpPr>
+      <p:grpSpPr>
+        <a:xfrm>
+          <a:off x="0" y="0"/>
+          <a:ext cx="0" cy="0"/>
+          <a:chOff x="0" y="0"/>
+          <a:chExt cx="0" cy="0"/>
+        </a:xfrm>
+      </p:grpSpPr>
+      <p:pic>
+        <p:nvPicPr>
           <p:cNvPr id="3" name="Picture 2" descr="Graphical user interface&#10;&#10;Description automatically generated with medium confidence">
             <a:extLst>
               <a:ext uri="{FF2B5EF4-FFF2-40B4-BE49-F238E27FC236}">
@@ -3472,7 +4464,7 @@
 </p:sld>
 </file>
 
-<file path=ppt/slides/slide11.xml><?xml version="1.0" encoding="utf-8"?>
+<file path=ppt/slides/slide18.xml><?xml version="1.0" encoding="utf-8"?>
 <p:sld xmlns:a="http://schemas.openxmlformats.org/drawingml/2006/main" xmlns:r="http://schemas.openxmlformats.org/officeDocument/2006/relationships" xmlns:p="http://schemas.openxmlformats.org/presentationml/2006/main">
   <p:cSld>
     <p:spTree>
@@ -3538,7 +4530,7 @@
 </p:sld>
 </file>
 
-<file path=ppt/slides/slide12.xml><?xml version="1.0" encoding="utf-8"?>
+<file path=ppt/slides/slide19.xml><?xml version="1.0" encoding="utf-8"?>
 <p:sld xmlns:a="http://schemas.openxmlformats.org/drawingml/2006/main" xmlns:r="http://schemas.openxmlformats.org/officeDocument/2006/relationships" xmlns:p="http://schemas.openxmlformats.org/presentationml/2006/main">
   <p:cSld>
     <p:spTree>
@@ -3604,7 +4596,113 @@
 </p:sld>
 </file>
 
-<file path=ppt/slides/slide13.xml><?xml version="1.0" encoding="utf-8"?>
+<file path=ppt/slides/slide2.xml><?xml version="1.0" encoding="utf-8"?>
+<p:sld xmlns:a="http://schemas.openxmlformats.org/drawingml/2006/main" xmlns:r="http://schemas.openxmlformats.org/officeDocument/2006/relationships" xmlns:p="http://schemas.openxmlformats.org/presentationml/2006/main">
+  <p:cSld>
+    <p:spTree>
+      <p:nvGrpSpPr>
+        <p:cNvPr id="1" name=""/>
+        <p:cNvGrpSpPr/>
+        <p:nvPr/>
+      </p:nvGrpSpPr>
+      <p:grpSpPr>
+        <a:xfrm>
+          <a:off x="0" y="0"/>
+          <a:ext cx="0" cy="0"/>
+          <a:chOff x="0" y="0"/>
+          <a:chExt cx="0" cy="0"/>
+        </a:xfrm>
+      </p:grpSpPr>
+      <p:sp>
+        <p:nvSpPr>
+          <p:cNvPr id="2" name="Title 1">
+            <a:extLst>
+              <a:ext uri="{FF2B5EF4-FFF2-40B4-BE49-F238E27FC236}">
+                <a16:creationId xmlns:a16="http://schemas.microsoft.com/office/drawing/2014/main" id="{7985DAE8-7B65-F220-02F5-B04656A05FF2}"/>
+              </a:ext>
+            </a:extLst>
+          </p:cNvPr>
+          <p:cNvSpPr>
+            <a:spLocks noGrp="1"/>
+          </p:cNvSpPr>
+          <p:nvPr>
+            <p:ph type="title"/>
+          </p:nvPr>
+        </p:nvSpPr>
+        <p:spPr/>
+        <p:txBody>
+          <a:bodyPr/>
+          <a:lstStyle/>
+          <a:p>
+            <a:r>
+              <a:rPr lang="en-US" dirty="0"/>
+              <a:t>Summary of Companies Selected</a:t>
+            </a:r>
+          </a:p>
+        </p:txBody>
+      </p:sp>
+      <p:sp>
+        <p:nvSpPr>
+          <p:cNvPr id="3" name="Content Placeholder 2">
+            <a:extLst>
+              <a:ext uri="{FF2B5EF4-FFF2-40B4-BE49-F238E27FC236}">
+                <a16:creationId xmlns:a16="http://schemas.microsoft.com/office/drawing/2014/main" id="{4989955C-321D-817E-B0BF-3E99EA013458}"/>
+              </a:ext>
+            </a:extLst>
+          </p:cNvPr>
+          <p:cNvSpPr>
+            <a:spLocks noGrp="1"/>
+          </p:cNvSpPr>
+          <p:nvPr>
+            <p:ph idx="1"/>
+          </p:nvPr>
+        </p:nvSpPr>
+        <p:spPr/>
+        <p:txBody>
+          <a:bodyPr>
+            <a:normAutofit fontScale="70000" lnSpcReduction="20000"/>
+          </a:bodyPr>
+          <a:lstStyle/>
+          <a:p>
+            <a:r>
+              <a:rPr lang="en-US" dirty="0"/>
+              <a:t>Apple (AAPL) designs and sells electronic devices such as the iPhone, iPad, Mac, Apple Watch, Air Pods and Apple TV. The company also offers services such as Apple Music, iCloud, Apple Care, Apple TV+, Apple Arcade, Apple Card and Apple Pay. The integrated hardware, software and services are sold in company-owned stores or third-party retailers.</a:t>
+            </a:r>
+          </a:p>
+          <a:p>
+            <a:endParaRPr lang="en-US" dirty="0"/>
+          </a:p>
+          <a:p>
+            <a:r>
+              <a:rPr lang="en-US" dirty="0"/>
+              <a:t>Alphabet (GOOG) is a holding company for the internet giant Google where most of the revenue (85%) is from online ads. Other revenue is from the sales of apps, Google Pay, YouTube as well as cloud service fees and other licensing revenue. They invest in health (Verily), faster internet (Google Fiber), self-driving cars (Waymo). Operating revenue has been 25% to 30%.</a:t>
+            </a:r>
+          </a:p>
+          <a:p>
+            <a:endParaRPr lang="en-US" dirty="0"/>
+          </a:p>
+          <a:p>
+            <a:r>
+              <a:rPr lang="en-US" dirty="0"/>
+              <a:t>Amazon (AMZN) is a leading online retailer and e-commerce aggregator. Net sales are about $ 386 billion and approximately $ 578 billion in estimated physical/digital online gross merchandise. Retail accounts for 80% of total revenue, 10%-15% for Amazon Web services cloud computing, 5% in advertising services. International sales are strong in Germany, United Kingdom and Japan.</a:t>
+            </a:r>
+          </a:p>
+        </p:txBody>
+      </p:sp>
+    </p:spTree>
+    <p:extLst>
+      <p:ext uri="{BB962C8B-B14F-4D97-AF65-F5344CB8AC3E}">
+        <p14:creationId xmlns:p14="http://schemas.microsoft.com/office/powerpoint/2010/main" val="2733002857"/>
+      </p:ext>
+    </p:extLst>
+  </p:cSld>
+  <p:clrMapOvr>
+    <a:masterClrMapping/>
+  </p:clrMapOvr>
+</p:sld>
+</file>
+
+<file path=ppt/slides/slide20.xml><?xml version="1.0" encoding="utf-8"?>
 <p:sld xmlns:a="http://schemas.openxmlformats.org/drawingml/2006/main" xmlns:r="http://schemas.openxmlformats.org/officeDocument/2006/relationships" xmlns:p="http://schemas.openxmlformats.org/presentationml/2006/main">
   <p:cSld>
     <p:spTree>
@@ -3670,7 +4768,7 @@
 </p:sld>
 </file>
 
-<file path=ppt/slides/slide14.xml><?xml version="1.0" encoding="utf-8"?>
+<file path=ppt/slides/slide21.xml><?xml version="1.0" encoding="utf-8"?>
 <p:sld xmlns:a="http://schemas.openxmlformats.org/drawingml/2006/main" xmlns:r="http://schemas.openxmlformats.org/officeDocument/2006/relationships" xmlns:p="http://schemas.openxmlformats.org/presentationml/2006/main">
   <p:cSld>
     <p:spTree>
@@ -3736,7 +4834,7 @@
 </p:sld>
 </file>
 
-<file path=ppt/slides/slide15.xml><?xml version="1.0" encoding="utf-8"?>
+<file path=ppt/slides/slide22.xml><?xml version="1.0" encoding="utf-8"?>
 <p:sld xmlns:a="http://schemas.openxmlformats.org/drawingml/2006/main" xmlns:r="http://schemas.openxmlformats.org/officeDocument/2006/relationships" xmlns:p="http://schemas.openxmlformats.org/presentationml/2006/main">
   <p:cSld>
     <p:spTree>
@@ -3793,112 +4891,6 @@
     <p:extLst>
       <p:ext uri="{BB962C8B-B14F-4D97-AF65-F5344CB8AC3E}">
         <p14:creationId xmlns:p14="http://schemas.microsoft.com/office/powerpoint/2010/main" val="3038966756"/>
-      </p:ext>
-    </p:extLst>
-  </p:cSld>
-  <p:clrMapOvr>
-    <a:masterClrMapping/>
-  </p:clrMapOvr>
-</p:sld>
-</file>
-
-<file path=ppt/slides/slide2.xml><?xml version="1.0" encoding="utf-8"?>
-<p:sld xmlns:a="http://schemas.openxmlformats.org/drawingml/2006/main" xmlns:r="http://schemas.openxmlformats.org/officeDocument/2006/relationships" xmlns:p="http://schemas.openxmlformats.org/presentationml/2006/main">
-  <p:cSld>
-    <p:spTree>
-      <p:nvGrpSpPr>
-        <p:cNvPr id="1" name=""/>
-        <p:cNvGrpSpPr/>
-        <p:nvPr/>
-      </p:nvGrpSpPr>
-      <p:grpSpPr>
-        <a:xfrm>
-          <a:off x="0" y="0"/>
-          <a:ext cx="0" cy="0"/>
-          <a:chOff x="0" y="0"/>
-          <a:chExt cx="0" cy="0"/>
-        </a:xfrm>
-      </p:grpSpPr>
-      <p:sp>
-        <p:nvSpPr>
-          <p:cNvPr id="2" name="Title 1">
-            <a:extLst>
-              <a:ext uri="{FF2B5EF4-FFF2-40B4-BE49-F238E27FC236}">
-                <a16:creationId xmlns:a16="http://schemas.microsoft.com/office/drawing/2014/main" id="{7985DAE8-7B65-F220-02F5-B04656A05FF2}"/>
-              </a:ext>
-            </a:extLst>
-          </p:cNvPr>
-          <p:cNvSpPr>
-            <a:spLocks noGrp="1"/>
-          </p:cNvSpPr>
-          <p:nvPr>
-            <p:ph type="title"/>
-          </p:nvPr>
-        </p:nvSpPr>
-        <p:spPr/>
-        <p:txBody>
-          <a:bodyPr/>
-          <a:lstStyle/>
-          <a:p>
-            <a:r>
-              <a:rPr lang="en-US" dirty="0"/>
-              <a:t>Summary of Companies Selected</a:t>
-            </a:r>
-          </a:p>
-        </p:txBody>
-      </p:sp>
-      <p:sp>
-        <p:nvSpPr>
-          <p:cNvPr id="3" name="Content Placeholder 2">
-            <a:extLst>
-              <a:ext uri="{FF2B5EF4-FFF2-40B4-BE49-F238E27FC236}">
-                <a16:creationId xmlns:a16="http://schemas.microsoft.com/office/drawing/2014/main" id="{4989955C-321D-817E-B0BF-3E99EA013458}"/>
-              </a:ext>
-            </a:extLst>
-          </p:cNvPr>
-          <p:cNvSpPr>
-            <a:spLocks noGrp="1"/>
-          </p:cNvSpPr>
-          <p:nvPr>
-            <p:ph idx="1"/>
-          </p:nvPr>
-        </p:nvSpPr>
-        <p:spPr/>
-        <p:txBody>
-          <a:bodyPr>
-            <a:normAutofit fontScale="70000" lnSpcReduction="20000"/>
-          </a:bodyPr>
-          <a:lstStyle/>
-          <a:p>
-            <a:r>
-              <a:rPr lang="en-US" dirty="0"/>
-              <a:t>Apple (AAPL) designs and sells electronic devices such as the iPhone, iPad, Mac, Apple Watch, Air Pods and Apple TV. The company also offers services such as Apple Music, iCloud, Apple Care, Apple TV+, Apple Arcade, Apple Card and Apple Pay. The integrated hardware, software and services are sold in company-owned stores or third-party retailers.</a:t>
-            </a:r>
-          </a:p>
-          <a:p>
-            <a:endParaRPr lang="en-US" dirty="0"/>
-          </a:p>
-          <a:p>
-            <a:r>
-              <a:rPr lang="en-US" dirty="0"/>
-              <a:t>Alphabet (GOOG) is a holding company for the internet giant Google where most of the revenue (85%) is from online ads. Other revenue is from the sales of apps, Google Pay, YouTube as well as cloud service fees and other licensing revenue. They invest in health (Verily), faster internet (Google Fiber), self-driving cars (Waymo). Operating revenue has been 25% to 30%.</a:t>
-            </a:r>
-          </a:p>
-          <a:p>
-            <a:endParaRPr lang="en-US" dirty="0"/>
-          </a:p>
-          <a:p>
-            <a:r>
-              <a:rPr lang="en-US" dirty="0"/>
-              <a:t>Amazon (AMZN) is a leading online retailer and e-commerce aggregator. Net sales are about $ 386 billion and approximately $ 578 billion in estimated physical/digital online gross merchandise. Retail accounts for 80% of total revenue, 10%-15% for Amazon Web services cloud computing, 5% in advertising services. International sales are strong in Germany, United Kingdom and Japan.</a:t>
-            </a:r>
-          </a:p>
-        </p:txBody>
-      </p:sp>
-    </p:spTree>
-    <p:extLst>
-      <p:ext uri="{BB962C8B-B14F-4D97-AF65-F5344CB8AC3E}">
-        <p14:creationId xmlns:p14="http://schemas.microsoft.com/office/powerpoint/2010/main" val="2733002857"/>
       </p:ext>
     </p:extLst>
   </p:cSld>
@@ -4287,15 +5279,15 @@
       </p:grpSpPr>
       <p:pic>
         <p:nvPicPr>
-          <p:cNvPr id="7" name="Picture 6" descr="Graphical user interface&#10;&#10;Description automatically generated">
-            <a:extLst>
-              <a:ext uri="{FF2B5EF4-FFF2-40B4-BE49-F238E27FC236}">
-                <a16:creationId xmlns:a16="http://schemas.microsoft.com/office/drawing/2014/main" id="{B29E9081-2E65-DA26-6640-A63C4DAF8F2B}"/>
+          <p:cNvPr id="1026" name="Picture 2">
+            <a:extLst>
+              <a:ext uri="{FF2B5EF4-FFF2-40B4-BE49-F238E27FC236}">
+                <a16:creationId xmlns:a16="http://schemas.microsoft.com/office/drawing/2014/main" id="{6FC8F69E-3A0F-8D0B-8650-A0F9375DF1FF}"/>
               </a:ext>
             </a:extLst>
           </p:cNvPr>
           <p:cNvPicPr>
-            <a:picLocks noChangeAspect="1"/>
+            <a:picLocks noChangeAspect="1" noChangeArrowheads="1"/>
           </p:cNvPicPr>
           <p:nvPr/>
         </p:nvPicPr>
@@ -4307,24 +5299,35 @@
               </a:ext>
             </a:extLst>
           </a:blip>
+          <a:srcRect/>
           <a:stretch>
             <a:fillRect/>
           </a:stretch>
         </p:blipFill>
-        <p:spPr>
+        <p:spPr bwMode="auto">
           <a:xfrm>
-            <a:off x="2879668" y="0"/>
-            <a:ext cx="6432664" cy="6858000"/>
+            <a:off x="620713" y="0"/>
+            <a:ext cx="10950575" cy="6858000"/>
           </a:xfrm>
           <a:prstGeom prst="rect">
             <a:avLst/>
           </a:prstGeom>
+          <a:noFill/>
+          <a:extLst>
+            <a:ext uri="{909E8E84-426E-40DD-AFC4-6F175D3DCCD1}">
+              <a14:hiddenFill xmlns:a14="http://schemas.microsoft.com/office/drawing/2010/main">
+                <a:solidFill>
+                  <a:srgbClr val="FFFFFF"/>
+                </a:solidFill>
+              </a14:hiddenFill>
+            </a:ext>
+          </a:extLst>
         </p:spPr>
       </p:pic>
     </p:spTree>
     <p:extLst>
       <p:ext uri="{BB962C8B-B14F-4D97-AF65-F5344CB8AC3E}">
-        <p14:creationId xmlns:p14="http://schemas.microsoft.com/office/powerpoint/2010/main" val="2099185213"/>
+        <p14:creationId xmlns:p14="http://schemas.microsoft.com/office/powerpoint/2010/main" val="2543980800"/>
       </p:ext>
     </p:extLst>
   </p:cSld>

--- a/AAPL v AMZN v GOOG.pptx
+++ b/AAPL v AMZN v GOOG.pptx
@@ -13,20 +13,20 @@
     <p:sldId id="260" r:id="rId7"/>
     <p:sldId id="268" r:id="rId8"/>
     <p:sldId id="270" r:id="rId9"/>
-    <p:sldId id="273" r:id="rId10"/>
-    <p:sldId id="274" r:id="rId11"/>
-    <p:sldId id="275" r:id="rId12"/>
-    <p:sldId id="276" r:id="rId13"/>
-    <p:sldId id="277" r:id="rId14"/>
-    <p:sldId id="278" r:id="rId15"/>
-    <p:sldId id="279" r:id="rId16"/>
-    <p:sldId id="261" r:id="rId17"/>
-    <p:sldId id="262" r:id="rId18"/>
-    <p:sldId id="263" r:id="rId19"/>
-    <p:sldId id="264" r:id="rId20"/>
-    <p:sldId id="265" r:id="rId21"/>
-    <p:sldId id="266" r:id="rId22"/>
-    <p:sldId id="267" r:id="rId23"/>
+    <p:sldId id="261" r:id="rId10"/>
+    <p:sldId id="262" r:id="rId11"/>
+    <p:sldId id="263" r:id="rId12"/>
+    <p:sldId id="264" r:id="rId13"/>
+    <p:sldId id="265" r:id="rId14"/>
+    <p:sldId id="266" r:id="rId15"/>
+    <p:sldId id="267" r:id="rId16"/>
+    <p:sldId id="279" r:id="rId17"/>
+    <p:sldId id="273" r:id="rId18"/>
+    <p:sldId id="274" r:id="rId19"/>
+    <p:sldId id="275" r:id="rId20"/>
+    <p:sldId id="276" r:id="rId21"/>
+    <p:sldId id="277" r:id="rId22"/>
+    <p:sldId id="278" r:id="rId23"/>
   </p:sldIdLst>
   <p:sldSz cx="12192000" cy="6858000"/>
   <p:notesSz cx="6858000" cy="9144000"/>
@@ -455,7 +455,7 @@
           <a:p>
             <a:fld id="{DB9C9203-E98B-4325-A7AE-7F54EE200038}" type="datetimeFigureOut">
               <a:rPr lang="en-US" smtClean="0"/>
-              <a:t>10/31/2022</a:t>
+              <a:t>11/1/2022</a:t>
             </a:fld>
             <a:endParaRPr lang="en-US"/>
           </a:p>
@@ -653,7 +653,7 @@
           <a:p>
             <a:fld id="{DB9C9203-E98B-4325-A7AE-7F54EE200038}" type="datetimeFigureOut">
               <a:rPr lang="en-US" smtClean="0"/>
-              <a:t>10/31/2022</a:t>
+              <a:t>11/1/2022</a:t>
             </a:fld>
             <a:endParaRPr lang="en-US"/>
           </a:p>
@@ -861,7 +861,7 @@
           <a:p>
             <a:fld id="{DB9C9203-E98B-4325-A7AE-7F54EE200038}" type="datetimeFigureOut">
               <a:rPr lang="en-US" smtClean="0"/>
-              <a:t>10/31/2022</a:t>
+              <a:t>11/1/2022</a:t>
             </a:fld>
             <a:endParaRPr lang="en-US"/>
           </a:p>
@@ -1059,7 +1059,7 @@
           <a:p>
             <a:fld id="{DB9C9203-E98B-4325-A7AE-7F54EE200038}" type="datetimeFigureOut">
               <a:rPr lang="en-US" smtClean="0"/>
-              <a:t>10/31/2022</a:t>
+              <a:t>11/1/2022</a:t>
             </a:fld>
             <a:endParaRPr lang="en-US"/>
           </a:p>
@@ -1334,7 +1334,7 @@
           <a:p>
             <a:fld id="{DB9C9203-E98B-4325-A7AE-7F54EE200038}" type="datetimeFigureOut">
               <a:rPr lang="en-US" smtClean="0"/>
-              <a:t>10/31/2022</a:t>
+              <a:t>11/1/2022</a:t>
             </a:fld>
             <a:endParaRPr lang="en-US"/>
           </a:p>
@@ -1599,7 +1599,7 @@
           <a:p>
             <a:fld id="{DB9C9203-E98B-4325-A7AE-7F54EE200038}" type="datetimeFigureOut">
               <a:rPr lang="en-US" smtClean="0"/>
-              <a:t>10/31/2022</a:t>
+              <a:t>11/1/2022</a:t>
             </a:fld>
             <a:endParaRPr lang="en-US"/>
           </a:p>
@@ -2011,7 +2011,7 @@
           <a:p>
             <a:fld id="{DB9C9203-E98B-4325-A7AE-7F54EE200038}" type="datetimeFigureOut">
               <a:rPr lang="en-US" smtClean="0"/>
-              <a:t>10/31/2022</a:t>
+              <a:t>11/1/2022</a:t>
             </a:fld>
             <a:endParaRPr lang="en-US"/>
           </a:p>
@@ -2152,7 +2152,7 @@
           <a:p>
             <a:fld id="{DB9C9203-E98B-4325-A7AE-7F54EE200038}" type="datetimeFigureOut">
               <a:rPr lang="en-US" smtClean="0"/>
-              <a:t>10/31/2022</a:t>
+              <a:t>11/1/2022</a:t>
             </a:fld>
             <a:endParaRPr lang="en-US"/>
           </a:p>
@@ -2265,7 +2265,7 @@
           <a:p>
             <a:fld id="{DB9C9203-E98B-4325-A7AE-7F54EE200038}" type="datetimeFigureOut">
               <a:rPr lang="en-US" smtClean="0"/>
-              <a:t>10/31/2022</a:t>
+              <a:t>11/1/2022</a:t>
             </a:fld>
             <a:endParaRPr lang="en-US"/>
           </a:p>
@@ -2576,7 +2576,7 @@
           <a:p>
             <a:fld id="{DB9C9203-E98B-4325-A7AE-7F54EE200038}" type="datetimeFigureOut">
               <a:rPr lang="en-US" smtClean="0"/>
-              <a:t>10/31/2022</a:t>
+              <a:t>11/1/2022</a:t>
             </a:fld>
             <a:endParaRPr lang="en-US"/>
           </a:p>
@@ -2864,7 +2864,7 @@
           <a:p>
             <a:fld id="{DB9C9203-E98B-4325-A7AE-7F54EE200038}" type="datetimeFigureOut">
               <a:rPr lang="en-US" smtClean="0"/>
-              <a:t>10/31/2022</a:t>
+              <a:t>11/1/2022</a:t>
             </a:fld>
             <a:endParaRPr lang="en-US"/>
           </a:p>
@@ -3105,7 +3105,7 @@
           <a:p>
             <a:fld id="{DB9C9203-E98B-4325-A7AE-7F54EE200038}" type="datetimeFigureOut">
               <a:rPr lang="en-US" smtClean="0"/>
-              <a:t>10/31/2022</a:t>
+              <a:t>11/1/2022</a:t>
             </a:fld>
             <a:endParaRPr lang="en-US"/>
           </a:p>
@@ -3607,6 +3607,808 @@
       </p:grpSpPr>
       <p:pic>
         <p:nvPicPr>
+          <p:cNvPr id="3" name="Picture 2" descr="Graphical user interface&#10;&#10;Description automatically generated with medium confidence">
+            <a:extLst>
+              <a:ext uri="{FF2B5EF4-FFF2-40B4-BE49-F238E27FC236}">
+                <a16:creationId xmlns:a16="http://schemas.microsoft.com/office/drawing/2014/main" id="{4802E230-6181-D426-7979-BB594C07D792}"/>
+              </a:ext>
+            </a:extLst>
+          </p:cNvPr>
+          <p:cNvPicPr>
+            <a:picLocks noChangeAspect="1"/>
+          </p:cNvPicPr>
+          <p:nvPr/>
+        </p:nvPicPr>
+        <p:blipFill>
+          <a:blip r:embed="rId2">
+            <a:extLst>
+              <a:ext uri="{28A0092B-C50C-407E-A947-70E740481C1C}">
+                <a14:useLocalDpi xmlns:a14="http://schemas.microsoft.com/office/drawing/2010/main" val="0"/>
+              </a:ext>
+            </a:extLst>
+          </a:blip>
+          <a:stretch>
+            <a:fillRect/>
+          </a:stretch>
+        </p:blipFill>
+        <p:spPr>
+          <a:xfrm>
+            <a:off x="136468" y="0"/>
+            <a:ext cx="6432664" cy="6858000"/>
+          </a:xfrm>
+          <a:prstGeom prst="rect">
+            <a:avLst/>
+          </a:prstGeom>
+        </p:spPr>
+      </p:pic>
+      <p:pic>
+        <p:nvPicPr>
+          <p:cNvPr id="4" name="Picture 3" descr="Chart, scatter chart&#10;&#10;Description automatically generated">
+            <a:extLst>
+              <a:ext uri="{FF2B5EF4-FFF2-40B4-BE49-F238E27FC236}">
+                <a16:creationId xmlns:a16="http://schemas.microsoft.com/office/drawing/2014/main" id="{A449C6DE-A9C8-9C26-6D99-A8CC6CC1F537}"/>
+              </a:ext>
+            </a:extLst>
+          </p:cNvPr>
+          <p:cNvPicPr>
+            <a:picLocks noChangeAspect="1"/>
+          </p:cNvPicPr>
+          <p:nvPr/>
+        </p:nvPicPr>
+        <p:blipFill>
+          <a:blip r:embed="rId3">
+            <a:extLst>
+              <a:ext uri="{28A0092B-C50C-407E-A947-70E740481C1C}">
+                <a14:useLocalDpi xmlns:a14="http://schemas.microsoft.com/office/drawing/2010/main" val="0"/>
+              </a:ext>
+            </a:extLst>
+          </a:blip>
+          <a:stretch>
+            <a:fillRect/>
+          </a:stretch>
+        </p:blipFill>
+        <p:spPr>
+          <a:xfrm>
+            <a:off x="7033548" y="0"/>
+            <a:ext cx="4458200" cy="3087974"/>
+          </a:xfrm>
+          <a:prstGeom prst="rect">
+            <a:avLst/>
+          </a:prstGeom>
+        </p:spPr>
+      </p:pic>
+      <p:pic>
+        <p:nvPicPr>
+          <p:cNvPr id="6" name="Picture 5" descr="Chart, scatter chart&#10;&#10;Description automatically generated">
+            <a:extLst>
+              <a:ext uri="{FF2B5EF4-FFF2-40B4-BE49-F238E27FC236}">
+                <a16:creationId xmlns:a16="http://schemas.microsoft.com/office/drawing/2014/main" id="{2B76B559-0081-313D-8D67-7349FDAA69A6}"/>
+              </a:ext>
+            </a:extLst>
+          </p:cNvPr>
+          <p:cNvPicPr>
+            <a:picLocks noChangeAspect="1"/>
+          </p:cNvPicPr>
+          <p:nvPr/>
+        </p:nvPicPr>
+        <p:blipFill>
+          <a:blip r:embed="rId4">
+            <a:extLst>
+              <a:ext uri="{28A0092B-C50C-407E-A947-70E740481C1C}">
+                <a14:useLocalDpi xmlns:a14="http://schemas.microsoft.com/office/drawing/2010/main" val="0"/>
+              </a:ext>
+            </a:extLst>
+          </a:blip>
+          <a:stretch>
+            <a:fillRect/>
+          </a:stretch>
+        </p:blipFill>
+        <p:spPr>
+          <a:xfrm>
+            <a:off x="6793984" y="3429000"/>
+            <a:ext cx="4697764" cy="3275795"/>
+          </a:xfrm>
+          <a:prstGeom prst="rect">
+            <a:avLst/>
+          </a:prstGeom>
+        </p:spPr>
+      </p:pic>
+    </p:spTree>
+    <p:extLst>
+      <p:ext uri="{BB962C8B-B14F-4D97-AF65-F5344CB8AC3E}">
+        <p14:creationId xmlns:p14="http://schemas.microsoft.com/office/powerpoint/2010/main" val="3841550320"/>
+      </p:ext>
+    </p:extLst>
+  </p:cSld>
+  <p:clrMapOvr>
+    <a:masterClrMapping/>
+  </p:clrMapOvr>
+</p:sld>
+</file>
+
+<file path=ppt/slides/slide11.xml><?xml version="1.0" encoding="utf-8"?>
+<p:sld xmlns:a="http://schemas.openxmlformats.org/drawingml/2006/main" xmlns:r="http://schemas.openxmlformats.org/officeDocument/2006/relationships" xmlns:p="http://schemas.openxmlformats.org/presentationml/2006/main">
+  <p:cSld>
+    <p:spTree>
+      <p:nvGrpSpPr>
+        <p:cNvPr id="1" name=""/>
+        <p:cNvGrpSpPr/>
+        <p:nvPr/>
+      </p:nvGrpSpPr>
+      <p:grpSpPr>
+        <a:xfrm>
+          <a:off x="0" y="0"/>
+          <a:ext cx="0" cy="0"/>
+          <a:chOff x="0" y="0"/>
+          <a:chExt cx="0" cy="0"/>
+        </a:xfrm>
+      </p:grpSpPr>
+      <p:pic>
+        <p:nvPicPr>
+          <p:cNvPr id="3" name="Picture 2" descr="Graphical user interface&#10;&#10;Description automatically generated">
+            <a:extLst>
+              <a:ext uri="{FF2B5EF4-FFF2-40B4-BE49-F238E27FC236}">
+                <a16:creationId xmlns:a16="http://schemas.microsoft.com/office/drawing/2014/main" id="{5766AE1B-5E3B-98A3-C665-858DFA9EABA9}"/>
+              </a:ext>
+            </a:extLst>
+          </p:cNvPr>
+          <p:cNvPicPr>
+            <a:picLocks noChangeAspect="1"/>
+          </p:cNvPicPr>
+          <p:nvPr/>
+        </p:nvPicPr>
+        <p:blipFill>
+          <a:blip r:embed="rId2">
+            <a:extLst>
+              <a:ext uri="{28A0092B-C50C-407E-A947-70E740481C1C}">
+                <a14:useLocalDpi xmlns:a14="http://schemas.microsoft.com/office/drawing/2010/main" val="0"/>
+              </a:ext>
+            </a:extLst>
+          </a:blip>
+          <a:stretch>
+            <a:fillRect/>
+          </a:stretch>
+        </p:blipFill>
+        <p:spPr>
+          <a:xfrm>
+            <a:off x="196429" y="0"/>
+            <a:ext cx="6432664" cy="6858000"/>
+          </a:xfrm>
+          <a:prstGeom prst="rect">
+            <a:avLst/>
+          </a:prstGeom>
+        </p:spPr>
+      </p:pic>
+      <p:pic>
+        <p:nvPicPr>
+          <p:cNvPr id="4" name="Picture 3" descr="Chart, scatter chart&#10;&#10;Description automatically generated">
+            <a:extLst>
+              <a:ext uri="{FF2B5EF4-FFF2-40B4-BE49-F238E27FC236}">
+                <a16:creationId xmlns:a16="http://schemas.microsoft.com/office/drawing/2014/main" id="{7E0FB0A2-27AA-40B7-7EFE-9237DAAE58C2}"/>
+              </a:ext>
+            </a:extLst>
+          </p:cNvPr>
+          <p:cNvPicPr>
+            <a:picLocks noChangeAspect="1"/>
+          </p:cNvPicPr>
+          <p:nvPr/>
+        </p:nvPicPr>
+        <p:blipFill>
+          <a:blip r:embed="rId3">
+            <a:extLst>
+              <a:ext uri="{28A0092B-C50C-407E-A947-70E740481C1C}">
+                <a14:useLocalDpi xmlns:a14="http://schemas.microsoft.com/office/drawing/2010/main" val="0"/>
+              </a:ext>
+            </a:extLst>
+          </a:blip>
+          <a:stretch>
+            <a:fillRect/>
+          </a:stretch>
+        </p:blipFill>
+        <p:spPr>
+          <a:xfrm>
+            <a:off x="6759877" y="39509"/>
+            <a:ext cx="4839017" cy="3389491"/>
+          </a:xfrm>
+          <a:prstGeom prst="rect">
+            <a:avLst/>
+          </a:prstGeom>
+        </p:spPr>
+      </p:pic>
+      <p:pic>
+        <p:nvPicPr>
+          <p:cNvPr id="6" name="Picture 5" descr="Chart&#10;&#10;Description automatically generated">
+            <a:extLst>
+              <a:ext uri="{FF2B5EF4-FFF2-40B4-BE49-F238E27FC236}">
+                <a16:creationId xmlns:a16="http://schemas.microsoft.com/office/drawing/2014/main" id="{D9FFB94E-F822-B193-F6E0-9C18CFB74A8E}"/>
+              </a:ext>
+            </a:extLst>
+          </p:cNvPr>
+          <p:cNvPicPr>
+            <a:picLocks noChangeAspect="1"/>
+          </p:cNvPicPr>
+          <p:nvPr/>
+        </p:nvPicPr>
+        <p:blipFill>
+          <a:blip r:embed="rId4">
+            <a:extLst>
+              <a:ext uri="{28A0092B-C50C-407E-A947-70E740481C1C}">
+                <a14:useLocalDpi xmlns:a14="http://schemas.microsoft.com/office/drawing/2010/main" val="0"/>
+              </a:ext>
+            </a:extLst>
+          </a:blip>
+          <a:stretch>
+            <a:fillRect/>
+          </a:stretch>
+        </p:blipFill>
+        <p:spPr>
+          <a:xfrm>
+            <a:off x="6759877" y="3429000"/>
+            <a:ext cx="4969801" cy="3389492"/>
+          </a:xfrm>
+          <a:prstGeom prst="rect">
+            <a:avLst/>
+          </a:prstGeom>
+        </p:spPr>
+      </p:pic>
+    </p:spTree>
+    <p:extLst>
+      <p:ext uri="{BB962C8B-B14F-4D97-AF65-F5344CB8AC3E}">
+        <p14:creationId xmlns:p14="http://schemas.microsoft.com/office/powerpoint/2010/main" val="1705268245"/>
+      </p:ext>
+    </p:extLst>
+  </p:cSld>
+  <p:clrMapOvr>
+    <a:masterClrMapping/>
+  </p:clrMapOvr>
+</p:sld>
+</file>
+
+<file path=ppt/slides/slide12.xml><?xml version="1.0" encoding="utf-8"?>
+<p:sld xmlns:a="http://schemas.openxmlformats.org/drawingml/2006/main" xmlns:r="http://schemas.openxmlformats.org/officeDocument/2006/relationships" xmlns:p="http://schemas.openxmlformats.org/presentationml/2006/main">
+  <p:cSld>
+    <p:spTree>
+      <p:nvGrpSpPr>
+        <p:cNvPr id="1" name=""/>
+        <p:cNvGrpSpPr/>
+        <p:nvPr/>
+      </p:nvGrpSpPr>
+      <p:grpSpPr>
+        <a:xfrm>
+          <a:off x="0" y="0"/>
+          <a:ext cx="0" cy="0"/>
+          <a:chOff x="0" y="0"/>
+          <a:chExt cx="0" cy="0"/>
+        </a:xfrm>
+      </p:grpSpPr>
+      <p:pic>
+        <p:nvPicPr>
+          <p:cNvPr id="3" name="Picture 2" descr="Chart, line chart&#10;&#10;Description automatically generated">
+            <a:extLst>
+              <a:ext uri="{FF2B5EF4-FFF2-40B4-BE49-F238E27FC236}">
+                <a16:creationId xmlns:a16="http://schemas.microsoft.com/office/drawing/2014/main" id="{02C15916-542C-978A-0568-640595D3846A}"/>
+              </a:ext>
+            </a:extLst>
+          </p:cNvPr>
+          <p:cNvPicPr>
+            <a:picLocks noChangeAspect="1"/>
+          </p:cNvPicPr>
+          <p:nvPr/>
+        </p:nvPicPr>
+        <p:blipFill>
+          <a:blip r:embed="rId2">
+            <a:extLst>
+              <a:ext uri="{28A0092B-C50C-407E-A947-70E740481C1C}">
+                <a14:useLocalDpi xmlns:a14="http://schemas.microsoft.com/office/drawing/2010/main" val="0"/>
+              </a:ext>
+            </a:extLst>
+          </a:blip>
+          <a:stretch>
+            <a:fillRect/>
+          </a:stretch>
+        </p:blipFill>
+        <p:spPr>
+          <a:xfrm>
+            <a:off x="0" y="339577"/>
+            <a:ext cx="12192000" cy="6178845"/>
+          </a:xfrm>
+          <a:prstGeom prst="rect">
+            <a:avLst/>
+          </a:prstGeom>
+        </p:spPr>
+      </p:pic>
+    </p:spTree>
+    <p:extLst>
+      <p:ext uri="{BB962C8B-B14F-4D97-AF65-F5344CB8AC3E}">
+        <p14:creationId xmlns:p14="http://schemas.microsoft.com/office/powerpoint/2010/main" val="1549384176"/>
+      </p:ext>
+    </p:extLst>
+  </p:cSld>
+  <p:clrMapOvr>
+    <a:masterClrMapping/>
+  </p:clrMapOvr>
+</p:sld>
+</file>
+
+<file path=ppt/slides/slide13.xml><?xml version="1.0" encoding="utf-8"?>
+<p:sld xmlns:a="http://schemas.openxmlformats.org/drawingml/2006/main" xmlns:r="http://schemas.openxmlformats.org/officeDocument/2006/relationships" xmlns:p="http://schemas.openxmlformats.org/presentationml/2006/main">
+  <p:cSld>
+    <p:spTree>
+      <p:nvGrpSpPr>
+        <p:cNvPr id="1" name=""/>
+        <p:cNvGrpSpPr/>
+        <p:nvPr/>
+      </p:nvGrpSpPr>
+      <p:grpSpPr>
+        <a:xfrm>
+          <a:off x="0" y="0"/>
+          <a:ext cx="0" cy="0"/>
+          <a:chOff x="0" y="0"/>
+          <a:chExt cx="0" cy="0"/>
+        </a:xfrm>
+      </p:grpSpPr>
+      <p:pic>
+        <p:nvPicPr>
+          <p:cNvPr id="3" name="Picture 2" descr="Chart, histogram&#10;&#10;Description automatically generated">
+            <a:extLst>
+              <a:ext uri="{FF2B5EF4-FFF2-40B4-BE49-F238E27FC236}">
+                <a16:creationId xmlns:a16="http://schemas.microsoft.com/office/drawing/2014/main" id="{878653F5-DEFF-E06F-EA6C-1949A9CA1E12}"/>
+              </a:ext>
+            </a:extLst>
+          </p:cNvPr>
+          <p:cNvPicPr>
+            <a:picLocks noChangeAspect="1"/>
+          </p:cNvPicPr>
+          <p:nvPr/>
+        </p:nvPicPr>
+        <p:blipFill>
+          <a:blip r:embed="rId2">
+            <a:extLst>
+              <a:ext uri="{28A0092B-C50C-407E-A947-70E740481C1C}">
+                <a14:useLocalDpi xmlns:a14="http://schemas.microsoft.com/office/drawing/2010/main" val="0"/>
+              </a:ext>
+            </a:extLst>
+          </a:blip>
+          <a:stretch>
+            <a:fillRect/>
+          </a:stretch>
+        </p:blipFill>
+        <p:spPr>
+          <a:xfrm>
+            <a:off x="0" y="346494"/>
+            <a:ext cx="6685613" cy="3380649"/>
+          </a:xfrm>
+          <a:prstGeom prst="rect">
+            <a:avLst/>
+          </a:prstGeom>
+        </p:spPr>
+      </p:pic>
+      <p:pic>
+        <p:nvPicPr>
+          <p:cNvPr id="4" name="Picture 3" descr="A picture containing antenna&#10;&#10;Description automatically generated">
+            <a:extLst>
+              <a:ext uri="{FF2B5EF4-FFF2-40B4-BE49-F238E27FC236}">
+                <a16:creationId xmlns:a16="http://schemas.microsoft.com/office/drawing/2014/main" id="{3CC1C0FB-AED0-5537-7AD9-65D429B8C240}"/>
+              </a:ext>
+            </a:extLst>
+          </p:cNvPr>
+          <p:cNvPicPr>
+            <a:picLocks noChangeAspect="1"/>
+          </p:cNvPicPr>
+          <p:nvPr/>
+        </p:nvPicPr>
+        <p:blipFill>
+          <a:blip r:embed="rId3">
+            <a:extLst>
+              <a:ext uri="{28A0092B-C50C-407E-A947-70E740481C1C}">
+                <a14:useLocalDpi xmlns:a14="http://schemas.microsoft.com/office/drawing/2010/main" val="0"/>
+              </a:ext>
+            </a:extLst>
+          </a:blip>
+          <a:stretch>
+            <a:fillRect/>
+          </a:stretch>
+        </p:blipFill>
+        <p:spPr>
+          <a:xfrm>
+            <a:off x="6685613" y="1778091"/>
+            <a:ext cx="5501715" cy="5079909"/>
+          </a:xfrm>
+          <a:prstGeom prst="rect">
+            <a:avLst/>
+          </a:prstGeom>
+        </p:spPr>
+      </p:pic>
+    </p:spTree>
+    <p:extLst>
+      <p:ext uri="{BB962C8B-B14F-4D97-AF65-F5344CB8AC3E}">
+        <p14:creationId xmlns:p14="http://schemas.microsoft.com/office/powerpoint/2010/main" val="357490103"/>
+      </p:ext>
+    </p:extLst>
+  </p:cSld>
+  <p:clrMapOvr>
+    <a:masterClrMapping/>
+  </p:clrMapOvr>
+</p:sld>
+</file>
+
+<file path=ppt/slides/slide14.xml><?xml version="1.0" encoding="utf-8"?>
+<p:sld xmlns:a="http://schemas.openxmlformats.org/drawingml/2006/main" xmlns:r="http://schemas.openxmlformats.org/officeDocument/2006/relationships" xmlns:p="http://schemas.openxmlformats.org/presentationml/2006/main">
+  <p:cSld>
+    <p:spTree>
+      <p:nvGrpSpPr>
+        <p:cNvPr id="1" name=""/>
+        <p:cNvGrpSpPr/>
+        <p:nvPr/>
+      </p:nvGrpSpPr>
+      <p:grpSpPr>
+        <a:xfrm>
+          <a:off x="0" y="0"/>
+          <a:ext cx="0" cy="0"/>
+          <a:chOff x="0" y="0"/>
+          <a:chExt cx="0" cy="0"/>
+        </a:xfrm>
+      </p:grpSpPr>
+      <p:pic>
+        <p:nvPicPr>
+          <p:cNvPr id="3" name="Picture 2" descr="Chart, histogram&#10;&#10;Description automatically generated">
+            <a:extLst>
+              <a:ext uri="{FF2B5EF4-FFF2-40B4-BE49-F238E27FC236}">
+                <a16:creationId xmlns:a16="http://schemas.microsoft.com/office/drawing/2014/main" id="{9DE4B529-52A0-B996-0A12-AFDE0BCC1E8C}"/>
+              </a:ext>
+            </a:extLst>
+          </p:cNvPr>
+          <p:cNvPicPr>
+            <a:picLocks noChangeAspect="1"/>
+          </p:cNvPicPr>
+          <p:nvPr/>
+        </p:nvPicPr>
+        <p:blipFill>
+          <a:blip r:embed="rId2">
+            <a:extLst>
+              <a:ext uri="{28A0092B-C50C-407E-A947-70E740481C1C}">
+                <a14:useLocalDpi xmlns:a14="http://schemas.microsoft.com/office/drawing/2010/main" val="0"/>
+              </a:ext>
+            </a:extLst>
+          </a:blip>
+          <a:stretch>
+            <a:fillRect/>
+          </a:stretch>
+        </p:blipFill>
+        <p:spPr>
+          <a:xfrm>
+            <a:off x="0" y="381000"/>
+            <a:ext cx="6955436" cy="3477718"/>
+          </a:xfrm>
+          <a:prstGeom prst="rect">
+            <a:avLst/>
+          </a:prstGeom>
+        </p:spPr>
+      </p:pic>
+      <p:pic>
+        <p:nvPicPr>
+          <p:cNvPr id="4" name="Picture 3" descr="Chart, histogram&#10;&#10;Description automatically generated">
+            <a:extLst>
+              <a:ext uri="{FF2B5EF4-FFF2-40B4-BE49-F238E27FC236}">
+                <a16:creationId xmlns:a16="http://schemas.microsoft.com/office/drawing/2014/main" id="{38936A85-0FFA-E0F6-B711-41B64FB1CBE2}"/>
+              </a:ext>
+            </a:extLst>
+          </p:cNvPr>
+          <p:cNvPicPr>
+            <a:picLocks noChangeAspect="1"/>
+          </p:cNvPicPr>
+          <p:nvPr/>
+        </p:nvPicPr>
+        <p:blipFill>
+          <a:blip r:embed="rId3">
+            <a:extLst>
+              <a:ext uri="{28A0092B-C50C-407E-A947-70E740481C1C}">
+                <a14:useLocalDpi xmlns:a14="http://schemas.microsoft.com/office/drawing/2010/main" val="0"/>
+              </a:ext>
+            </a:extLst>
+          </a:blip>
+          <a:stretch>
+            <a:fillRect/>
+          </a:stretch>
+        </p:blipFill>
+        <p:spPr>
+          <a:xfrm>
+            <a:off x="6955436" y="1603948"/>
+            <a:ext cx="5114329" cy="5059180"/>
+          </a:xfrm>
+          <a:prstGeom prst="rect">
+            <a:avLst/>
+          </a:prstGeom>
+        </p:spPr>
+      </p:pic>
+    </p:spTree>
+    <p:extLst>
+      <p:ext uri="{BB962C8B-B14F-4D97-AF65-F5344CB8AC3E}">
+        <p14:creationId xmlns:p14="http://schemas.microsoft.com/office/powerpoint/2010/main" val="3919408081"/>
+      </p:ext>
+    </p:extLst>
+  </p:cSld>
+  <p:clrMapOvr>
+    <a:masterClrMapping/>
+  </p:clrMapOvr>
+</p:sld>
+</file>
+
+<file path=ppt/slides/slide15.xml><?xml version="1.0" encoding="utf-8"?>
+<p:sld xmlns:a="http://schemas.openxmlformats.org/drawingml/2006/main" xmlns:r="http://schemas.openxmlformats.org/officeDocument/2006/relationships" xmlns:p="http://schemas.openxmlformats.org/presentationml/2006/main">
+  <p:cSld>
+    <p:spTree>
+      <p:nvGrpSpPr>
+        <p:cNvPr id="1" name=""/>
+        <p:cNvGrpSpPr/>
+        <p:nvPr/>
+      </p:nvGrpSpPr>
+      <p:grpSpPr>
+        <a:xfrm>
+          <a:off x="0" y="0"/>
+          <a:ext cx="0" cy="0"/>
+          <a:chOff x="0" y="0"/>
+          <a:chExt cx="0" cy="0"/>
+        </a:xfrm>
+      </p:grpSpPr>
+      <p:pic>
+        <p:nvPicPr>
+          <p:cNvPr id="5" name="Picture 4" descr="Chart, histogram&#10;&#10;Description automatically generated">
+            <a:extLst>
+              <a:ext uri="{FF2B5EF4-FFF2-40B4-BE49-F238E27FC236}">
+                <a16:creationId xmlns:a16="http://schemas.microsoft.com/office/drawing/2014/main" id="{2717888A-C993-8FC7-8A0D-F7F49DBF5485}"/>
+              </a:ext>
+            </a:extLst>
+          </p:cNvPr>
+          <p:cNvPicPr>
+            <a:picLocks noChangeAspect="1"/>
+          </p:cNvPicPr>
+          <p:nvPr/>
+        </p:nvPicPr>
+        <p:blipFill>
+          <a:blip r:embed="rId2">
+            <a:extLst>
+              <a:ext uri="{28A0092B-C50C-407E-A947-70E740481C1C}">
+                <a14:useLocalDpi xmlns:a14="http://schemas.microsoft.com/office/drawing/2010/main" val="0"/>
+              </a:ext>
+            </a:extLst>
+          </a:blip>
+          <a:stretch>
+            <a:fillRect/>
+          </a:stretch>
+        </p:blipFill>
+        <p:spPr>
+          <a:xfrm>
+            <a:off x="0" y="194669"/>
+            <a:ext cx="6498609" cy="3447941"/>
+          </a:xfrm>
+          <a:prstGeom prst="rect">
+            <a:avLst/>
+          </a:prstGeom>
+        </p:spPr>
+      </p:pic>
+      <p:pic>
+        <p:nvPicPr>
+          <p:cNvPr id="6" name="Picture 5" descr="Chart, histogram&#10;&#10;Description automatically generated">
+            <a:extLst>
+              <a:ext uri="{FF2B5EF4-FFF2-40B4-BE49-F238E27FC236}">
+                <a16:creationId xmlns:a16="http://schemas.microsoft.com/office/drawing/2014/main" id="{7C7A37C6-8614-0090-31E1-1E190651DA29}"/>
+              </a:ext>
+            </a:extLst>
+          </p:cNvPr>
+          <p:cNvPicPr>
+            <a:picLocks noChangeAspect="1"/>
+          </p:cNvPicPr>
+          <p:nvPr/>
+        </p:nvPicPr>
+        <p:blipFill>
+          <a:blip r:embed="rId3">
+            <a:extLst>
+              <a:ext uri="{28A0092B-C50C-407E-A947-70E740481C1C}">
+                <a14:useLocalDpi xmlns:a14="http://schemas.microsoft.com/office/drawing/2010/main" val="0"/>
+              </a:ext>
+            </a:extLst>
+          </a:blip>
+          <a:stretch>
+            <a:fillRect/>
+          </a:stretch>
+        </p:blipFill>
+        <p:spPr>
+          <a:xfrm>
+            <a:off x="6362173" y="1555663"/>
+            <a:ext cx="5360136" cy="5302337"/>
+          </a:xfrm>
+          <a:prstGeom prst="rect">
+            <a:avLst/>
+          </a:prstGeom>
+        </p:spPr>
+      </p:pic>
+    </p:spTree>
+    <p:extLst>
+      <p:ext uri="{BB962C8B-B14F-4D97-AF65-F5344CB8AC3E}">
+        <p14:creationId xmlns:p14="http://schemas.microsoft.com/office/powerpoint/2010/main" val="3038966756"/>
+      </p:ext>
+    </p:extLst>
+  </p:cSld>
+  <p:clrMapOvr>
+    <a:masterClrMapping/>
+  </p:clrMapOvr>
+</p:sld>
+</file>
+
+<file path=ppt/slides/slide16.xml><?xml version="1.0" encoding="utf-8"?>
+<p:sld xmlns:a="http://schemas.openxmlformats.org/drawingml/2006/main" xmlns:r="http://schemas.openxmlformats.org/officeDocument/2006/relationships" xmlns:p="http://schemas.openxmlformats.org/presentationml/2006/main">
+  <p:cSld>
+    <p:spTree>
+      <p:nvGrpSpPr>
+        <p:cNvPr id="1" name=""/>
+        <p:cNvGrpSpPr/>
+        <p:nvPr/>
+      </p:nvGrpSpPr>
+      <p:grpSpPr>
+        <a:xfrm>
+          <a:off x="0" y="0"/>
+          <a:ext cx="0" cy="0"/>
+          <a:chOff x="0" y="0"/>
+          <a:chExt cx="0" cy="0"/>
+        </a:xfrm>
+      </p:grpSpPr>
+      <p:pic>
+        <p:nvPicPr>
+          <p:cNvPr id="7170" name="Picture 2">
+            <a:extLst>
+              <a:ext uri="{FF2B5EF4-FFF2-40B4-BE49-F238E27FC236}">
+                <a16:creationId xmlns:a16="http://schemas.microsoft.com/office/drawing/2014/main" id="{D2B8A251-8A02-B222-D98E-C0A3BB4EAB03}"/>
+              </a:ext>
+            </a:extLst>
+          </p:cNvPr>
+          <p:cNvPicPr>
+            <a:picLocks noChangeAspect="1" noChangeArrowheads="1"/>
+          </p:cNvPicPr>
+          <p:nvPr/>
+        </p:nvPicPr>
+        <p:blipFill>
+          <a:blip r:embed="rId2">
+            <a:extLst>
+              <a:ext uri="{28A0092B-C50C-407E-A947-70E740481C1C}">
+                <a14:useLocalDpi xmlns:a14="http://schemas.microsoft.com/office/drawing/2010/main" val="0"/>
+              </a:ext>
+            </a:extLst>
+          </a:blip>
+          <a:srcRect/>
+          <a:stretch>
+            <a:fillRect/>
+          </a:stretch>
+        </p:blipFill>
+        <p:spPr bwMode="auto">
+          <a:xfrm>
+            <a:off x="1647825" y="995363"/>
+            <a:ext cx="8896350" cy="4867275"/>
+          </a:xfrm>
+          <a:prstGeom prst="rect">
+            <a:avLst/>
+          </a:prstGeom>
+          <a:noFill/>
+          <a:extLst>
+            <a:ext uri="{909E8E84-426E-40DD-AFC4-6F175D3DCCD1}">
+              <a14:hiddenFill xmlns:a14="http://schemas.microsoft.com/office/drawing/2010/main">
+                <a:solidFill>
+                  <a:srgbClr val="FFFFFF"/>
+                </a:solidFill>
+              </a14:hiddenFill>
+            </a:ext>
+          </a:extLst>
+        </p:spPr>
+      </p:pic>
+    </p:spTree>
+    <p:extLst>
+      <p:ext uri="{BB962C8B-B14F-4D97-AF65-F5344CB8AC3E}">
+        <p14:creationId xmlns:p14="http://schemas.microsoft.com/office/powerpoint/2010/main" val="2895355216"/>
+      </p:ext>
+    </p:extLst>
+  </p:cSld>
+  <p:clrMapOvr>
+    <a:masterClrMapping/>
+  </p:clrMapOvr>
+</p:sld>
+</file>
+
+<file path=ppt/slides/slide17.xml><?xml version="1.0" encoding="utf-8"?>
+<p:sld xmlns:a="http://schemas.openxmlformats.org/drawingml/2006/main" xmlns:r="http://schemas.openxmlformats.org/officeDocument/2006/relationships" xmlns:p="http://schemas.openxmlformats.org/presentationml/2006/main">
+  <p:cSld>
+    <p:spTree>
+      <p:nvGrpSpPr>
+        <p:cNvPr id="1" name=""/>
+        <p:cNvGrpSpPr/>
+        <p:nvPr/>
+      </p:nvGrpSpPr>
+      <p:grpSpPr>
+        <a:xfrm>
+          <a:off x="0" y="0"/>
+          <a:ext cx="0" cy="0"/>
+          <a:chOff x="0" y="0"/>
+          <a:chExt cx="0" cy="0"/>
+        </a:xfrm>
+      </p:grpSpPr>
+      <p:pic>
+        <p:nvPicPr>
+          <p:cNvPr id="1026" name="Picture 2">
+            <a:extLst>
+              <a:ext uri="{FF2B5EF4-FFF2-40B4-BE49-F238E27FC236}">
+                <a16:creationId xmlns:a16="http://schemas.microsoft.com/office/drawing/2014/main" id="{6FC8F69E-3A0F-8D0B-8650-A0F9375DF1FF}"/>
+              </a:ext>
+            </a:extLst>
+          </p:cNvPr>
+          <p:cNvPicPr>
+            <a:picLocks noChangeAspect="1" noChangeArrowheads="1"/>
+          </p:cNvPicPr>
+          <p:nvPr/>
+        </p:nvPicPr>
+        <p:blipFill>
+          <a:blip r:embed="rId2">
+            <a:extLst>
+              <a:ext uri="{28A0092B-C50C-407E-A947-70E740481C1C}">
+                <a14:useLocalDpi xmlns:a14="http://schemas.microsoft.com/office/drawing/2010/main" val="0"/>
+              </a:ext>
+            </a:extLst>
+          </a:blip>
+          <a:srcRect/>
+          <a:stretch>
+            <a:fillRect/>
+          </a:stretch>
+        </p:blipFill>
+        <p:spPr bwMode="auto">
+          <a:xfrm>
+            <a:off x="620713" y="0"/>
+            <a:ext cx="10950575" cy="6858000"/>
+          </a:xfrm>
+          <a:prstGeom prst="rect">
+            <a:avLst/>
+          </a:prstGeom>
+          <a:noFill/>
+          <a:extLst>
+            <a:ext uri="{909E8E84-426E-40DD-AFC4-6F175D3DCCD1}">
+              <a14:hiddenFill xmlns:a14="http://schemas.microsoft.com/office/drawing/2010/main">
+                <a:solidFill>
+                  <a:srgbClr val="FFFFFF"/>
+                </a:solidFill>
+              </a14:hiddenFill>
+            </a:ext>
+          </a:extLst>
+        </p:spPr>
+      </p:pic>
+    </p:spTree>
+    <p:extLst>
+      <p:ext uri="{BB962C8B-B14F-4D97-AF65-F5344CB8AC3E}">
+        <p14:creationId xmlns:p14="http://schemas.microsoft.com/office/powerpoint/2010/main" val="2543980800"/>
+      </p:ext>
+    </p:extLst>
+  </p:cSld>
+  <p:clrMapOvr>
+    <a:masterClrMapping/>
+  </p:clrMapOvr>
+</p:sld>
+</file>
+
+<file path=ppt/slides/slide18.xml><?xml version="1.0" encoding="utf-8"?>
+<p:sld xmlns:a="http://schemas.openxmlformats.org/drawingml/2006/main" xmlns:r="http://schemas.openxmlformats.org/officeDocument/2006/relationships" xmlns:p="http://schemas.openxmlformats.org/presentationml/2006/main">
+  <p:cSld>
+    <p:spTree>
+      <p:nvGrpSpPr>
+        <p:cNvPr id="1" name=""/>
+        <p:cNvGrpSpPr/>
+        <p:nvPr/>
+      </p:nvGrpSpPr>
+      <p:grpSpPr>
+        <a:xfrm>
+          <a:off x="0" y="0"/>
+          <a:ext cx="0" cy="0"/>
+          <a:chOff x="0" y="0"/>
+          <a:chExt cx="0" cy="0"/>
+        </a:xfrm>
+      </p:grpSpPr>
+      <p:pic>
+        <p:nvPicPr>
           <p:cNvPr id="2050" name="Picture 2">
             <a:extLst>
               <a:ext uri="{FF2B5EF4-FFF2-40B4-BE49-F238E27FC236}">
@@ -3665,7 +4467,7 @@
 </p:sld>
 </file>
 
-<file path=ppt/slides/slide11.xml><?xml version="1.0" encoding="utf-8"?>
+<file path=ppt/slides/slide19.xml><?xml version="1.0" encoding="utf-8"?>
 <p:sld xmlns:a="http://schemas.openxmlformats.org/drawingml/2006/main" xmlns:r="http://schemas.openxmlformats.org/officeDocument/2006/relationships" xmlns:p="http://schemas.openxmlformats.org/presentationml/2006/main">
   <p:cSld>
     <p:spTree>
@@ -3742,7 +4544,113 @@
 </p:sld>
 </file>
 
-<file path=ppt/slides/slide12.xml><?xml version="1.0" encoding="utf-8"?>
+<file path=ppt/slides/slide2.xml><?xml version="1.0" encoding="utf-8"?>
+<p:sld xmlns:a="http://schemas.openxmlformats.org/drawingml/2006/main" xmlns:r="http://schemas.openxmlformats.org/officeDocument/2006/relationships" xmlns:p="http://schemas.openxmlformats.org/presentationml/2006/main">
+  <p:cSld>
+    <p:spTree>
+      <p:nvGrpSpPr>
+        <p:cNvPr id="1" name=""/>
+        <p:cNvGrpSpPr/>
+        <p:nvPr/>
+      </p:nvGrpSpPr>
+      <p:grpSpPr>
+        <a:xfrm>
+          <a:off x="0" y="0"/>
+          <a:ext cx="0" cy="0"/>
+          <a:chOff x="0" y="0"/>
+          <a:chExt cx="0" cy="0"/>
+        </a:xfrm>
+      </p:grpSpPr>
+      <p:sp>
+        <p:nvSpPr>
+          <p:cNvPr id="2" name="Title 1">
+            <a:extLst>
+              <a:ext uri="{FF2B5EF4-FFF2-40B4-BE49-F238E27FC236}">
+                <a16:creationId xmlns:a16="http://schemas.microsoft.com/office/drawing/2014/main" id="{7985DAE8-7B65-F220-02F5-B04656A05FF2}"/>
+              </a:ext>
+            </a:extLst>
+          </p:cNvPr>
+          <p:cNvSpPr>
+            <a:spLocks noGrp="1"/>
+          </p:cNvSpPr>
+          <p:nvPr>
+            <p:ph type="title"/>
+          </p:nvPr>
+        </p:nvSpPr>
+        <p:spPr/>
+        <p:txBody>
+          <a:bodyPr/>
+          <a:lstStyle/>
+          <a:p>
+            <a:r>
+              <a:rPr lang="en-US" dirty="0"/>
+              <a:t>Summary of Companies Selected</a:t>
+            </a:r>
+          </a:p>
+        </p:txBody>
+      </p:sp>
+      <p:sp>
+        <p:nvSpPr>
+          <p:cNvPr id="3" name="Content Placeholder 2">
+            <a:extLst>
+              <a:ext uri="{FF2B5EF4-FFF2-40B4-BE49-F238E27FC236}">
+                <a16:creationId xmlns:a16="http://schemas.microsoft.com/office/drawing/2014/main" id="{4989955C-321D-817E-B0BF-3E99EA013458}"/>
+              </a:ext>
+            </a:extLst>
+          </p:cNvPr>
+          <p:cNvSpPr>
+            <a:spLocks noGrp="1"/>
+          </p:cNvSpPr>
+          <p:nvPr>
+            <p:ph idx="1"/>
+          </p:nvPr>
+        </p:nvSpPr>
+        <p:spPr/>
+        <p:txBody>
+          <a:bodyPr>
+            <a:normAutofit fontScale="70000" lnSpcReduction="20000"/>
+          </a:bodyPr>
+          <a:lstStyle/>
+          <a:p>
+            <a:r>
+              <a:rPr lang="en-US" dirty="0"/>
+              <a:t>Apple (AAPL) designs and sells electronic devices such as the iPhone, iPad, Mac, Apple Watch, Air Pods and Apple TV. The company also offers services such as Apple Music, iCloud, Apple Care, Apple TV+, Apple Arcade, Apple Card and Apple Pay. The integrated hardware, software and services are sold in company-owned stores or third-party retailers.</a:t>
+            </a:r>
+          </a:p>
+          <a:p>
+            <a:endParaRPr lang="en-US" dirty="0"/>
+          </a:p>
+          <a:p>
+            <a:r>
+              <a:rPr lang="en-US" dirty="0"/>
+              <a:t>Alphabet (GOOG) is a holding company for the internet giant Google where most of the revenue (85%) is from online ads. Other revenue is from the sales of apps, Google Pay, YouTube as well as cloud service fees and other licensing revenue. They invest in health (Verily), faster internet (Google Fiber), self-driving cars (Waymo). Operating revenue has been 25% to 30%.</a:t>
+            </a:r>
+          </a:p>
+          <a:p>
+            <a:endParaRPr lang="en-US" dirty="0"/>
+          </a:p>
+          <a:p>
+            <a:r>
+              <a:rPr lang="en-US" dirty="0"/>
+              <a:t>Amazon (AMZN) is a leading online retailer and e-commerce aggregator. Net sales are about $ 386 billion and approximately $ 578 billion in estimated physical/digital online gross merchandise. Retail accounts for 80% of total revenue, 10%-15% for Amazon Web services cloud computing, 5% in advertising services. International sales are strong in Germany, United Kingdom and Japan.</a:t>
+            </a:r>
+          </a:p>
+        </p:txBody>
+      </p:sp>
+    </p:spTree>
+    <p:extLst>
+      <p:ext uri="{BB962C8B-B14F-4D97-AF65-F5344CB8AC3E}">
+        <p14:creationId xmlns:p14="http://schemas.microsoft.com/office/powerpoint/2010/main" val="2733002857"/>
+      </p:ext>
+    </p:extLst>
+  </p:cSld>
+  <p:clrMapOvr>
+    <a:masterClrMapping/>
+  </p:clrMapOvr>
+</p:sld>
+</file>
+
+<file path=ppt/slides/slide20.xml><?xml version="1.0" encoding="utf-8"?>
 <p:sld xmlns:a="http://schemas.openxmlformats.org/drawingml/2006/main" xmlns:r="http://schemas.openxmlformats.org/officeDocument/2006/relationships" xmlns:p="http://schemas.openxmlformats.org/presentationml/2006/main">
   <p:cSld>
     <p:spTree>
@@ -3913,7 +4821,7 @@
 </p:sld>
 </file>
 
-<file path=ppt/slides/slide13.xml><?xml version="1.0" encoding="utf-8"?>
+<file path=ppt/slides/slide21.xml><?xml version="1.0" encoding="utf-8"?>
 <p:sld xmlns:a="http://schemas.openxmlformats.org/drawingml/2006/main" xmlns:r="http://schemas.openxmlformats.org/officeDocument/2006/relationships" xmlns:p="http://schemas.openxmlformats.org/presentationml/2006/main">
   <p:cSld>
     <p:spTree>
@@ -4084,7 +4992,7 @@
 </p:sld>
 </file>
 
-<file path=ppt/slides/slide14.xml><?xml version="1.0" encoding="utf-8"?>
+<file path=ppt/slides/slide22.xml><?xml version="1.0" encoding="utf-8"?>
 <p:sld xmlns:a="http://schemas.openxmlformats.org/drawingml/2006/main" xmlns:r="http://schemas.openxmlformats.org/officeDocument/2006/relationships" xmlns:p="http://schemas.openxmlformats.org/presentationml/2006/main">
   <p:cSld>
     <p:spTree>
@@ -4246,651 +5154,6 @@
     <p:extLst>
       <p:ext uri="{BB962C8B-B14F-4D97-AF65-F5344CB8AC3E}">
         <p14:creationId xmlns:p14="http://schemas.microsoft.com/office/powerpoint/2010/main" val="2171720537"/>
-      </p:ext>
-    </p:extLst>
-  </p:cSld>
-  <p:clrMapOvr>
-    <a:masterClrMapping/>
-  </p:clrMapOvr>
-</p:sld>
-</file>
-
-<file path=ppt/slides/slide15.xml><?xml version="1.0" encoding="utf-8"?>
-<p:sld xmlns:a="http://schemas.openxmlformats.org/drawingml/2006/main" xmlns:r="http://schemas.openxmlformats.org/officeDocument/2006/relationships" xmlns:p="http://schemas.openxmlformats.org/presentationml/2006/main">
-  <p:cSld>
-    <p:spTree>
-      <p:nvGrpSpPr>
-        <p:cNvPr id="1" name=""/>
-        <p:cNvGrpSpPr/>
-        <p:nvPr/>
-      </p:nvGrpSpPr>
-      <p:grpSpPr>
-        <a:xfrm>
-          <a:off x="0" y="0"/>
-          <a:ext cx="0" cy="0"/>
-          <a:chOff x="0" y="0"/>
-          <a:chExt cx="0" cy="0"/>
-        </a:xfrm>
-      </p:grpSpPr>
-      <p:pic>
-        <p:nvPicPr>
-          <p:cNvPr id="7170" name="Picture 2">
-            <a:extLst>
-              <a:ext uri="{FF2B5EF4-FFF2-40B4-BE49-F238E27FC236}">
-                <a16:creationId xmlns:a16="http://schemas.microsoft.com/office/drawing/2014/main" id="{D2B8A251-8A02-B222-D98E-C0A3BB4EAB03}"/>
-              </a:ext>
-            </a:extLst>
-          </p:cNvPr>
-          <p:cNvPicPr>
-            <a:picLocks noChangeAspect="1" noChangeArrowheads="1"/>
-          </p:cNvPicPr>
-          <p:nvPr/>
-        </p:nvPicPr>
-        <p:blipFill>
-          <a:blip r:embed="rId2">
-            <a:extLst>
-              <a:ext uri="{28A0092B-C50C-407E-A947-70E740481C1C}">
-                <a14:useLocalDpi xmlns:a14="http://schemas.microsoft.com/office/drawing/2010/main" val="0"/>
-              </a:ext>
-            </a:extLst>
-          </a:blip>
-          <a:srcRect/>
-          <a:stretch>
-            <a:fillRect/>
-          </a:stretch>
-        </p:blipFill>
-        <p:spPr bwMode="auto">
-          <a:xfrm>
-            <a:off x="1647825" y="995363"/>
-            <a:ext cx="8896350" cy="4867275"/>
-          </a:xfrm>
-          <a:prstGeom prst="rect">
-            <a:avLst/>
-          </a:prstGeom>
-          <a:noFill/>
-          <a:extLst>
-            <a:ext uri="{909E8E84-426E-40DD-AFC4-6F175D3DCCD1}">
-              <a14:hiddenFill xmlns:a14="http://schemas.microsoft.com/office/drawing/2010/main">
-                <a:solidFill>
-                  <a:srgbClr val="FFFFFF"/>
-                </a:solidFill>
-              </a14:hiddenFill>
-            </a:ext>
-          </a:extLst>
-        </p:spPr>
-      </p:pic>
-    </p:spTree>
-    <p:extLst>
-      <p:ext uri="{BB962C8B-B14F-4D97-AF65-F5344CB8AC3E}">
-        <p14:creationId xmlns:p14="http://schemas.microsoft.com/office/powerpoint/2010/main" val="2895355216"/>
-      </p:ext>
-    </p:extLst>
-  </p:cSld>
-  <p:clrMapOvr>
-    <a:masterClrMapping/>
-  </p:clrMapOvr>
-</p:sld>
-</file>
-
-<file path=ppt/slides/slide16.xml><?xml version="1.0" encoding="utf-8"?>
-<p:sld xmlns:a="http://schemas.openxmlformats.org/drawingml/2006/main" xmlns:r="http://schemas.openxmlformats.org/officeDocument/2006/relationships" xmlns:p="http://schemas.openxmlformats.org/presentationml/2006/main">
-  <p:cSld>
-    <p:spTree>
-      <p:nvGrpSpPr>
-        <p:cNvPr id="1" name=""/>
-        <p:cNvGrpSpPr/>
-        <p:nvPr/>
-      </p:nvGrpSpPr>
-      <p:grpSpPr>
-        <a:xfrm>
-          <a:off x="0" y="0"/>
-          <a:ext cx="0" cy="0"/>
-          <a:chOff x="0" y="0"/>
-          <a:chExt cx="0" cy="0"/>
-        </a:xfrm>
-      </p:grpSpPr>
-      <p:pic>
-        <p:nvPicPr>
-          <p:cNvPr id="7" name="Picture 6" descr="Graphical user interface&#10;&#10;Description automatically generated">
-            <a:extLst>
-              <a:ext uri="{FF2B5EF4-FFF2-40B4-BE49-F238E27FC236}">
-                <a16:creationId xmlns:a16="http://schemas.microsoft.com/office/drawing/2014/main" id="{B29E9081-2E65-DA26-6640-A63C4DAF8F2B}"/>
-              </a:ext>
-            </a:extLst>
-          </p:cNvPr>
-          <p:cNvPicPr>
-            <a:picLocks noChangeAspect="1"/>
-          </p:cNvPicPr>
-          <p:nvPr/>
-        </p:nvPicPr>
-        <p:blipFill>
-          <a:blip r:embed="rId2">
-            <a:extLst>
-              <a:ext uri="{28A0092B-C50C-407E-A947-70E740481C1C}">
-                <a14:useLocalDpi xmlns:a14="http://schemas.microsoft.com/office/drawing/2010/main" val="0"/>
-              </a:ext>
-            </a:extLst>
-          </a:blip>
-          <a:stretch>
-            <a:fillRect/>
-          </a:stretch>
-        </p:blipFill>
-        <p:spPr>
-          <a:xfrm>
-            <a:off x="2879668" y="0"/>
-            <a:ext cx="6432664" cy="6858000"/>
-          </a:xfrm>
-          <a:prstGeom prst="rect">
-            <a:avLst/>
-          </a:prstGeom>
-        </p:spPr>
-      </p:pic>
-    </p:spTree>
-    <p:extLst>
-      <p:ext uri="{BB962C8B-B14F-4D97-AF65-F5344CB8AC3E}">
-        <p14:creationId xmlns:p14="http://schemas.microsoft.com/office/powerpoint/2010/main" val="2099185213"/>
-      </p:ext>
-    </p:extLst>
-  </p:cSld>
-  <p:clrMapOvr>
-    <a:masterClrMapping/>
-  </p:clrMapOvr>
-</p:sld>
-</file>
-
-<file path=ppt/slides/slide17.xml><?xml version="1.0" encoding="utf-8"?>
-<p:sld xmlns:a="http://schemas.openxmlformats.org/drawingml/2006/main" xmlns:r="http://schemas.openxmlformats.org/officeDocument/2006/relationships" xmlns:p="http://schemas.openxmlformats.org/presentationml/2006/main">
-  <p:cSld>
-    <p:spTree>
-      <p:nvGrpSpPr>
-        <p:cNvPr id="1" name=""/>
-        <p:cNvGrpSpPr/>
-        <p:nvPr/>
-      </p:nvGrpSpPr>
-      <p:grpSpPr>
-        <a:xfrm>
-          <a:off x="0" y="0"/>
-          <a:ext cx="0" cy="0"/>
-          <a:chOff x="0" y="0"/>
-          <a:chExt cx="0" cy="0"/>
-        </a:xfrm>
-      </p:grpSpPr>
-      <p:pic>
-        <p:nvPicPr>
-          <p:cNvPr id="3" name="Picture 2" descr="Graphical user interface&#10;&#10;Description automatically generated with medium confidence">
-            <a:extLst>
-              <a:ext uri="{FF2B5EF4-FFF2-40B4-BE49-F238E27FC236}">
-                <a16:creationId xmlns:a16="http://schemas.microsoft.com/office/drawing/2014/main" id="{4802E230-6181-D426-7979-BB594C07D792}"/>
-              </a:ext>
-            </a:extLst>
-          </p:cNvPr>
-          <p:cNvPicPr>
-            <a:picLocks noChangeAspect="1"/>
-          </p:cNvPicPr>
-          <p:nvPr/>
-        </p:nvPicPr>
-        <p:blipFill>
-          <a:blip r:embed="rId2">
-            <a:extLst>
-              <a:ext uri="{28A0092B-C50C-407E-A947-70E740481C1C}">
-                <a14:useLocalDpi xmlns:a14="http://schemas.microsoft.com/office/drawing/2010/main" val="0"/>
-              </a:ext>
-            </a:extLst>
-          </a:blip>
-          <a:stretch>
-            <a:fillRect/>
-          </a:stretch>
-        </p:blipFill>
-        <p:spPr>
-          <a:xfrm>
-            <a:off x="2879668" y="0"/>
-            <a:ext cx="6432664" cy="6858000"/>
-          </a:xfrm>
-          <a:prstGeom prst="rect">
-            <a:avLst/>
-          </a:prstGeom>
-        </p:spPr>
-      </p:pic>
-    </p:spTree>
-    <p:extLst>
-      <p:ext uri="{BB962C8B-B14F-4D97-AF65-F5344CB8AC3E}">
-        <p14:creationId xmlns:p14="http://schemas.microsoft.com/office/powerpoint/2010/main" val="3841550320"/>
-      </p:ext>
-    </p:extLst>
-  </p:cSld>
-  <p:clrMapOvr>
-    <a:masterClrMapping/>
-  </p:clrMapOvr>
-</p:sld>
-</file>
-
-<file path=ppt/slides/slide18.xml><?xml version="1.0" encoding="utf-8"?>
-<p:sld xmlns:a="http://schemas.openxmlformats.org/drawingml/2006/main" xmlns:r="http://schemas.openxmlformats.org/officeDocument/2006/relationships" xmlns:p="http://schemas.openxmlformats.org/presentationml/2006/main">
-  <p:cSld>
-    <p:spTree>
-      <p:nvGrpSpPr>
-        <p:cNvPr id="1" name=""/>
-        <p:cNvGrpSpPr/>
-        <p:nvPr/>
-      </p:nvGrpSpPr>
-      <p:grpSpPr>
-        <a:xfrm>
-          <a:off x="0" y="0"/>
-          <a:ext cx="0" cy="0"/>
-          <a:chOff x="0" y="0"/>
-          <a:chExt cx="0" cy="0"/>
-        </a:xfrm>
-      </p:grpSpPr>
-      <p:pic>
-        <p:nvPicPr>
-          <p:cNvPr id="3" name="Picture 2" descr="Graphical user interface&#10;&#10;Description automatically generated">
-            <a:extLst>
-              <a:ext uri="{FF2B5EF4-FFF2-40B4-BE49-F238E27FC236}">
-                <a16:creationId xmlns:a16="http://schemas.microsoft.com/office/drawing/2014/main" id="{5766AE1B-5E3B-98A3-C665-858DFA9EABA9}"/>
-              </a:ext>
-            </a:extLst>
-          </p:cNvPr>
-          <p:cNvPicPr>
-            <a:picLocks noChangeAspect="1"/>
-          </p:cNvPicPr>
-          <p:nvPr/>
-        </p:nvPicPr>
-        <p:blipFill>
-          <a:blip r:embed="rId2">
-            <a:extLst>
-              <a:ext uri="{28A0092B-C50C-407E-A947-70E740481C1C}">
-                <a14:useLocalDpi xmlns:a14="http://schemas.microsoft.com/office/drawing/2010/main" val="0"/>
-              </a:ext>
-            </a:extLst>
-          </a:blip>
-          <a:stretch>
-            <a:fillRect/>
-          </a:stretch>
-        </p:blipFill>
-        <p:spPr>
-          <a:xfrm>
-            <a:off x="2879668" y="0"/>
-            <a:ext cx="6432664" cy="6858000"/>
-          </a:xfrm>
-          <a:prstGeom prst="rect">
-            <a:avLst/>
-          </a:prstGeom>
-        </p:spPr>
-      </p:pic>
-    </p:spTree>
-    <p:extLst>
-      <p:ext uri="{BB962C8B-B14F-4D97-AF65-F5344CB8AC3E}">
-        <p14:creationId xmlns:p14="http://schemas.microsoft.com/office/powerpoint/2010/main" val="1705268245"/>
-      </p:ext>
-    </p:extLst>
-  </p:cSld>
-  <p:clrMapOvr>
-    <a:masterClrMapping/>
-  </p:clrMapOvr>
-</p:sld>
-</file>
-
-<file path=ppt/slides/slide19.xml><?xml version="1.0" encoding="utf-8"?>
-<p:sld xmlns:a="http://schemas.openxmlformats.org/drawingml/2006/main" xmlns:r="http://schemas.openxmlformats.org/officeDocument/2006/relationships" xmlns:p="http://schemas.openxmlformats.org/presentationml/2006/main">
-  <p:cSld>
-    <p:spTree>
-      <p:nvGrpSpPr>
-        <p:cNvPr id="1" name=""/>
-        <p:cNvGrpSpPr/>
-        <p:nvPr/>
-      </p:nvGrpSpPr>
-      <p:grpSpPr>
-        <a:xfrm>
-          <a:off x="0" y="0"/>
-          <a:ext cx="0" cy="0"/>
-          <a:chOff x="0" y="0"/>
-          <a:chExt cx="0" cy="0"/>
-        </a:xfrm>
-      </p:grpSpPr>
-      <p:pic>
-        <p:nvPicPr>
-          <p:cNvPr id="3" name="Picture 2" descr="Chart, line chart&#10;&#10;Description automatically generated">
-            <a:extLst>
-              <a:ext uri="{FF2B5EF4-FFF2-40B4-BE49-F238E27FC236}">
-                <a16:creationId xmlns:a16="http://schemas.microsoft.com/office/drawing/2014/main" id="{02C15916-542C-978A-0568-640595D3846A}"/>
-              </a:ext>
-            </a:extLst>
-          </p:cNvPr>
-          <p:cNvPicPr>
-            <a:picLocks noChangeAspect="1"/>
-          </p:cNvPicPr>
-          <p:nvPr/>
-        </p:nvPicPr>
-        <p:blipFill>
-          <a:blip r:embed="rId2">
-            <a:extLst>
-              <a:ext uri="{28A0092B-C50C-407E-A947-70E740481C1C}">
-                <a14:useLocalDpi xmlns:a14="http://schemas.microsoft.com/office/drawing/2010/main" val="0"/>
-              </a:ext>
-            </a:extLst>
-          </a:blip>
-          <a:stretch>
-            <a:fillRect/>
-          </a:stretch>
-        </p:blipFill>
-        <p:spPr>
-          <a:xfrm>
-            <a:off x="0" y="339577"/>
-            <a:ext cx="12192000" cy="6178845"/>
-          </a:xfrm>
-          <a:prstGeom prst="rect">
-            <a:avLst/>
-          </a:prstGeom>
-        </p:spPr>
-      </p:pic>
-    </p:spTree>
-    <p:extLst>
-      <p:ext uri="{BB962C8B-B14F-4D97-AF65-F5344CB8AC3E}">
-        <p14:creationId xmlns:p14="http://schemas.microsoft.com/office/powerpoint/2010/main" val="1549384176"/>
-      </p:ext>
-    </p:extLst>
-  </p:cSld>
-  <p:clrMapOvr>
-    <a:masterClrMapping/>
-  </p:clrMapOvr>
-</p:sld>
-</file>
-
-<file path=ppt/slides/slide2.xml><?xml version="1.0" encoding="utf-8"?>
-<p:sld xmlns:a="http://schemas.openxmlformats.org/drawingml/2006/main" xmlns:r="http://schemas.openxmlformats.org/officeDocument/2006/relationships" xmlns:p="http://schemas.openxmlformats.org/presentationml/2006/main">
-  <p:cSld>
-    <p:spTree>
-      <p:nvGrpSpPr>
-        <p:cNvPr id="1" name=""/>
-        <p:cNvGrpSpPr/>
-        <p:nvPr/>
-      </p:nvGrpSpPr>
-      <p:grpSpPr>
-        <a:xfrm>
-          <a:off x="0" y="0"/>
-          <a:ext cx="0" cy="0"/>
-          <a:chOff x="0" y="0"/>
-          <a:chExt cx="0" cy="0"/>
-        </a:xfrm>
-      </p:grpSpPr>
-      <p:sp>
-        <p:nvSpPr>
-          <p:cNvPr id="2" name="Title 1">
-            <a:extLst>
-              <a:ext uri="{FF2B5EF4-FFF2-40B4-BE49-F238E27FC236}">
-                <a16:creationId xmlns:a16="http://schemas.microsoft.com/office/drawing/2014/main" id="{7985DAE8-7B65-F220-02F5-B04656A05FF2}"/>
-              </a:ext>
-            </a:extLst>
-          </p:cNvPr>
-          <p:cNvSpPr>
-            <a:spLocks noGrp="1"/>
-          </p:cNvSpPr>
-          <p:nvPr>
-            <p:ph type="title"/>
-          </p:nvPr>
-        </p:nvSpPr>
-        <p:spPr/>
-        <p:txBody>
-          <a:bodyPr/>
-          <a:lstStyle/>
-          <a:p>
-            <a:r>
-              <a:rPr lang="en-US" dirty="0"/>
-              <a:t>Summary of Companies Selected</a:t>
-            </a:r>
-          </a:p>
-        </p:txBody>
-      </p:sp>
-      <p:sp>
-        <p:nvSpPr>
-          <p:cNvPr id="3" name="Content Placeholder 2">
-            <a:extLst>
-              <a:ext uri="{FF2B5EF4-FFF2-40B4-BE49-F238E27FC236}">
-                <a16:creationId xmlns:a16="http://schemas.microsoft.com/office/drawing/2014/main" id="{4989955C-321D-817E-B0BF-3E99EA013458}"/>
-              </a:ext>
-            </a:extLst>
-          </p:cNvPr>
-          <p:cNvSpPr>
-            <a:spLocks noGrp="1"/>
-          </p:cNvSpPr>
-          <p:nvPr>
-            <p:ph idx="1"/>
-          </p:nvPr>
-        </p:nvSpPr>
-        <p:spPr/>
-        <p:txBody>
-          <a:bodyPr>
-            <a:normAutofit fontScale="70000" lnSpcReduction="20000"/>
-          </a:bodyPr>
-          <a:lstStyle/>
-          <a:p>
-            <a:r>
-              <a:rPr lang="en-US" dirty="0"/>
-              <a:t>Apple (AAPL) designs and sells electronic devices such as the iPhone, iPad, Mac, Apple Watch, Air Pods and Apple TV. The company also offers services such as Apple Music, iCloud, Apple Care, Apple TV+, Apple Arcade, Apple Card and Apple Pay. The integrated hardware, software and services are sold in company-owned stores or third-party retailers.</a:t>
-            </a:r>
-          </a:p>
-          <a:p>
-            <a:endParaRPr lang="en-US" dirty="0"/>
-          </a:p>
-          <a:p>
-            <a:r>
-              <a:rPr lang="en-US" dirty="0"/>
-              <a:t>Alphabet (GOOG) is a holding company for the internet giant Google where most of the revenue (85%) is from online ads. Other revenue is from the sales of apps, Google Pay, YouTube as well as cloud service fees and other licensing revenue. They invest in health (Verily), faster internet (Google Fiber), self-driving cars (Waymo). Operating revenue has been 25% to 30%.</a:t>
-            </a:r>
-          </a:p>
-          <a:p>
-            <a:endParaRPr lang="en-US" dirty="0"/>
-          </a:p>
-          <a:p>
-            <a:r>
-              <a:rPr lang="en-US" dirty="0"/>
-              <a:t>Amazon (AMZN) is a leading online retailer and e-commerce aggregator. Net sales are about $ 386 billion and approximately $ 578 billion in estimated physical/digital online gross merchandise. Retail accounts for 80% of total revenue, 10%-15% for Amazon Web services cloud computing, 5% in advertising services. International sales are strong in Germany, United Kingdom and Japan.</a:t>
-            </a:r>
-          </a:p>
-        </p:txBody>
-      </p:sp>
-    </p:spTree>
-    <p:extLst>
-      <p:ext uri="{BB962C8B-B14F-4D97-AF65-F5344CB8AC3E}">
-        <p14:creationId xmlns:p14="http://schemas.microsoft.com/office/powerpoint/2010/main" val="2733002857"/>
-      </p:ext>
-    </p:extLst>
-  </p:cSld>
-  <p:clrMapOvr>
-    <a:masterClrMapping/>
-  </p:clrMapOvr>
-</p:sld>
-</file>
-
-<file path=ppt/slides/slide20.xml><?xml version="1.0" encoding="utf-8"?>
-<p:sld xmlns:a="http://schemas.openxmlformats.org/drawingml/2006/main" xmlns:r="http://schemas.openxmlformats.org/officeDocument/2006/relationships" xmlns:p="http://schemas.openxmlformats.org/presentationml/2006/main">
-  <p:cSld>
-    <p:spTree>
-      <p:nvGrpSpPr>
-        <p:cNvPr id="1" name=""/>
-        <p:cNvGrpSpPr/>
-        <p:nvPr/>
-      </p:nvGrpSpPr>
-      <p:grpSpPr>
-        <a:xfrm>
-          <a:off x="0" y="0"/>
-          <a:ext cx="0" cy="0"/>
-          <a:chOff x="0" y="0"/>
-          <a:chExt cx="0" cy="0"/>
-        </a:xfrm>
-      </p:grpSpPr>
-      <p:pic>
-        <p:nvPicPr>
-          <p:cNvPr id="3" name="Picture 2" descr="Chart, histogram&#10;&#10;Description automatically generated">
-            <a:extLst>
-              <a:ext uri="{FF2B5EF4-FFF2-40B4-BE49-F238E27FC236}">
-                <a16:creationId xmlns:a16="http://schemas.microsoft.com/office/drawing/2014/main" id="{878653F5-DEFF-E06F-EA6C-1949A9CA1E12}"/>
-              </a:ext>
-            </a:extLst>
-          </p:cNvPr>
-          <p:cNvPicPr>
-            <a:picLocks noChangeAspect="1"/>
-          </p:cNvPicPr>
-          <p:nvPr/>
-        </p:nvPicPr>
-        <p:blipFill>
-          <a:blip r:embed="rId2">
-            <a:extLst>
-              <a:ext uri="{28A0092B-C50C-407E-A947-70E740481C1C}">
-                <a14:useLocalDpi xmlns:a14="http://schemas.microsoft.com/office/drawing/2010/main" val="0"/>
-              </a:ext>
-            </a:extLst>
-          </a:blip>
-          <a:stretch>
-            <a:fillRect/>
-          </a:stretch>
-        </p:blipFill>
-        <p:spPr>
-          <a:xfrm>
-            <a:off x="0" y="346494"/>
-            <a:ext cx="12192000" cy="6165011"/>
-          </a:xfrm>
-          <a:prstGeom prst="rect">
-            <a:avLst/>
-          </a:prstGeom>
-        </p:spPr>
-      </p:pic>
-    </p:spTree>
-    <p:extLst>
-      <p:ext uri="{BB962C8B-B14F-4D97-AF65-F5344CB8AC3E}">
-        <p14:creationId xmlns:p14="http://schemas.microsoft.com/office/powerpoint/2010/main" val="357490103"/>
-      </p:ext>
-    </p:extLst>
-  </p:cSld>
-  <p:clrMapOvr>
-    <a:masterClrMapping/>
-  </p:clrMapOvr>
-</p:sld>
-</file>
-
-<file path=ppt/slides/slide21.xml><?xml version="1.0" encoding="utf-8"?>
-<p:sld xmlns:a="http://schemas.openxmlformats.org/drawingml/2006/main" xmlns:r="http://schemas.openxmlformats.org/officeDocument/2006/relationships" xmlns:p="http://schemas.openxmlformats.org/presentationml/2006/main">
-  <p:cSld>
-    <p:spTree>
-      <p:nvGrpSpPr>
-        <p:cNvPr id="1" name=""/>
-        <p:cNvGrpSpPr/>
-        <p:nvPr/>
-      </p:nvGrpSpPr>
-      <p:grpSpPr>
-        <a:xfrm>
-          <a:off x="0" y="0"/>
-          <a:ext cx="0" cy="0"/>
-          <a:chOff x="0" y="0"/>
-          <a:chExt cx="0" cy="0"/>
-        </a:xfrm>
-      </p:grpSpPr>
-      <p:pic>
-        <p:nvPicPr>
-          <p:cNvPr id="3" name="Picture 2" descr="Chart, histogram&#10;&#10;Description automatically generated">
-            <a:extLst>
-              <a:ext uri="{FF2B5EF4-FFF2-40B4-BE49-F238E27FC236}">
-                <a16:creationId xmlns:a16="http://schemas.microsoft.com/office/drawing/2014/main" id="{9DE4B529-52A0-B996-0A12-AFDE0BCC1E8C}"/>
-              </a:ext>
-            </a:extLst>
-          </p:cNvPr>
-          <p:cNvPicPr>
-            <a:picLocks noChangeAspect="1"/>
-          </p:cNvPicPr>
-          <p:nvPr/>
-        </p:nvPicPr>
-        <p:blipFill>
-          <a:blip r:embed="rId2">
-            <a:extLst>
-              <a:ext uri="{28A0092B-C50C-407E-A947-70E740481C1C}">
-                <a14:useLocalDpi xmlns:a14="http://schemas.microsoft.com/office/drawing/2010/main" val="0"/>
-              </a:ext>
-            </a:extLst>
-          </a:blip>
-          <a:stretch>
-            <a:fillRect/>
-          </a:stretch>
-        </p:blipFill>
-        <p:spPr>
-          <a:xfrm>
-            <a:off x="0" y="381000"/>
-            <a:ext cx="12192000" cy="6096000"/>
-          </a:xfrm>
-          <a:prstGeom prst="rect">
-            <a:avLst/>
-          </a:prstGeom>
-        </p:spPr>
-      </p:pic>
-    </p:spTree>
-    <p:extLst>
-      <p:ext uri="{BB962C8B-B14F-4D97-AF65-F5344CB8AC3E}">
-        <p14:creationId xmlns:p14="http://schemas.microsoft.com/office/powerpoint/2010/main" val="3919408081"/>
-      </p:ext>
-    </p:extLst>
-  </p:cSld>
-  <p:clrMapOvr>
-    <a:masterClrMapping/>
-  </p:clrMapOvr>
-</p:sld>
-</file>
-
-<file path=ppt/slides/slide22.xml><?xml version="1.0" encoding="utf-8"?>
-<p:sld xmlns:a="http://schemas.openxmlformats.org/drawingml/2006/main" xmlns:r="http://schemas.openxmlformats.org/officeDocument/2006/relationships" xmlns:p="http://schemas.openxmlformats.org/presentationml/2006/main">
-  <p:cSld>
-    <p:spTree>
-      <p:nvGrpSpPr>
-        <p:cNvPr id="1" name=""/>
-        <p:cNvGrpSpPr/>
-        <p:nvPr/>
-      </p:nvGrpSpPr>
-      <p:grpSpPr>
-        <a:xfrm>
-          <a:off x="0" y="0"/>
-          <a:ext cx="0" cy="0"/>
-          <a:chOff x="0" y="0"/>
-          <a:chExt cx="0" cy="0"/>
-        </a:xfrm>
-      </p:grpSpPr>
-      <p:pic>
-        <p:nvPicPr>
-          <p:cNvPr id="5" name="Picture 4" descr="Chart, histogram&#10;&#10;Description automatically generated">
-            <a:extLst>
-              <a:ext uri="{FF2B5EF4-FFF2-40B4-BE49-F238E27FC236}">
-                <a16:creationId xmlns:a16="http://schemas.microsoft.com/office/drawing/2014/main" id="{2717888A-C993-8FC7-8A0D-F7F49DBF5485}"/>
-              </a:ext>
-            </a:extLst>
-          </p:cNvPr>
-          <p:cNvPicPr>
-            <a:picLocks noChangeAspect="1"/>
-          </p:cNvPicPr>
-          <p:nvPr/>
-        </p:nvPicPr>
-        <p:blipFill>
-          <a:blip r:embed="rId2">
-            <a:extLst>
-              <a:ext uri="{28A0092B-C50C-407E-A947-70E740481C1C}">
-                <a14:useLocalDpi xmlns:a14="http://schemas.microsoft.com/office/drawing/2010/main" val="0"/>
-              </a:ext>
-            </a:extLst>
-          </a:blip>
-          <a:stretch>
-            <a:fillRect/>
-          </a:stretch>
-        </p:blipFill>
-        <p:spPr>
-          <a:xfrm>
-            <a:off x="0" y="194669"/>
-            <a:ext cx="12192000" cy="6468661"/>
-          </a:xfrm>
-          <a:prstGeom prst="rect">
-            <a:avLst/>
-          </a:prstGeom>
-        </p:spPr>
-      </p:pic>
-    </p:spTree>
-    <p:extLst>
-      <p:ext uri="{BB962C8B-B14F-4D97-AF65-F5344CB8AC3E}">
-        <p14:creationId xmlns:p14="http://schemas.microsoft.com/office/powerpoint/2010/main" val="3038966756"/>
       </p:ext>
     </p:extLst>
   </p:cSld>
@@ -5279,15 +5542,15 @@
       </p:grpSpPr>
       <p:pic>
         <p:nvPicPr>
-          <p:cNvPr id="1026" name="Picture 2">
-            <a:extLst>
-              <a:ext uri="{FF2B5EF4-FFF2-40B4-BE49-F238E27FC236}">
-                <a16:creationId xmlns:a16="http://schemas.microsoft.com/office/drawing/2014/main" id="{6FC8F69E-3A0F-8D0B-8650-A0F9375DF1FF}"/>
+          <p:cNvPr id="7" name="Picture 6" descr="Graphical user interface&#10;&#10;Description automatically generated">
+            <a:extLst>
+              <a:ext uri="{FF2B5EF4-FFF2-40B4-BE49-F238E27FC236}">
+                <a16:creationId xmlns:a16="http://schemas.microsoft.com/office/drawing/2014/main" id="{B29E9081-2E65-DA26-6640-A63C4DAF8F2B}"/>
               </a:ext>
             </a:extLst>
           </p:cNvPr>
           <p:cNvPicPr>
-            <a:picLocks noChangeAspect="1" noChangeArrowheads="1"/>
+            <a:picLocks noChangeAspect="1"/>
           </p:cNvPicPr>
           <p:nvPr/>
         </p:nvPicPr>
@@ -5299,35 +5562,96 @@
               </a:ext>
             </a:extLst>
           </a:blip>
-          <a:srcRect/>
           <a:stretch>
             <a:fillRect/>
           </a:stretch>
         </p:blipFill>
-        <p:spPr bwMode="auto">
+        <p:spPr>
           <a:xfrm>
-            <a:off x="620713" y="0"/>
-            <a:ext cx="10950575" cy="6858000"/>
+            <a:off x="166448" y="0"/>
+            <a:ext cx="5929552" cy="6858000"/>
           </a:xfrm>
           <a:prstGeom prst="rect">
             <a:avLst/>
           </a:prstGeom>
-          <a:noFill/>
-          <a:extLst>
-            <a:ext uri="{909E8E84-426E-40DD-AFC4-6F175D3DCCD1}">
-              <a14:hiddenFill xmlns:a14="http://schemas.microsoft.com/office/drawing/2010/main">
-                <a:solidFill>
-                  <a:srgbClr val="FFFFFF"/>
-                </a:solidFill>
-              </a14:hiddenFill>
-            </a:ext>
-          </a:extLst>
+        </p:spPr>
+      </p:pic>
+      <p:pic>
+        <p:nvPicPr>
+          <p:cNvPr id="10" name="Picture 9" descr="Chart, scatter chart&#10;&#10;Description automatically generated">
+            <a:extLst>
+              <a:ext uri="{FF2B5EF4-FFF2-40B4-BE49-F238E27FC236}">
+                <a16:creationId xmlns:a16="http://schemas.microsoft.com/office/drawing/2014/main" id="{7E6CB96E-8FFD-FBD1-9BED-4436C1BB95EA}"/>
+              </a:ext>
+            </a:extLst>
+          </p:cNvPr>
+          <p:cNvPicPr>
+            <a:picLocks noChangeAspect="1"/>
+          </p:cNvPicPr>
+          <p:nvPr/>
+        </p:nvPicPr>
+        <p:blipFill>
+          <a:blip r:embed="rId3">
+            <a:extLst>
+              <a:ext uri="{28A0092B-C50C-407E-A947-70E740481C1C}">
+                <a14:useLocalDpi xmlns:a14="http://schemas.microsoft.com/office/drawing/2010/main" val="0"/>
+              </a:ext>
+            </a:extLst>
+          </a:blip>
+          <a:stretch>
+            <a:fillRect/>
+          </a:stretch>
+        </p:blipFill>
+        <p:spPr>
+          <a:xfrm>
+            <a:off x="6600994" y="0"/>
+            <a:ext cx="4897740" cy="3477619"/>
+          </a:xfrm>
+          <a:prstGeom prst="rect">
+            <a:avLst/>
+          </a:prstGeom>
+        </p:spPr>
+      </p:pic>
+      <p:pic>
+        <p:nvPicPr>
+          <p:cNvPr id="12" name="Picture 11" descr="Chart, scatter chart&#10;&#10;Description automatically generated">
+            <a:extLst>
+              <a:ext uri="{FF2B5EF4-FFF2-40B4-BE49-F238E27FC236}">
+                <a16:creationId xmlns:a16="http://schemas.microsoft.com/office/drawing/2014/main" id="{6921516E-4B71-1897-7CA7-BEFCE17E9476}"/>
+              </a:ext>
+            </a:extLst>
+          </p:cNvPr>
+          <p:cNvPicPr>
+            <a:picLocks noChangeAspect="1"/>
+          </p:cNvPicPr>
+          <p:nvPr/>
+        </p:nvPicPr>
+        <p:blipFill>
+          <a:blip r:embed="rId4">
+            <a:extLst>
+              <a:ext uri="{28A0092B-C50C-407E-A947-70E740481C1C}">
+                <a14:useLocalDpi xmlns:a14="http://schemas.microsoft.com/office/drawing/2010/main" val="0"/>
+              </a:ext>
+            </a:extLst>
+          </a:blip>
+          <a:stretch>
+            <a:fillRect/>
+          </a:stretch>
+        </p:blipFill>
+        <p:spPr>
+          <a:xfrm>
+            <a:off x="6600994" y="3429000"/>
+            <a:ext cx="4942468" cy="3477619"/>
+          </a:xfrm>
+          <a:prstGeom prst="rect">
+            <a:avLst/>
+          </a:prstGeom>
         </p:spPr>
       </p:pic>
     </p:spTree>
     <p:extLst>
       <p:ext uri="{BB962C8B-B14F-4D97-AF65-F5344CB8AC3E}">
-        <p14:creationId xmlns:p14="http://schemas.microsoft.com/office/powerpoint/2010/main" val="2543980800"/>
+        <p14:creationId xmlns:p14="http://schemas.microsoft.com/office/powerpoint/2010/main" val="2099185213"/>
       </p:ext>
     </p:extLst>
   </p:cSld>

--- a/AAPL v AMZN v GOOG.pptx
+++ b/AAPL v AMZN v GOOG.pptx
@@ -3540,7 +3540,12 @@
             <p:ph type="ctrTitle"/>
           </p:nvPr>
         </p:nvSpPr>
-        <p:spPr/>
+        <p:spPr>
+          <a:xfrm>
+            <a:off x="1524000" y="1600200"/>
+            <a:ext cx="9144000" cy="1291419"/>
+          </a:xfrm>
+        </p:spPr>
         <p:txBody>
           <a:bodyPr/>
           <a:lstStyle/>
@@ -3568,12 +3573,43 @@
             <p:ph type="subTitle" idx="1"/>
           </p:nvPr>
         </p:nvSpPr>
-        <p:spPr/>
-        <p:txBody>
-          <a:bodyPr/>
+        <p:spPr>
+          <a:xfrm>
+            <a:off x="1524000" y="3602037"/>
+            <a:ext cx="9144000" cy="2139195"/>
+          </a:xfrm>
+        </p:spPr>
+        <p:txBody>
+          <a:bodyPr>
+            <a:normAutofit fontScale="85000" lnSpcReduction="10000"/>
+          </a:bodyPr>
           <a:lstStyle/>
           <a:p>
+            <a:r>
+              <a:rPr lang="en-US" dirty="0"/>
+              <a:t>Which stock, if any, would you suggest as an investment under the current conditions?</a:t>
+            </a:r>
+          </a:p>
+          <a:p>
             <a:endParaRPr lang="en-US" dirty="0"/>
+          </a:p>
+          <a:p>
+            <a:r>
+              <a:rPr lang="en-US" dirty="0"/>
+              <a:t>-What is the current trend?</a:t>
+            </a:r>
+          </a:p>
+          <a:p>
+            <a:r>
+              <a:rPr lang="en-US" dirty="0"/>
+              <a:t>-How has rate of change of stock price vs financials affected the company’s value</a:t>
+            </a:r>
+          </a:p>
+          <a:p>
+            <a:r>
+              <a:rPr lang="en-US" dirty="0"/>
+              <a:t>-How does the trend in financials affect the recommendation?</a:t>
+            </a:r>
           </a:p>
         </p:txBody>
       </p:sp>

--- a/AAPL v AMZN v GOOG.pptx
+++ b/AAPL v AMZN v GOOG.pptx
@@ -13,10 +13,10 @@
     <p:sldId id="260" r:id="rId7"/>
     <p:sldId id="268" r:id="rId8"/>
     <p:sldId id="270" r:id="rId9"/>
-    <p:sldId id="261" r:id="rId10"/>
-    <p:sldId id="262" r:id="rId11"/>
-    <p:sldId id="263" r:id="rId12"/>
-    <p:sldId id="264" r:id="rId13"/>
+    <p:sldId id="264" r:id="rId10"/>
+    <p:sldId id="261" r:id="rId11"/>
+    <p:sldId id="262" r:id="rId12"/>
+    <p:sldId id="263" r:id="rId13"/>
     <p:sldId id="265" r:id="rId14"/>
     <p:sldId id="266" r:id="rId15"/>
     <p:sldId id="267" r:id="rId16"/>
@@ -27,6 +27,7 @@
     <p:sldId id="276" r:id="rId21"/>
     <p:sldId id="277" r:id="rId22"/>
     <p:sldId id="278" r:id="rId23"/>
+    <p:sldId id="280" r:id="rId24"/>
   </p:sldIdLst>
   <p:sldSz cx="12192000" cy="6858000"/>
   <p:notesSz cx="6858000" cy="9144000"/>
@@ -3607,6 +3608,144 @@
       </p:grpSpPr>
       <p:pic>
         <p:nvPicPr>
+          <p:cNvPr id="7" name="Picture 6" descr="Graphical user interface&#10;&#10;Description automatically generated">
+            <a:extLst>
+              <a:ext uri="{FF2B5EF4-FFF2-40B4-BE49-F238E27FC236}">
+                <a16:creationId xmlns:a16="http://schemas.microsoft.com/office/drawing/2014/main" id="{B29E9081-2E65-DA26-6640-A63C4DAF8F2B}"/>
+              </a:ext>
+            </a:extLst>
+          </p:cNvPr>
+          <p:cNvPicPr>
+            <a:picLocks noChangeAspect="1"/>
+          </p:cNvPicPr>
+          <p:nvPr/>
+        </p:nvPicPr>
+        <p:blipFill>
+          <a:blip r:embed="rId2">
+            <a:extLst>
+              <a:ext uri="{28A0092B-C50C-407E-A947-70E740481C1C}">
+                <a14:useLocalDpi xmlns:a14="http://schemas.microsoft.com/office/drawing/2010/main" val="0"/>
+              </a:ext>
+            </a:extLst>
+          </a:blip>
+          <a:stretch>
+            <a:fillRect/>
+          </a:stretch>
+        </p:blipFill>
+        <p:spPr>
+          <a:xfrm>
+            <a:off x="166448" y="0"/>
+            <a:ext cx="5929552" cy="6858000"/>
+          </a:xfrm>
+          <a:prstGeom prst="rect">
+            <a:avLst/>
+          </a:prstGeom>
+        </p:spPr>
+      </p:pic>
+      <p:pic>
+        <p:nvPicPr>
+          <p:cNvPr id="10" name="Picture 9" descr="Chart, scatter chart&#10;&#10;Description automatically generated">
+            <a:extLst>
+              <a:ext uri="{FF2B5EF4-FFF2-40B4-BE49-F238E27FC236}">
+                <a16:creationId xmlns:a16="http://schemas.microsoft.com/office/drawing/2014/main" id="{7E6CB96E-8FFD-FBD1-9BED-4436C1BB95EA}"/>
+              </a:ext>
+            </a:extLst>
+          </p:cNvPr>
+          <p:cNvPicPr>
+            <a:picLocks noChangeAspect="1"/>
+          </p:cNvPicPr>
+          <p:nvPr/>
+        </p:nvPicPr>
+        <p:blipFill>
+          <a:blip r:embed="rId3">
+            <a:extLst>
+              <a:ext uri="{28A0092B-C50C-407E-A947-70E740481C1C}">
+                <a14:useLocalDpi xmlns:a14="http://schemas.microsoft.com/office/drawing/2010/main" val="0"/>
+              </a:ext>
+            </a:extLst>
+          </a:blip>
+          <a:stretch>
+            <a:fillRect/>
+          </a:stretch>
+        </p:blipFill>
+        <p:spPr>
+          <a:xfrm>
+            <a:off x="6600994" y="0"/>
+            <a:ext cx="4897740" cy="3477619"/>
+          </a:xfrm>
+          <a:prstGeom prst="rect">
+            <a:avLst/>
+          </a:prstGeom>
+        </p:spPr>
+      </p:pic>
+      <p:pic>
+        <p:nvPicPr>
+          <p:cNvPr id="12" name="Picture 11" descr="Chart, scatter chart&#10;&#10;Description automatically generated">
+            <a:extLst>
+              <a:ext uri="{FF2B5EF4-FFF2-40B4-BE49-F238E27FC236}">
+                <a16:creationId xmlns:a16="http://schemas.microsoft.com/office/drawing/2014/main" id="{6921516E-4B71-1897-7CA7-BEFCE17E9476}"/>
+              </a:ext>
+            </a:extLst>
+          </p:cNvPr>
+          <p:cNvPicPr>
+            <a:picLocks noChangeAspect="1"/>
+          </p:cNvPicPr>
+          <p:nvPr/>
+        </p:nvPicPr>
+        <p:blipFill>
+          <a:blip r:embed="rId4">
+            <a:extLst>
+              <a:ext uri="{28A0092B-C50C-407E-A947-70E740481C1C}">
+                <a14:useLocalDpi xmlns:a14="http://schemas.microsoft.com/office/drawing/2010/main" val="0"/>
+              </a:ext>
+            </a:extLst>
+          </a:blip>
+          <a:stretch>
+            <a:fillRect/>
+          </a:stretch>
+        </p:blipFill>
+        <p:spPr>
+          <a:xfrm>
+            <a:off x="6600994" y="3429000"/>
+            <a:ext cx="4942468" cy="3477619"/>
+          </a:xfrm>
+          <a:prstGeom prst="rect">
+            <a:avLst/>
+          </a:prstGeom>
+        </p:spPr>
+      </p:pic>
+    </p:spTree>
+    <p:extLst>
+      <p:ext uri="{BB962C8B-B14F-4D97-AF65-F5344CB8AC3E}">
+        <p14:creationId xmlns:p14="http://schemas.microsoft.com/office/powerpoint/2010/main" val="2099185213"/>
+      </p:ext>
+    </p:extLst>
+  </p:cSld>
+  <p:clrMapOvr>
+    <a:masterClrMapping/>
+  </p:clrMapOvr>
+</p:sld>
+</file>
+
+<file path=ppt/slides/slide11.xml><?xml version="1.0" encoding="utf-8"?>
+<p:sld xmlns:a="http://schemas.openxmlformats.org/drawingml/2006/main" xmlns:r="http://schemas.openxmlformats.org/officeDocument/2006/relationships" xmlns:p="http://schemas.openxmlformats.org/presentationml/2006/main">
+  <p:cSld>
+    <p:spTree>
+      <p:nvGrpSpPr>
+        <p:cNvPr id="1" name=""/>
+        <p:cNvGrpSpPr/>
+        <p:nvPr/>
+      </p:nvGrpSpPr>
+      <p:grpSpPr>
+        <a:xfrm>
+          <a:off x="0" y="0"/>
+          <a:ext cx="0" cy="0"/>
+          <a:chOff x="0" y="0"/>
+          <a:chExt cx="0" cy="0"/>
+        </a:xfrm>
+      </p:grpSpPr>
+      <p:pic>
+        <p:nvPicPr>
           <p:cNvPr id="3" name="Picture 2" descr="Graphical user interface&#10;&#10;Description automatically generated with medium confidence">
             <a:extLst>
               <a:ext uri="{FF2B5EF4-FFF2-40B4-BE49-F238E27FC236}">
@@ -3726,7 +3865,7 @@
 </p:sld>
 </file>
 
-<file path=ppt/slides/slide11.xml><?xml version="1.0" encoding="utf-8"?>
+<file path=ppt/slides/slide12.xml><?xml version="1.0" encoding="utf-8"?>
 <p:sld xmlns:a="http://schemas.openxmlformats.org/drawingml/2006/main" xmlns:r="http://schemas.openxmlformats.org/officeDocument/2006/relationships" xmlns:p="http://schemas.openxmlformats.org/presentationml/2006/main">
   <p:cSld>
     <p:spTree>
@@ -3855,72 +3994,6 @@
     <p:extLst>
       <p:ext uri="{BB962C8B-B14F-4D97-AF65-F5344CB8AC3E}">
         <p14:creationId xmlns:p14="http://schemas.microsoft.com/office/powerpoint/2010/main" val="1705268245"/>
-      </p:ext>
-    </p:extLst>
-  </p:cSld>
-  <p:clrMapOvr>
-    <a:masterClrMapping/>
-  </p:clrMapOvr>
-</p:sld>
-</file>
-
-<file path=ppt/slides/slide12.xml><?xml version="1.0" encoding="utf-8"?>
-<p:sld xmlns:a="http://schemas.openxmlformats.org/drawingml/2006/main" xmlns:r="http://schemas.openxmlformats.org/officeDocument/2006/relationships" xmlns:p="http://schemas.openxmlformats.org/presentationml/2006/main">
-  <p:cSld>
-    <p:spTree>
-      <p:nvGrpSpPr>
-        <p:cNvPr id="1" name=""/>
-        <p:cNvGrpSpPr/>
-        <p:nvPr/>
-      </p:nvGrpSpPr>
-      <p:grpSpPr>
-        <a:xfrm>
-          <a:off x="0" y="0"/>
-          <a:ext cx="0" cy="0"/>
-          <a:chOff x="0" y="0"/>
-          <a:chExt cx="0" cy="0"/>
-        </a:xfrm>
-      </p:grpSpPr>
-      <p:pic>
-        <p:nvPicPr>
-          <p:cNvPr id="3" name="Picture 2" descr="Chart, line chart&#10;&#10;Description automatically generated">
-            <a:extLst>
-              <a:ext uri="{FF2B5EF4-FFF2-40B4-BE49-F238E27FC236}">
-                <a16:creationId xmlns:a16="http://schemas.microsoft.com/office/drawing/2014/main" id="{02C15916-542C-978A-0568-640595D3846A}"/>
-              </a:ext>
-            </a:extLst>
-          </p:cNvPr>
-          <p:cNvPicPr>
-            <a:picLocks noChangeAspect="1"/>
-          </p:cNvPicPr>
-          <p:nvPr/>
-        </p:nvPicPr>
-        <p:blipFill>
-          <a:blip r:embed="rId2">
-            <a:extLst>
-              <a:ext uri="{28A0092B-C50C-407E-A947-70E740481C1C}">
-                <a14:useLocalDpi xmlns:a14="http://schemas.microsoft.com/office/drawing/2010/main" val="0"/>
-              </a:ext>
-            </a:extLst>
-          </a:blip>
-          <a:stretch>
-            <a:fillRect/>
-          </a:stretch>
-        </p:blipFill>
-        <p:spPr>
-          <a:xfrm>
-            <a:off x="0" y="339577"/>
-            <a:ext cx="12192000" cy="6178845"/>
-          </a:xfrm>
-          <a:prstGeom prst="rect">
-            <a:avLst/>
-          </a:prstGeom>
-        </p:spPr>
-      </p:pic>
-    </p:spTree>
-    <p:extLst>
-      <p:ext uri="{BB962C8B-B14F-4D97-AF65-F5344CB8AC3E}">
-        <p14:creationId xmlns:p14="http://schemas.microsoft.com/office/powerpoint/2010/main" val="1549384176"/>
       </p:ext>
     </p:extLst>
   </p:cSld>
@@ -5163,6 +5236,150 @@
 </p:sld>
 </file>
 
+<file path=ppt/slides/slide23.xml><?xml version="1.0" encoding="utf-8"?>
+<p:sld xmlns:a="http://schemas.openxmlformats.org/drawingml/2006/main" xmlns:r="http://schemas.openxmlformats.org/officeDocument/2006/relationships" xmlns:p="http://schemas.openxmlformats.org/presentationml/2006/main">
+  <p:cSld>
+    <p:spTree>
+      <p:nvGrpSpPr>
+        <p:cNvPr id="1" name=""/>
+        <p:cNvGrpSpPr/>
+        <p:nvPr/>
+      </p:nvGrpSpPr>
+      <p:grpSpPr>
+        <a:xfrm>
+          <a:off x="0" y="0"/>
+          <a:ext cx="0" cy="0"/>
+          <a:chOff x="0" y="0"/>
+          <a:chExt cx="0" cy="0"/>
+        </a:xfrm>
+      </p:grpSpPr>
+      <p:pic>
+        <p:nvPicPr>
+          <p:cNvPr id="3" name="Picture 2" descr="Chart, box and whisker chart&#10;&#10;Description automatically generated">
+            <a:extLst>
+              <a:ext uri="{FF2B5EF4-FFF2-40B4-BE49-F238E27FC236}">
+                <a16:creationId xmlns:a16="http://schemas.microsoft.com/office/drawing/2014/main" id="{B0993352-2914-4047-76B0-DC95A62C6553}"/>
+              </a:ext>
+            </a:extLst>
+          </p:cNvPr>
+          <p:cNvPicPr>
+            <a:picLocks noChangeAspect="1"/>
+          </p:cNvPicPr>
+          <p:nvPr/>
+        </p:nvPicPr>
+        <p:blipFill>
+          <a:blip r:embed="rId2">
+            <a:extLst>
+              <a:ext uri="{28A0092B-C50C-407E-A947-70E740481C1C}">
+                <a14:useLocalDpi xmlns:a14="http://schemas.microsoft.com/office/drawing/2010/main" val="0"/>
+              </a:ext>
+            </a:extLst>
+          </a:blip>
+          <a:stretch>
+            <a:fillRect/>
+          </a:stretch>
+        </p:blipFill>
+        <p:spPr>
+          <a:xfrm>
+            <a:off x="295579" y="1044034"/>
+            <a:ext cx="5555967" cy="4093093"/>
+          </a:xfrm>
+          <a:prstGeom prst="rect">
+            <a:avLst/>
+          </a:prstGeom>
+        </p:spPr>
+      </p:pic>
+      <p:pic>
+        <p:nvPicPr>
+          <p:cNvPr id="5" name="Picture 4" descr="Chart, box and whisker chart&#10;&#10;Description automatically generated">
+            <a:extLst>
+              <a:ext uri="{FF2B5EF4-FFF2-40B4-BE49-F238E27FC236}">
+                <a16:creationId xmlns:a16="http://schemas.microsoft.com/office/drawing/2014/main" id="{5C32E254-2B7D-24B0-15FE-720FBB09BCB6}"/>
+              </a:ext>
+            </a:extLst>
+          </p:cNvPr>
+          <p:cNvPicPr>
+            <a:picLocks noChangeAspect="1"/>
+          </p:cNvPicPr>
+          <p:nvPr/>
+        </p:nvPicPr>
+        <p:blipFill>
+          <a:blip r:embed="rId3">
+            <a:extLst>
+              <a:ext uri="{28A0092B-C50C-407E-A947-70E740481C1C}">
+                <a14:useLocalDpi xmlns:a14="http://schemas.microsoft.com/office/drawing/2010/main" val="0"/>
+              </a:ext>
+            </a:extLst>
+          </a:blip>
+          <a:stretch>
+            <a:fillRect/>
+          </a:stretch>
+        </p:blipFill>
+        <p:spPr>
+          <a:xfrm>
+            <a:off x="5851546" y="1058810"/>
+            <a:ext cx="5555967" cy="4078317"/>
+          </a:xfrm>
+          <a:prstGeom prst="rect">
+            <a:avLst/>
+          </a:prstGeom>
+        </p:spPr>
+      </p:pic>
+      <p:sp>
+        <p:nvSpPr>
+          <p:cNvPr id="10" name="Title 9">
+            <a:extLst>
+              <a:ext uri="{FF2B5EF4-FFF2-40B4-BE49-F238E27FC236}">
+                <a16:creationId xmlns:a16="http://schemas.microsoft.com/office/drawing/2014/main" id="{4F45C0BB-4F0E-5AB1-F4D5-CC5836292117}"/>
+              </a:ext>
+            </a:extLst>
+          </p:cNvPr>
+          <p:cNvSpPr>
+            <a:spLocks noGrp="1"/>
+          </p:cNvSpPr>
+          <p:nvPr>
+            <p:ph type="title"/>
+          </p:nvPr>
+        </p:nvSpPr>
+        <p:spPr>
+          <a:xfrm>
+            <a:off x="838200" y="5137127"/>
+            <a:ext cx="10515600" cy="1284128"/>
+          </a:xfrm>
+        </p:spPr>
+        <p:txBody>
+          <a:bodyPr>
+            <a:noAutofit/>
+          </a:bodyPr>
+          <a:lstStyle/>
+          <a:p>
+            <a:r>
+              <a:rPr lang="en-US" sz="4000" dirty="0"/>
+              <a:t>Net income p-value=0.0360052536081312</a:t>
+            </a:r>
+            <a:br>
+              <a:rPr lang="en-US" sz="4000" dirty="0"/>
+            </a:br>
+            <a:r>
+              <a:rPr lang="en-US" sz="4000" dirty="0"/>
+              <a:t>Revenue p-value=4.768592742344541e-06</a:t>
+            </a:r>
+          </a:p>
+        </p:txBody>
+      </p:sp>
+    </p:spTree>
+    <p:extLst>
+      <p:ext uri="{BB962C8B-B14F-4D97-AF65-F5344CB8AC3E}">
+        <p14:creationId xmlns:p14="http://schemas.microsoft.com/office/powerpoint/2010/main" val="1312818611"/>
+      </p:ext>
+    </p:extLst>
+  </p:cSld>
+  <p:clrMapOvr>
+    <a:masterClrMapping/>
+  </p:clrMapOvr>
+</p:sld>
+</file>
+
 <file path=ppt/slides/slide3.xml><?xml version="1.0" encoding="utf-8"?>
 <p:sld xmlns:a="http://schemas.openxmlformats.org/drawingml/2006/main" xmlns:r="http://schemas.openxmlformats.org/officeDocument/2006/relationships" xmlns:p="http://schemas.openxmlformats.org/presentationml/2006/main">
   <p:cSld>
@@ -5542,10 +5759,10 @@
       </p:grpSpPr>
       <p:pic>
         <p:nvPicPr>
-          <p:cNvPr id="7" name="Picture 6" descr="Graphical user interface&#10;&#10;Description automatically generated">
-            <a:extLst>
-              <a:ext uri="{FF2B5EF4-FFF2-40B4-BE49-F238E27FC236}">
-                <a16:creationId xmlns:a16="http://schemas.microsoft.com/office/drawing/2014/main" id="{B29E9081-2E65-DA26-6640-A63C4DAF8F2B}"/>
+          <p:cNvPr id="3" name="Picture 2" descr="Chart, line chart&#10;&#10;Description automatically generated">
+            <a:extLst>
+              <a:ext uri="{FF2B5EF4-FFF2-40B4-BE49-F238E27FC236}">
+                <a16:creationId xmlns:a16="http://schemas.microsoft.com/office/drawing/2014/main" id="{02C15916-542C-978A-0568-640595D3846A}"/>
               </a:ext>
             </a:extLst>
           </p:cNvPr>
@@ -5568,80 +5785,8 @@
         </p:blipFill>
         <p:spPr>
           <a:xfrm>
-            <a:off x="166448" y="0"/>
-            <a:ext cx="5929552" cy="6858000"/>
-          </a:xfrm>
-          <a:prstGeom prst="rect">
-            <a:avLst/>
-          </a:prstGeom>
-        </p:spPr>
-      </p:pic>
-      <p:pic>
-        <p:nvPicPr>
-          <p:cNvPr id="10" name="Picture 9" descr="Chart, scatter chart&#10;&#10;Description automatically generated">
-            <a:extLst>
-              <a:ext uri="{FF2B5EF4-FFF2-40B4-BE49-F238E27FC236}">
-                <a16:creationId xmlns:a16="http://schemas.microsoft.com/office/drawing/2014/main" id="{7E6CB96E-8FFD-FBD1-9BED-4436C1BB95EA}"/>
-              </a:ext>
-            </a:extLst>
-          </p:cNvPr>
-          <p:cNvPicPr>
-            <a:picLocks noChangeAspect="1"/>
-          </p:cNvPicPr>
-          <p:nvPr/>
-        </p:nvPicPr>
-        <p:blipFill>
-          <a:blip r:embed="rId3">
-            <a:extLst>
-              <a:ext uri="{28A0092B-C50C-407E-A947-70E740481C1C}">
-                <a14:useLocalDpi xmlns:a14="http://schemas.microsoft.com/office/drawing/2010/main" val="0"/>
-              </a:ext>
-            </a:extLst>
-          </a:blip>
-          <a:stretch>
-            <a:fillRect/>
-          </a:stretch>
-        </p:blipFill>
-        <p:spPr>
-          <a:xfrm>
-            <a:off x="6600994" y="0"/>
-            <a:ext cx="4897740" cy="3477619"/>
-          </a:xfrm>
-          <a:prstGeom prst="rect">
-            <a:avLst/>
-          </a:prstGeom>
-        </p:spPr>
-      </p:pic>
-      <p:pic>
-        <p:nvPicPr>
-          <p:cNvPr id="12" name="Picture 11" descr="Chart, scatter chart&#10;&#10;Description automatically generated">
-            <a:extLst>
-              <a:ext uri="{FF2B5EF4-FFF2-40B4-BE49-F238E27FC236}">
-                <a16:creationId xmlns:a16="http://schemas.microsoft.com/office/drawing/2014/main" id="{6921516E-4B71-1897-7CA7-BEFCE17E9476}"/>
-              </a:ext>
-            </a:extLst>
-          </p:cNvPr>
-          <p:cNvPicPr>
-            <a:picLocks noChangeAspect="1"/>
-          </p:cNvPicPr>
-          <p:nvPr/>
-        </p:nvPicPr>
-        <p:blipFill>
-          <a:blip r:embed="rId4">
-            <a:extLst>
-              <a:ext uri="{28A0092B-C50C-407E-A947-70E740481C1C}">
-                <a14:useLocalDpi xmlns:a14="http://schemas.microsoft.com/office/drawing/2010/main" val="0"/>
-              </a:ext>
-            </a:extLst>
-          </a:blip>
-          <a:stretch>
-            <a:fillRect/>
-          </a:stretch>
-        </p:blipFill>
-        <p:spPr>
-          <a:xfrm>
-            <a:off x="6600994" y="3429000"/>
-            <a:ext cx="4942468" cy="3477619"/>
+            <a:off x="0" y="339577"/>
+            <a:ext cx="12192000" cy="6178845"/>
           </a:xfrm>
           <a:prstGeom prst="rect">
             <a:avLst/>
@@ -5651,7 +5796,7 @@
     </p:spTree>
     <p:extLst>
       <p:ext uri="{BB962C8B-B14F-4D97-AF65-F5344CB8AC3E}">
-        <p14:creationId xmlns:p14="http://schemas.microsoft.com/office/powerpoint/2010/main" val="2099185213"/>
+        <p14:creationId xmlns:p14="http://schemas.microsoft.com/office/powerpoint/2010/main" val="1549384176"/>
       </p:ext>
     </p:extLst>
   </p:cSld>

--- a/AAPL v AMZN v GOOG.pptx
+++ b/AAPL v AMZN v GOOG.pptx
@@ -5253,12 +5253,54 @@
           <a:chExt cx="0" cy="0"/>
         </a:xfrm>
       </p:grpSpPr>
+      <p:sp>
+        <p:nvSpPr>
+          <p:cNvPr id="10" name="Title 9">
+            <a:extLst>
+              <a:ext uri="{FF2B5EF4-FFF2-40B4-BE49-F238E27FC236}">
+                <a16:creationId xmlns:a16="http://schemas.microsoft.com/office/drawing/2014/main" id="{4F45C0BB-4F0E-5AB1-F4D5-CC5836292117}"/>
+              </a:ext>
+            </a:extLst>
+          </p:cNvPr>
+          <p:cNvSpPr>
+            <a:spLocks noGrp="1"/>
+          </p:cNvSpPr>
+          <p:nvPr>
+            <p:ph type="title"/>
+          </p:nvPr>
+        </p:nvSpPr>
+        <p:spPr>
+          <a:xfrm>
+            <a:off x="838200" y="5137127"/>
+            <a:ext cx="10515600" cy="1284128"/>
+          </a:xfrm>
+        </p:spPr>
+        <p:txBody>
+          <a:bodyPr>
+            <a:noAutofit/>
+          </a:bodyPr>
+          <a:lstStyle/>
+          <a:p>
+            <a:r>
+              <a:rPr lang="en-US" sz="4000" dirty="0"/>
+              <a:t>Net income p-value=0.0360052536081312</a:t>
+            </a:r>
+            <a:br>
+              <a:rPr lang="en-US" sz="4000" dirty="0"/>
+            </a:br>
+            <a:r>
+              <a:rPr lang="en-US" sz="4000" dirty="0"/>
+              <a:t>Revenue p-value=4.768592742344541e-06</a:t>
+            </a:r>
+          </a:p>
+        </p:txBody>
+      </p:sp>
       <p:pic>
         <p:nvPicPr>
-          <p:cNvPr id="3" name="Picture 2" descr="Chart, box and whisker chart&#10;&#10;Description automatically generated">
-            <a:extLst>
-              <a:ext uri="{FF2B5EF4-FFF2-40B4-BE49-F238E27FC236}">
-                <a16:creationId xmlns:a16="http://schemas.microsoft.com/office/drawing/2014/main" id="{B0993352-2914-4047-76B0-DC95A62C6553}"/>
+          <p:cNvPr id="4" name="Picture 3" descr="Chart, box and whisker chart&#10;&#10;Description automatically generated">
+            <a:extLst>
+              <a:ext uri="{FF2B5EF4-FFF2-40B4-BE49-F238E27FC236}">
+                <a16:creationId xmlns:a16="http://schemas.microsoft.com/office/drawing/2014/main" id="{A675796F-2371-ED6C-ACE4-CAE569F143AE}"/>
               </a:ext>
             </a:extLst>
           </p:cNvPr>
@@ -5281,8 +5323,8 @@
         </p:blipFill>
         <p:spPr>
           <a:xfrm>
-            <a:off x="295579" y="1044034"/>
-            <a:ext cx="5555967" cy="4093093"/>
+            <a:off x="838200" y="729234"/>
+            <a:ext cx="4776288" cy="3531405"/>
           </a:xfrm>
           <a:prstGeom prst="rect">
             <a:avLst/>
@@ -5291,10 +5333,10 @@
       </p:pic>
       <p:pic>
         <p:nvPicPr>
-          <p:cNvPr id="5" name="Picture 4" descr="Chart, box and whisker chart&#10;&#10;Description automatically generated">
-            <a:extLst>
-              <a:ext uri="{FF2B5EF4-FFF2-40B4-BE49-F238E27FC236}">
-                <a16:creationId xmlns:a16="http://schemas.microsoft.com/office/drawing/2014/main" id="{5C32E254-2B7D-24B0-15FE-720FBB09BCB6}"/>
+          <p:cNvPr id="7" name="Picture 6" descr="Chart, box and whisker chart&#10;&#10;Description automatically generated">
+            <a:extLst>
+              <a:ext uri="{FF2B5EF4-FFF2-40B4-BE49-F238E27FC236}">
+                <a16:creationId xmlns:a16="http://schemas.microsoft.com/office/drawing/2014/main" id="{A3843454-9F24-3A88-9015-D785395DBB31}"/>
               </a:ext>
             </a:extLst>
           </p:cNvPr>
@@ -5317,56 +5359,14 @@
         </p:blipFill>
         <p:spPr>
           <a:xfrm>
-            <a:off x="5851546" y="1058810"/>
-            <a:ext cx="5555967" cy="4078317"/>
+            <a:off x="6096000" y="741938"/>
+            <a:ext cx="4776288" cy="3505999"/>
           </a:xfrm>
           <a:prstGeom prst="rect">
             <a:avLst/>
           </a:prstGeom>
         </p:spPr>
       </p:pic>
-      <p:sp>
-        <p:nvSpPr>
-          <p:cNvPr id="10" name="Title 9">
-            <a:extLst>
-              <a:ext uri="{FF2B5EF4-FFF2-40B4-BE49-F238E27FC236}">
-                <a16:creationId xmlns:a16="http://schemas.microsoft.com/office/drawing/2014/main" id="{4F45C0BB-4F0E-5AB1-F4D5-CC5836292117}"/>
-              </a:ext>
-            </a:extLst>
-          </p:cNvPr>
-          <p:cNvSpPr>
-            <a:spLocks noGrp="1"/>
-          </p:cNvSpPr>
-          <p:nvPr>
-            <p:ph type="title"/>
-          </p:nvPr>
-        </p:nvSpPr>
-        <p:spPr>
-          <a:xfrm>
-            <a:off x="838200" y="5137127"/>
-            <a:ext cx="10515600" cy="1284128"/>
-          </a:xfrm>
-        </p:spPr>
-        <p:txBody>
-          <a:bodyPr>
-            <a:noAutofit/>
-          </a:bodyPr>
-          <a:lstStyle/>
-          <a:p>
-            <a:r>
-              <a:rPr lang="en-US" sz="4000" dirty="0"/>
-              <a:t>Net income p-value=0.0360052536081312</a:t>
-            </a:r>
-            <a:br>
-              <a:rPr lang="en-US" sz="4000" dirty="0"/>
-            </a:br>
-            <a:r>
-              <a:rPr lang="en-US" sz="4000" dirty="0"/>
-              <a:t>Revenue p-value=4.768592742344541e-06</a:t>
-            </a:r>
-          </a:p>
-        </p:txBody>
-      </p:sp>
     </p:spTree>
     <p:extLst>
       <p:ext uri="{BB962C8B-B14F-4D97-AF65-F5344CB8AC3E}">

--- a/AAPL v AMZN v GOOG.pptx
+++ b/AAPL v AMZN v GOOG.pptx
@@ -3644,10 +3644,10 @@
       </p:pic>
       <p:pic>
         <p:nvPicPr>
-          <p:cNvPr id="10" name="Picture 9" descr="Chart, scatter chart&#10;&#10;Description automatically generated">
-            <a:extLst>
-              <a:ext uri="{FF2B5EF4-FFF2-40B4-BE49-F238E27FC236}">
-                <a16:creationId xmlns:a16="http://schemas.microsoft.com/office/drawing/2014/main" id="{7E6CB96E-8FFD-FBD1-9BED-4436C1BB95EA}"/>
+          <p:cNvPr id="3" name="Picture 2" descr="Chart, scatter chart&#10;&#10;Description automatically generated">
+            <a:extLst>
+              <a:ext uri="{FF2B5EF4-FFF2-40B4-BE49-F238E27FC236}">
+                <a16:creationId xmlns:a16="http://schemas.microsoft.com/office/drawing/2014/main" id="{07146EE1-6A51-D316-9A09-2103DCD9DDAA}"/>
               </a:ext>
             </a:extLst>
           </p:cNvPr>
@@ -3670,8 +3670,8 @@
         </p:blipFill>
         <p:spPr>
           <a:xfrm>
-            <a:off x="6600994" y="0"/>
-            <a:ext cx="4897740" cy="3477619"/>
+            <a:off x="6880160" y="179535"/>
+            <a:ext cx="4427095" cy="3143439"/>
           </a:xfrm>
           <a:prstGeom prst="rect">
             <a:avLst/>
@@ -3680,10 +3680,10 @@
       </p:pic>
       <p:pic>
         <p:nvPicPr>
-          <p:cNvPr id="12" name="Picture 11" descr="Chart, scatter chart&#10;&#10;Description automatically generated">
-            <a:extLst>
-              <a:ext uri="{FF2B5EF4-FFF2-40B4-BE49-F238E27FC236}">
-                <a16:creationId xmlns:a16="http://schemas.microsoft.com/office/drawing/2014/main" id="{6921516E-4B71-1897-7CA7-BEFCE17E9476}"/>
+          <p:cNvPr id="5" name="Picture 4" descr="Chart, scatter chart&#10;&#10;Description automatically generated">
+            <a:extLst>
+              <a:ext uri="{FF2B5EF4-FFF2-40B4-BE49-F238E27FC236}">
+                <a16:creationId xmlns:a16="http://schemas.microsoft.com/office/drawing/2014/main" id="{7C589630-31FD-9F4B-041E-0AB988A238CD}"/>
               </a:ext>
             </a:extLst>
           </p:cNvPr>
@@ -3706,8 +3706,8 @@
         </p:blipFill>
         <p:spPr>
           <a:xfrm>
-            <a:off x="6600994" y="3429000"/>
-            <a:ext cx="4942468" cy="3477619"/>
+            <a:off x="6880160" y="3535025"/>
+            <a:ext cx="4467525" cy="3143440"/>
           </a:xfrm>
           <a:prstGeom prst="rect">
             <a:avLst/>
@@ -3782,10 +3782,10 @@
       </p:pic>
       <p:pic>
         <p:nvPicPr>
-          <p:cNvPr id="4" name="Picture 3" descr="Chart, scatter chart&#10;&#10;Description automatically generated">
-            <a:extLst>
-              <a:ext uri="{FF2B5EF4-FFF2-40B4-BE49-F238E27FC236}">
-                <a16:creationId xmlns:a16="http://schemas.microsoft.com/office/drawing/2014/main" id="{A449C6DE-A9C8-9C26-6D99-A8CC6CC1F537}"/>
+          <p:cNvPr id="5" name="Picture 4" descr="Chart, scatter chart&#10;&#10;Description automatically generated">
+            <a:extLst>
+              <a:ext uri="{FF2B5EF4-FFF2-40B4-BE49-F238E27FC236}">
+                <a16:creationId xmlns:a16="http://schemas.microsoft.com/office/drawing/2014/main" id="{B8A287C8-19A3-ED1D-92C2-021A374794B0}"/>
               </a:ext>
             </a:extLst>
           </p:cNvPr>
@@ -3808,8 +3808,8 @@
         </p:blipFill>
         <p:spPr>
           <a:xfrm>
-            <a:off x="7033548" y="0"/>
-            <a:ext cx="4458200" cy="3087974"/>
+            <a:off x="6864773" y="135220"/>
+            <a:ext cx="4707633" cy="3260744"/>
           </a:xfrm>
           <a:prstGeom prst="rect">
             <a:avLst/>
@@ -3818,10 +3818,10 @@
       </p:pic>
       <p:pic>
         <p:nvPicPr>
-          <p:cNvPr id="6" name="Picture 5" descr="Chart, scatter chart&#10;&#10;Description automatically generated">
-            <a:extLst>
-              <a:ext uri="{FF2B5EF4-FFF2-40B4-BE49-F238E27FC236}">
-                <a16:creationId xmlns:a16="http://schemas.microsoft.com/office/drawing/2014/main" id="{2B76B559-0081-313D-8D67-7349FDAA69A6}"/>
+          <p:cNvPr id="8" name="Picture 7" descr="Chart, scatter chart&#10;&#10;Description automatically generated">
+            <a:extLst>
+              <a:ext uri="{FF2B5EF4-FFF2-40B4-BE49-F238E27FC236}">
+                <a16:creationId xmlns:a16="http://schemas.microsoft.com/office/drawing/2014/main" id="{5C97E084-AF41-9113-824E-B875A2119FCF}"/>
               </a:ext>
             </a:extLst>
           </p:cNvPr>
@@ -3844,8 +3844,8 @@
         </p:blipFill>
         <p:spPr>
           <a:xfrm>
-            <a:off x="6793984" y="3429000"/>
-            <a:ext cx="4697764" cy="3275795"/>
+            <a:off x="6864773" y="3462037"/>
+            <a:ext cx="4676179" cy="3260743"/>
           </a:xfrm>
           <a:prstGeom prst="rect">
             <a:avLst/>
@@ -3920,10 +3920,10 @@
       </p:pic>
       <p:pic>
         <p:nvPicPr>
-          <p:cNvPr id="4" name="Picture 3" descr="Chart, scatter chart&#10;&#10;Description automatically generated">
-            <a:extLst>
-              <a:ext uri="{FF2B5EF4-FFF2-40B4-BE49-F238E27FC236}">
-                <a16:creationId xmlns:a16="http://schemas.microsoft.com/office/drawing/2014/main" id="{7E0FB0A2-27AA-40B7-7EFE-9237DAAE58C2}"/>
+          <p:cNvPr id="5" name="Picture 4" descr="Chart, scatter chart&#10;&#10;Description automatically generated">
+            <a:extLst>
+              <a:ext uri="{FF2B5EF4-FFF2-40B4-BE49-F238E27FC236}">
+                <a16:creationId xmlns:a16="http://schemas.microsoft.com/office/drawing/2014/main" id="{1D644608-6FB2-6795-EB27-8A24467F5720}"/>
               </a:ext>
             </a:extLst>
           </p:cNvPr>
@@ -3946,8 +3946,8 @@
         </p:blipFill>
         <p:spPr>
           <a:xfrm>
-            <a:off x="6759877" y="39509"/>
-            <a:ext cx="4839017" cy="3389491"/>
+            <a:off x="6797477" y="43218"/>
+            <a:ext cx="4833722" cy="3385783"/>
           </a:xfrm>
           <a:prstGeom prst="rect">
             <a:avLst/>
@@ -3956,10 +3956,10 @@
       </p:pic>
       <p:pic>
         <p:nvPicPr>
-          <p:cNvPr id="6" name="Picture 5" descr="Chart&#10;&#10;Description automatically generated">
-            <a:extLst>
-              <a:ext uri="{FF2B5EF4-FFF2-40B4-BE49-F238E27FC236}">
-                <a16:creationId xmlns:a16="http://schemas.microsoft.com/office/drawing/2014/main" id="{D9FFB94E-F822-B193-F6E0-9C18CFB74A8E}"/>
+          <p:cNvPr id="8" name="Picture 7" descr="Chart&#10;&#10;Description automatically generated">
+            <a:extLst>
+              <a:ext uri="{FF2B5EF4-FFF2-40B4-BE49-F238E27FC236}">
+                <a16:creationId xmlns:a16="http://schemas.microsoft.com/office/drawing/2014/main" id="{4C62DCBD-DEA0-7517-C6F2-922D2C6D6D0A}"/>
               </a:ext>
             </a:extLst>
           </p:cNvPr>
@@ -3982,8 +3982,8 @@
         </p:blipFill>
         <p:spPr>
           <a:xfrm>
-            <a:off x="6759877" y="3429000"/>
-            <a:ext cx="4969801" cy="3389492"/>
+            <a:off x="6797477" y="3429000"/>
+            <a:ext cx="4964363" cy="3385782"/>
           </a:xfrm>
           <a:prstGeom prst="rect">
             <a:avLst/>

--- a/AAPL v AMZN v GOOG.pptx
+++ b/AAPL v AMZN v GOOG.pptx
@@ -3567,12 +3567,40 @@
             <p:ph type="subTitle" idx="1"/>
           </p:nvPr>
         </p:nvSpPr>
-        <p:spPr/>
-        <p:txBody>
-          <a:bodyPr/>
+        <p:spPr>
+          <a:xfrm>
+            <a:off x="1524000" y="3602037"/>
+            <a:ext cx="9144000" cy="2558919"/>
+          </a:xfrm>
+        </p:spPr>
+        <p:txBody>
+          <a:bodyPr>
+            <a:normAutofit/>
+          </a:bodyPr>
           <a:lstStyle/>
           <a:p>
-            <a:endParaRPr lang="en-US" dirty="0"/>
+            <a:r>
+              <a:rPr lang="en-US" dirty="0"/>
+              <a:t>In the current conditions, which company, if any, would you recommend for a long-term investment.</a:t>
+            </a:r>
+          </a:p>
+          <a:p>
+            <a:r>
+              <a:rPr lang="en-US" dirty="0"/>
+              <a:t>-What is the past, current and predicted future trend?</a:t>
+            </a:r>
+          </a:p>
+          <a:p>
+            <a:r>
+              <a:rPr lang="en-US" dirty="0"/>
+              <a:t>-What is the current rate of change in share price versus financials?</a:t>
+            </a:r>
+          </a:p>
+          <a:p>
+            <a:r>
+              <a:rPr lang="en-US" dirty="0"/>
+              <a:t>-Which company would be the best choice based on financials?</a:t>
+            </a:r>
           </a:p>
         </p:txBody>
       </p:sp>

--- a/AAPL v AMZN v GOOG.pptx
+++ b/AAPL v AMZN v GOOG.pptx
@@ -28,6 +28,7 @@
     <p:sldId id="277" r:id="rId22"/>
     <p:sldId id="278" r:id="rId23"/>
     <p:sldId id="280" r:id="rId24"/>
+    <p:sldId id="281" r:id="rId25"/>
   </p:sldIdLst>
   <p:sldSz cx="12192000" cy="6858000"/>
   <p:notesSz cx="6858000" cy="9144000"/>
@@ -5408,6 +5409,151 @@
 </p:sld>
 </file>
 
+<file path=ppt/slides/slide24.xml><?xml version="1.0" encoding="utf-8"?>
+<p:sld xmlns:a="http://schemas.openxmlformats.org/drawingml/2006/main" xmlns:r="http://schemas.openxmlformats.org/officeDocument/2006/relationships" xmlns:p="http://schemas.openxmlformats.org/presentationml/2006/main">
+  <p:cSld>
+    <p:spTree>
+      <p:nvGrpSpPr>
+        <p:cNvPr id="1" name=""/>
+        <p:cNvGrpSpPr/>
+        <p:nvPr/>
+      </p:nvGrpSpPr>
+      <p:grpSpPr>
+        <a:xfrm>
+          <a:off x="0" y="0"/>
+          <a:ext cx="0" cy="0"/>
+          <a:chOff x="0" y="0"/>
+          <a:chExt cx="0" cy="0"/>
+        </a:xfrm>
+      </p:grpSpPr>
+      <p:sp>
+        <p:nvSpPr>
+          <p:cNvPr id="2" name="Title 1">
+            <a:extLst>
+              <a:ext uri="{FF2B5EF4-FFF2-40B4-BE49-F238E27FC236}">
+                <a16:creationId xmlns:a16="http://schemas.microsoft.com/office/drawing/2014/main" id="{4643D24B-4D65-31B9-2649-B896151DDC9D}"/>
+              </a:ext>
+            </a:extLst>
+          </p:cNvPr>
+          <p:cNvSpPr>
+            <a:spLocks noGrp="1"/>
+          </p:cNvSpPr>
+          <p:nvPr>
+            <p:ph type="title"/>
+          </p:nvPr>
+        </p:nvSpPr>
+        <p:spPr>
+          <a:xfrm>
+            <a:off x="831852" y="659568"/>
+            <a:ext cx="10515600" cy="1094281"/>
+          </a:xfrm>
+        </p:spPr>
+        <p:txBody>
+          <a:bodyPr/>
+          <a:lstStyle/>
+          <a:p>
+            <a:pPr algn="ctr"/>
+            <a:r>
+              <a:rPr lang="en-US" dirty="0"/>
+              <a:t>Conclusion</a:t>
+            </a:r>
+          </a:p>
+        </p:txBody>
+      </p:sp>
+      <p:sp>
+        <p:nvSpPr>
+          <p:cNvPr id="3" name="Text Placeholder 2">
+            <a:extLst>
+              <a:ext uri="{FF2B5EF4-FFF2-40B4-BE49-F238E27FC236}">
+                <a16:creationId xmlns:a16="http://schemas.microsoft.com/office/drawing/2014/main" id="{C4F7DE56-E165-2722-5C60-06E31F35D5EF}"/>
+              </a:ext>
+            </a:extLst>
+          </p:cNvPr>
+          <p:cNvSpPr>
+            <a:spLocks noGrp="1"/>
+          </p:cNvSpPr>
+          <p:nvPr>
+            <p:ph type="body" idx="1"/>
+          </p:nvPr>
+        </p:nvSpPr>
+        <p:spPr>
+          <a:xfrm>
+            <a:off x="831852" y="1918741"/>
+            <a:ext cx="10515600" cy="4170911"/>
+          </a:xfrm>
+        </p:spPr>
+        <p:txBody>
+          <a:bodyPr/>
+          <a:lstStyle/>
+          <a:p>
+            <a:r>
+              <a:rPr lang="en-US" dirty="0"/>
+              <a:t>Stefanie: </a:t>
+            </a:r>
+            <a:r>
+              <a:rPr lang="en-US" b="0" i="0" dirty="0">
+                <a:solidFill>
+                  <a:srgbClr val="1D1C1D"/>
+                </a:solidFill>
+                <a:effectLst/>
+                <a:latin typeface="Slack-Lato"/>
+              </a:rPr>
+              <a:t>In conclusion, using </a:t>
+            </a:r>
+            <a:r>
+              <a:rPr lang="en-US" b="0" i="0" u="none" strike="noStrike" dirty="0">
+                <a:effectLst/>
+                <a:latin typeface="Slack-Lato"/>
+                <a:hlinkClick r:id="rId2"/>
+              </a:rPr>
+              <a:t>Polygon.io</a:t>
+            </a:r>
+            <a:r>
+              <a:rPr lang="en-US" b="0" i="0" dirty="0">
+                <a:solidFill>
+                  <a:srgbClr val="1D1C1D"/>
+                </a:solidFill>
+                <a:effectLst/>
+                <a:latin typeface="Slack-Lato"/>
+              </a:rPr>
+              <a:t> it appears  the trend of the close price with the 20 day Simple Moving Average and the 50 day Simple Moving Average (seen by day and seen by month) has less downtrend for APPL followed by GOOG.</a:t>
+            </a:r>
+          </a:p>
+          <a:p>
+            <a:endParaRPr lang="en-US" dirty="0">
+              <a:solidFill>
+                <a:srgbClr val="1D1C1D"/>
+              </a:solidFill>
+              <a:latin typeface="Slack-Lato"/>
+            </a:endParaRPr>
+          </a:p>
+          <a:p>
+            <a:r>
+              <a:rPr lang="en-US" dirty="0">
+                <a:solidFill>
+                  <a:srgbClr val="1D1C1D"/>
+                </a:solidFill>
+                <a:latin typeface="Slack-Lato"/>
+              </a:rPr>
+              <a:t>Lyndsay: Due to the rate of change in revenue and share price, I would have to assess my risk &amp; understand more about sustainability going forward; that being said, I would not recommend any at this time. </a:t>
+            </a:r>
+            <a:endParaRPr lang="en-US" dirty="0"/>
+          </a:p>
+        </p:txBody>
+      </p:sp>
+    </p:spTree>
+    <p:extLst>
+      <p:ext uri="{BB962C8B-B14F-4D97-AF65-F5344CB8AC3E}">
+        <p14:creationId xmlns:p14="http://schemas.microsoft.com/office/powerpoint/2010/main" val="786989357"/>
+      </p:ext>
+    </p:extLst>
+  </p:cSld>
+  <p:clrMapOvr>
+    <a:masterClrMapping/>
+  </p:clrMapOvr>
+</p:sld>
+</file>
+
 <file path=ppt/slides/slide3.xml><?xml version="1.0" encoding="utf-8"?>
 <p:sld xmlns:a="http://schemas.openxmlformats.org/drawingml/2006/main" xmlns:r="http://schemas.openxmlformats.org/officeDocument/2006/relationships" xmlns:p="http://schemas.openxmlformats.org/presentationml/2006/main">
   <p:cSld>

--- a/AAPL v AMZN v GOOG.pptx
+++ b/AAPL v AMZN v GOOG.pptx
@@ -5445,11 +5445,13 @@
         <p:spPr>
           <a:xfrm>
             <a:off x="831852" y="659568"/>
-            <a:ext cx="10515600" cy="1094281"/>
-          </a:xfrm>
-        </p:spPr>
-        <p:txBody>
-          <a:bodyPr/>
+            <a:ext cx="10515600" cy="854439"/>
+          </a:xfrm>
+        </p:spPr>
+        <p:txBody>
+          <a:bodyPr>
+            <a:normAutofit fontScale="90000"/>
+          </a:bodyPr>
           <a:lstStyle/>
           <a:p>
             <a:pPr algn="ctr"/>
@@ -5483,11 +5485,27 @@
           </a:xfrm>
         </p:spPr>
         <p:txBody>
-          <a:bodyPr/>
+          <a:bodyPr>
+            <a:normAutofit fontScale="92500" lnSpcReduction="10000"/>
+          </a:bodyPr>
           <a:lstStyle/>
           <a:p>
             <a:r>
-              <a:rPr lang="en-US" dirty="0"/>
+              <a:rPr lang="en-US" dirty="0">
+                <a:solidFill>
+                  <a:schemeClr val="tx1"/>
+                </a:solidFill>
+              </a:rPr>
+              <a:t>Due to difference of opinions in analyzing the data, we have different recommendations:</a:t>
+            </a:r>
+          </a:p>
+          <a:p>
+            <a:r>
+              <a:rPr lang="en-US" dirty="0">
+                <a:solidFill>
+                  <a:schemeClr val="tx1"/>
+                </a:solidFill>
+              </a:rPr>
               <a:t>Stefanie: </a:t>
             </a:r>
             <a:r>
@@ -5536,6 +5554,35 @@
                 <a:latin typeface="Slack-Lato"/>
               </a:rPr>
               <a:t>Lyndsay: Due to the rate of change in revenue and share price, I would have to assess my risk &amp; understand more about sustainability going forward; that being said, I would not recommend any at this time. </a:t>
+            </a:r>
+          </a:p>
+          <a:p>
+            <a:endParaRPr lang="en-US" dirty="0">
+              <a:solidFill>
+                <a:srgbClr val="1D1C1D"/>
+              </a:solidFill>
+              <a:latin typeface="Slack-Lato"/>
+            </a:endParaRPr>
+          </a:p>
+          <a:p>
+            <a:r>
+              <a:rPr lang="en-US" dirty="0">
+                <a:solidFill>
+                  <a:srgbClr val="1D1C1D"/>
+                </a:solidFill>
+                <a:latin typeface="Slack-Lato"/>
+              </a:rPr>
+              <a:t>Kim: </a:t>
+            </a:r>
+            <a:r>
+              <a:rPr lang="en-US" b="0" i="0" dirty="0">
+                <a:solidFill>
+                  <a:srgbClr val="1D1C1D"/>
+                </a:solidFill>
+                <a:effectLst/>
+                <a:latin typeface="Slack-Lato"/>
+              </a:rPr>
+              <a:t>From the data provided on the cash on hand, annual net income &amp; by quarterly net income, APPL shows to have the most value in both net income, revenue, &amp; EPS followed by GOOG. I would not recommend AMZN at this time.</a:t>
             </a:r>
             <a:endParaRPr lang="en-US" dirty="0"/>
           </a:p>
